--- a/(宣道詩100)主我來就你.pptx
+++ b/(宣道詩100)主我來就你.pptx
@@ -2,19 +2,15 @@
 <file path=ppt/presentation.xml><?xml version="1.0" encoding="utf-8"?>
 <p:presentation xmlns:a="http://schemas.openxmlformats.org/drawingml/2006/main" xmlns:r="http://schemas.openxmlformats.org/officeDocument/2006/relationships" xmlns:p="http://schemas.openxmlformats.org/presentationml/2006/main" saveSubsetFonts="1">
   <p:sldMasterIdLst>
-    <p:sldMasterId id="2147483660" r:id="rId1"/>
+    <p:sldMasterId id="2147483672" r:id="rId1"/>
   </p:sldMasterIdLst>
   <p:sldIdLst>
     <p:sldId id="256" r:id="rId2"/>
-    <p:sldId id="261" r:id="rId3"/>
-    <p:sldId id="257" r:id="rId4"/>
-    <p:sldId id="262" r:id="rId5"/>
-    <p:sldId id="258" r:id="rId6"/>
-    <p:sldId id="263" r:id="rId7"/>
-    <p:sldId id="259" r:id="rId8"/>
-    <p:sldId id="260" r:id="rId9"/>
+    <p:sldId id="257" r:id="rId3"/>
+    <p:sldId id="258" r:id="rId4"/>
+    <p:sldId id="259" r:id="rId5"/>
   </p:sldIdLst>
-  <p:sldSz cx="9144000" cy="6858000" type="screen4x3"/>
+  <p:sldSz cx="9144000" cy="5143500" type="screen16x9"/>
   <p:notesSz cx="6858000" cy="9144000"/>
   <p:defaultTextStyle>
     <a:defPPr>
@@ -133,7 +129,7 @@
       </p:grpSpPr>
       <p:sp>
         <p:nvSpPr>
-          <p:cNvPr id="2" name="図形 1"/>
+          <p:cNvPr id="2" name="標題 1"/>
           <p:cNvSpPr>
             <a:spLocks noGrp="1"/>
           </p:cNvSpPr>
@@ -143,8 +139,8 @@
         </p:nvSpPr>
         <p:spPr>
           <a:xfrm>
-            <a:off x="928662" y="1928803"/>
-            <a:ext cx="7172348" cy="1470025"/>
+            <a:off x="685800" y="1597819"/>
+            <a:ext cx="7772400" cy="1102519"/>
           </a:xfrm>
         </p:spPr>
         <p:txBody>
@@ -152,16 +148,16 @@
           <a:lstStyle/>
           <a:p>
             <a:r>
-              <a:rPr kumimoji="1" lang="zh-TW" altLang="en-US" smtClean="0"/>
-              <a:t>按一下以編輯母片標題樣式</a:t>
-            </a:r>
-            <a:endParaRPr kumimoji="1" lang="ja-JP" altLang="en-US" dirty="0"/>
-          </a:p>
-        </p:txBody>
-      </p:sp>
-      <p:sp>
-        <p:nvSpPr>
-          <p:cNvPr id="8" name="図形 7"/>
+              <a:rPr lang="en-US" altLang="zh-TW" smtClean="0"/>
+              <a:t>Click to edit Master title style</a:t>
+            </a:r>
+            <a:endParaRPr lang="zh-TW" altLang="en-US"/>
+          </a:p>
+        </p:txBody>
+      </p:sp>
+      <p:sp>
+        <p:nvSpPr>
+          <p:cNvPr id="3" name="副標題 2"/>
           <p:cNvSpPr>
             <a:spLocks noGrp="1"/>
           </p:cNvSpPr>
@@ -171,8 +167,8 @@
         </p:nvSpPr>
         <p:spPr>
           <a:xfrm>
-            <a:off x="1371600" y="3643314"/>
-            <a:ext cx="6400800" cy="1285884"/>
+            <a:off x="1371600" y="2914650"/>
+            <a:ext cx="6400800" cy="1314450"/>
           </a:xfrm>
         </p:spPr>
         <p:txBody>
@@ -182,7 +178,9 @@
               <a:buNone/>
               <a:defRPr>
                 <a:solidFill>
-                  <a:schemeClr val="tx2"/>
+                  <a:schemeClr val="tx1">
+                    <a:tint val="75000"/>
+                  </a:schemeClr>
                 </a:solidFill>
               </a:defRPr>
             </a:lvl1pPr>
@@ -269,16 +267,16 @@
           </a:lstStyle>
           <a:p>
             <a:r>
-              <a:rPr kumimoji="1" lang="zh-TW" altLang="en-US" smtClean="0"/>
-              <a:t>按一下以編輯母片副標題樣式</a:t>
-            </a:r>
-            <a:endParaRPr kumimoji="1" lang="ja-JP" altLang="en-US" dirty="0"/>
-          </a:p>
-        </p:txBody>
-      </p:sp>
-      <p:sp>
-        <p:nvSpPr>
-          <p:cNvPr id="12" name="図形 11"/>
+              <a:rPr lang="en-US" altLang="zh-TW" smtClean="0"/>
+              <a:t>Click to edit Master subtitle style</a:t>
+            </a:r>
+            <a:endParaRPr lang="zh-TW" altLang="en-US"/>
+          </a:p>
+        </p:txBody>
+      </p:sp>
+      <p:sp>
+        <p:nvSpPr>
+          <p:cNvPr id="4" name="日期版面配置區 3"/>
           <p:cNvSpPr>
             <a:spLocks noGrp="1"/>
           </p:cNvSpPr>
@@ -293,7 +291,7 @@
           <a:p>
             <a:fld id="{D572F042-E3AA-446E-A7BD-209431A81E36}" type="datetimeFigureOut">
               <a:rPr lang="zh-TW" altLang="en-US" smtClean="0"/>
-              <a:t>2017/2/4</a:t>
+              <a:t>2019/7/6</a:t>
             </a:fld>
             <a:endParaRPr lang="zh-TW" altLang="en-US"/>
           </a:p>
@@ -301,7 +299,7 @@
       </p:sp>
       <p:sp>
         <p:nvSpPr>
-          <p:cNvPr id="11" name="図形 10"/>
+          <p:cNvPr id="5" name="頁尾版面配置區 4"/>
           <p:cNvSpPr>
             <a:spLocks noGrp="1"/>
           </p:cNvSpPr>
@@ -320,7 +318,7 @@
       </p:sp>
       <p:sp>
         <p:nvSpPr>
-          <p:cNvPr id="18" name="図形 17"/>
+          <p:cNvPr id="6" name="投影片編號版面配置區 5"/>
           <p:cNvSpPr>
             <a:spLocks noGrp="1"/>
           </p:cNvSpPr>
@@ -350,7 +348,7 @@
 </file>
 
 <file path=ppt/slideLayouts/slideLayout10.xml><?xml version="1.0" encoding="utf-8"?>
-<p:sldLayout xmlns:a="http://schemas.openxmlformats.org/drawingml/2006/main" xmlns:r="http://schemas.openxmlformats.org/officeDocument/2006/relationships" xmlns:p="http://schemas.openxmlformats.org/presentationml/2006/main" showMasterSp="0" type="vertTx" preserve="1">
+<p:sldLayout xmlns:a="http://schemas.openxmlformats.org/drawingml/2006/main" xmlns:r="http://schemas.openxmlformats.org/officeDocument/2006/relationships" xmlns:p="http://schemas.openxmlformats.org/presentationml/2006/main" type="vertTx" preserve="1">
   <p:cSld name="標題及直排文字">
     <p:spTree>
       <p:nvGrpSpPr>
@@ -368,7 +366,7 @@
       </p:grpSpPr>
       <p:sp>
         <p:nvSpPr>
-          <p:cNvPr id="2" name="図形 1"/>
+          <p:cNvPr id="2" name="標題 1"/>
           <p:cNvSpPr>
             <a:spLocks noGrp="1"/>
           </p:cNvSpPr>
@@ -376,27 +374,22 @@
             <p:ph type="title"/>
           </p:nvPr>
         </p:nvSpPr>
-        <p:spPr>
-          <a:xfrm>
-            <a:off x="671514" y="274638"/>
-            <a:ext cx="7829576" cy="1011222"/>
-          </a:xfrm>
-        </p:spPr>
-        <p:txBody>
-          <a:bodyPr/>
-          <a:lstStyle/>
-          <a:p>
-            <a:r>
-              <a:rPr kumimoji="1" lang="zh-TW" altLang="en-US" smtClean="0"/>
-              <a:t>按一下以編輯母片標題樣式</a:t>
-            </a:r>
-            <a:endParaRPr kumimoji="1" lang="ja-JP" altLang="en-US" dirty="0"/>
-          </a:p>
-        </p:txBody>
-      </p:sp>
-      <p:sp>
-        <p:nvSpPr>
-          <p:cNvPr id="3" name="図形 2"/>
+        <p:spPr/>
+        <p:txBody>
+          <a:bodyPr/>
+          <a:lstStyle/>
+          <a:p>
+            <a:r>
+              <a:rPr lang="en-US" altLang="zh-TW" smtClean="0"/>
+              <a:t>Click to edit Master title style</a:t>
+            </a:r>
+            <a:endParaRPr lang="zh-TW" altLang="en-US"/>
+          </a:p>
+        </p:txBody>
+      </p:sp>
+      <p:sp>
+        <p:nvSpPr>
+          <p:cNvPr id="3" name="直排文字版面配置區 2"/>
           <p:cNvSpPr>
             <a:spLocks noGrp="1"/>
           </p:cNvSpPr>
@@ -404,56 +397,51 @@
             <p:ph type="body" orient="vert" idx="1"/>
           </p:nvPr>
         </p:nvSpPr>
-        <p:spPr>
-          <a:xfrm>
-            <a:off x="671514" y="1285860"/>
-            <a:ext cx="7829576" cy="4357718"/>
-          </a:xfrm>
-        </p:spPr>
+        <p:spPr/>
         <p:txBody>
           <a:bodyPr vert="eaVert"/>
           <a:lstStyle/>
           <a:p>
             <a:pPr lvl="0"/>
             <a:r>
-              <a:rPr kumimoji="1" lang="zh-TW" altLang="en-US" smtClean="0"/>
-              <a:t>按一下以編輯母片文字樣式</a:t>
+              <a:rPr lang="en-US" altLang="zh-TW" smtClean="0"/>
+              <a:t>Click to edit Master text styles</a:t>
             </a:r>
           </a:p>
           <a:p>
             <a:pPr lvl="1"/>
             <a:r>
-              <a:rPr kumimoji="1" lang="zh-TW" altLang="en-US" smtClean="0"/>
-              <a:t>第二層</a:t>
+              <a:rPr lang="en-US" altLang="zh-TW" smtClean="0"/>
+              <a:t>Second level</a:t>
             </a:r>
           </a:p>
           <a:p>
             <a:pPr lvl="2"/>
             <a:r>
-              <a:rPr kumimoji="1" lang="zh-TW" altLang="en-US" smtClean="0"/>
-              <a:t>第三層</a:t>
+              <a:rPr lang="en-US" altLang="zh-TW" smtClean="0"/>
+              <a:t>Third level</a:t>
             </a:r>
           </a:p>
           <a:p>
             <a:pPr lvl="3"/>
             <a:r>
-              <a:rPr kumimoji="1" lang="zh-TW" altLang="en-US" smtClean="0"/>
-              <a:t>第四層</a:t>
+              <a:rPr lang="en-US" altLang="zh-TW" smtClean="0"/>
+              <a:t>Fourth level</a:t>
             </a:r>
           </a:p>
           <a:p>
             <a:pPr lvl="4"/>
             <a:r>
-              <a:rPr kumimoji="1" lang="zh-TW" altLang="en-US" smtClean="0"/>
-              <a:t>第五層</a:t>
-            </a:r>
-            <a:endParaRPr kumimoji="1" lang="ja-JP" altLang="en-US" dirty="0"/>
-          </a:p>
-        </p:txBody>
-      </p:sp>
-      <p:sp>
-        <p:nvSpPr>
-          <p:cNvPr id="4" name="図形 3"/>
+              <a:rPr lang="en-US" altLang="zh-TW" smtClean="0"/>
+              <a:t>Fifth level</a:t>
+            </a:r>
+            <a:endParaRPr lang="zh-TW" altLang="en-US"/>
+          </a:p>
+        </p:txBody>
+      </p:sp>
+      <p:sp>
+        <p:nvSpPr>
+          <p:cNvPr id="4" name="日期版面配置區 3"/>
           <p:cNvSpPr>
             <a:spLocks noGrp="1"/>
           </p:cNvSpPr>
@@ -468,7 +456,7 @@
           <a:p>
             <a:fld id="{D572F042-E3AA-446E-A7BD-209431A81E36}" type="datetimeFigureOut">
               <a:rPr lang="zh-TW" altLang="en-US" smtClean="0"/>
-              <a:t>2017/2/4</a:t>
+              <a:t>2019/7/6</a:t>
             </a:fld>
             <a:endParaRPr lang="zh-TW" altLang="en-US"/>
           </a:p>
@@ -476,7 +464,7 @@
       </p:sp>
       <p:sp>
         <p:nvSpPr>
-          <p:cNvPr id="5" name="図形 4"/>
+          <p:cNvPr id="5" name="頁尾版面配置區 4"/>
           <p:cNvSpPr>
             <a:spLocks noGrp="1"/>
           </p:cNvSpPr>
@@ -495,7 +483,7 @@
       </p:sp>
       <p:sp>
         <p:nvSpPr>
-          <p:cNvPr id="6" name="図形 5"/>
+          <p:cNvPr id="6" name="投影片編號版面配置區 5"/>
           <p:cNvSpPr>
             <a:spLocks noGrp="1"/>
           </p:cNvSpPr>
@@ -525,7 +513,7 @@
 </file>
 
 <file path=ppt/slideLayouts/slideLayout11.xml><?xml version="1.0" encoding="utf-8"?>
-<p:sldLayout xmlns:a="http://schemas.openxmlformats.org/drawingml/2006/main" xmlns:r="http://schemas.openxmlformats.org/officeDocument/2006/relationships" xmlns:p="http://schemas.openxmlformats.org/presentationml/2006/main" showMasterSp="0" type="vertTitleAndTx" preserve="1">
+<p:sldLayout xmlns:a="http://schemas.openxmlformats.org/drawingml/2006/main" xmlns:r="http://schemas.openxmlformats.org/officeDocument/2006/relationships" xmlns:p="http://schemas.openxmlformats.org/presentationml/2006/main" type="vertTitleAndTx" preserve="1">
   <p:cSld name="直排標題及文字">
     <p:spTree>
       <p:nvGrpSpPr>
@@ -543,7 +531,7 @@
       </p:grpSpPr>
       <p:sp>
         <p:nvSpPr>
-          <p:cNvPr id="2" name="図形 1"/>
+          <p:cNvPr id="2" name="直排標題 1"/>
           <p:cNvSpPr>
             <a:spLocks noGrp="1"/>
           </p:cNvSpPr>
@@ -553,54 +541,25 @@
         </p:nvSpPr>
         <p:spPr>
           <a:xfrm>
-            <a:off x="6643702" y="285730"/>
-            <a:ext cx="1785950" cy="5565797"/>
+            <a:off x="6629400" y="205979"/>
+            <a:ext cx="2057400" cy="4388644"/>
           </a:xfrm>
         </p:spPr>
         <p:txBody>
           <a:bodyPr vert="eaVert"/>
-          <a:lstStyle>
-            <a:lvl1pPr>
-              <a:defRPr>
-                <a:gradFill flip="none" rotWithShape="1">
-                  <a:gsLst>
-                    <a:gs pos="0">
-                      <a:schemeClr val="tx1">
-                        <a:tint val="65000"/>
-                      </a:schemeClr>
-                    </a:gs>
-                    <a:gs pos="49900">
-                      <a:schemeClr val="tx1">
-                        <a:tint val="95000"/>
-                      </a:schemeClr>
-                    </a:gs>
-                    <a:gs pos="50000">
-                      <a:schemeClr val="tx1"/>
-                    </a:gs>
-                    <a:gs pos="100000">
-                      <a:schemeClr val="tx1">
-                        <a:tint val="95000"/>
-                      </a:schemeClr>
-                    </a:gs>
-                  </a:gsLst>
-                  <a:lin ang="5400000" scaled="1"/>
-                  <a:tileRect/>
-                </a:gradFill>
-              </a:defRPr>
-            </a:lvl1pPr>
-          </a:lstStyle>
-          <a:p>
-            <a:r>
-              <a:rPr kumimoji="1" lang="zh-TW" altLang="en-US" smtClean="0"/>
-              <a:t>按一下以編輯母片標題樣式</a:t>
-            </a:r>
-            <a:endParaRPr kumimoji="1" lang="ja-JP" altLang="en-US" dirty="0"/>
-          </a:p>
-        </p:txBody>
-      </p:sp>
-      <p:sp>
-        <p:nvSpPr>
-          <p:cNvPr id="3" name="図形 2"/>
+          <a:lstStyle/>
+          <a:p>
+            <a:r>
+              <a:rPr lang="en-US" altLang="zh-TW" smtClean="0"/>
+              <a:t>Click to edit Master title style</a:t>
+            </a:r>
+            <a:endParaRPr lang="zh-TW" altLang="en-US"/>
+          </a:p>
+        </p:txBody>
+      </p:sp>
+      <p:sp>
+        <p:nvSpPr>
+          <p:cNvPr id="3" name="直排文字版面配置區 2"/>
           <p:cNvSpPr>
             <a:spLocks noGrp="1"/>
           </p:cNvSpPr>
@@ -610,8 +569,8 @@
         </p:nvSpPr>
         <p:spPr>
           <a:xfrm>
-            <a:off x="642910" y="274640"/>
-            <a:ext cx="5834090" cy="5583253"/>
+            <a:off x="457200" y="205979"/>
+            <a:ext cx="6019800" cy="4388644"/>
           </a:xfrm>
         </p:spPr>
         <p:txBody>
@@ -620,44 +579,44 @@
           <a:p>
             <a:pPr lvl="0"/>
             <a:r>
-              <a:rPr kumimoji="1" lang="zh-TW" altLang="en-US" smtClean="0"/>
-              <a:t>按一下以編輯母片文字樣式</a:t>
+              <a:rPr lang="en-US" altLang="zh-TW" smtClean="0"/>
+              <a:t>Click to edit Master text styles</a:t>
             </a:r>
           </a:p>
           <a:p>
             <a:pPr lvl="1"/>
             <a:r>
-              <a:rPr kumimoji="1" lang="zh-TW" altLang="en-US" smtClean="0"/>
-              <a:t>第二層</a:t>
+              <a:rPr lang="en-US" altLang="zh-TW" smtClean="0"/>
+              <a:t>Second level</a:t>
             </a:r>
           </a:p>
           <a:p>
             <a:pPr lvl="2"/>
             <a:r>
-              <a:rPr kumimoji="1" lang="zh-TW" altLang="en-US" smtClean="0"/>
-              <a:t>第三層</a:t>
+              <a:rPr lang="en-US" altLang="zh-TW" smtClean="0"/>
+              <a:t>Third level</a:t>
             </a:r>
           </a:p>
           <a:p>
             <a:pPr lvl="3"/>
             <a:r>
-              <a:rPr kumimoji="1" lang="zh-TW" altLang="en-US" smtClean="0"/>
-              <a:t>第四層</a:t>
+              <a:rPr lang="en-US" altLang="zh-TW" smtClean="0"/>
+              <a:t>Fourth level</a:t>
             </a:r>
           </a:p>
           <a:p>
             <a:pPr lvl="4"/>
             <a:r>
-              <a:rPr kumimoji="1" lang="zh-TW" altLang="en-US" smtClean="0"/>
-              <a:t>第五層</a:t>
-            </a:r>
-            <a:endParaRPr kumimoji="1" lang="ja-JP" altLang="en-US" dirty="0"/>
-          </a:p>
-        </p:txBody>
-      </p:sp>
-      <p:sp>
-        <p:nvSpPr>
-          <p:cNvPr id="4" name="図形 3"/>
+              <a:rPr lang="en-US" altLang="zh-TW" smtClean="0"/>
+              <a:t>Fifth level</a:t>
+            </a:r>
+            <a:endParaRPr lang="zh-TW" altLang="en-US"/>
+          </a:p>
+        </p:txBody>
+      </p:sp>
+      <p:sp>
+        <p:nvSpPr>
+          <p:cNvPr id="4" name="日期版面配置區 3"/>
           <p:cNvSpPr>
             <a:spLocks noGrp="1"/>
           </p:cNvSpPr>
@@ -665,19 +624,14 @@
             <p:ph type="dt" sz="half" idx="10"/>
           </p:nvPr>
         </p:nvSpPr>
-        <p:spPr>
-          <a:xfrm>
-            <a:off x="652450" y="6356350"/>
-            <a:ext cx="2133600" cy="365125"/>
-          </a:xfrm>
-        </p:spPr>
+        <p:spPr/>
         <p:txBody>
           <a:bodyPr/>
           <a:lstStyle/>
           <a:p>
             <a:fld id="{D572F042-E3AA-446E-A7BD-209431A81E36}" type="datetimeFigureOut">
               <a:rPr lang="zh-TW" altLang="en-US" smtClean="0"/>
-              <a:t>2017/2/4</a:t>
+              <a:t>2019/7/6</a:t>
             </a:fld>
             <a:endParaRPr lang="zh-TW" altLang="en-US"/>
           </a:p>
@@ -685,7 +639,7 @@
       </p:sp>
       <p:sp>
         <p:nvSpPr>
-          <p:cNvPr id="5" name="図形 4"/>
+          <p:cNvPr id="5" name="頁尾版面配置區 4"/>
           <p:cNvSpPr>
             <a:spLocks noGrp="1"/>
           </p:cNvSpPr>
@@ -704,7 +658,7 @@
       </p:sp>
       <p:sp>
         <p:nvSpPr>
-          <p:cNvPr id="6" name="図形 5"/>
+          <p:cNvPr id="6" name="投影片編號版面配置區 5"/>
           <p:cNvSpPr>
             <a:spLocks noGrp="1"/>
           </p:cNvSpPr>
@@ -712,12 +666,7 @@
             <p:ph type="sldNum" sz="quarter" idx="12"/>
           </p:nvPr>
         </p:nvSpPr>
-        <p:spPr>
-          <a:xfrm>
-            <a:off x="6286512" y="6356350"/>
-            <a:ext cx="2133600" cy="365125"/>
-          </a:xfrm>
-        </p:spPr>
+        <p:spPr/>
         <p:txBody>
           <a:bodyPr/>
           <a:lstStyle/>
@@ -757,7 +706,7 @@
       </p:grpSpPr>
       <p:sp>
         <p:nvSpPr>
-          <p:cNvPr id="2" name="図形 1"/>
+          <p:cNvPr id="2" name="標題 1"/>
           <p:cNvSpPr>
             <a:spLocks noGrp="1"/>
           </p:cNvSpPr>
@@ -771,16 +720,16 @@
           <a:lstStyle/>
           <a:p>
             <a:r>
-              <a:rPr kumimoji="1" lang="zh-TW" altLang="en-US" smtClean="0"/>
-              <a:t>按一下以編輯母片標題樣式</a:t>
-            </a:r>
-            <a:endParaRPr kumimoji="1" lang="ja-JP" altLang="en-US"/>
-          </a:p>
-        </p:txBody>
-      </p:sp>
-      <p:sp>
-        <p:nvSpPr>
-          <p:cNvPr id="3" name="図形 2"/>
+              <a:rPr lang="en-US" altLang="zh-TW" smtClean="0"/>
+              <a:t>Click to edit Master title style</a:t>
+            </a:r>
+            <a:endParaRPr lang="zh-TW" altLang="en-US"/>
+          </a:p>
+        </p:txBody>
+      </p:sp>
+      <p:sp>
+        <p:nvSpPr>
+          <p:cNvPr id="3" name="內容版面配置區 2"/>
           <p:cNvSpPr>
             <a:spLocks noGrp="1"/>
           </p:cNvSpPr>
@@ -795,44 +744,44 @@
           <a:p>
             <a:pPr lvl="0"/>
             <a:r>
-              <a:rPr kumimoji="1" lang="zh-TW" altLang="en-US" smtClean="0"/>
-              <a:t>按一下以編輯母片文字樣式</a:t>
+              <a:rPr lang="en-US" altLang="zh-TW" smtClean="0"/>
+              <a:t>Click to edit Master text styles</a:t>
             </a:r>
           </a:p>
           <a:p>
             <a:pPr lvl="1"/>
             <a:r>
-              <a:rPr kumimoji="1" lang="zh-TW" altLang="en-US" smtClean="0"/>
-              <a:t>第二層</a:t>
+              <a:rPr lang="en-US" altLang="zh-TW" smtClean="0"/>
+              <a:t>Second level</a:t>
             </a:r>
           </a:p>
           <a:p>
             <a:pPr lvl="2"/>
             <a:r>
-              <a:rPr kumimoji="1" lang="zh-TW" altLang="en-US" smtClean="0"/>
-              <a:t>第三層</a:t>
+              <a:rPr lang="en-US" altLang="zh-TW" smtClean="0"/>
+              <a:t>Third level</a:t>
             </a:r>
           </a:p>
           <a:p>
             <a:pPr lvl="3"/>
             <a:r>
-              <a:rPr kumimoji="1" lang="zh-TW" altLang="en-US" smtClean="0"/>
-              <a:t>第四層</a:t>
+              <a:rPr lang="en-US" altLang="zh-TW" smtClean="0"/>
+              <a:t>Fourth level</a:t>
             </a:r>
           </a:p>
           <a:p>
             <a:pPr lvl="4"/>
             <a:r>
-              <a:rPr kumimoji="1" lang="zh-TW" altLang="en-US" smtClean="0"/>
-              <a:t>第五層</a:t>
-            </a:r>
-            <a:endParaRPr kumimoji="1" lang="ja-JP" altLang="en-US"/>
-          </a:p>
-        </p:txBody>
-      </p:sp>
-      <p:sp>
-        <p:nvSpPr>
-          <p:cNvPr id="4" name="図形 3"/>
+              <a:rPr lang="en-US" altLang="zh-TW" smtClean="0"/>
+              <a:t>Fifth level</a:t>
+            </a:r>
+            <a:endParaRPr lang="zh-TW" altLang="en-US"/>
+          </a:p>
+        </p:txBody>
+      </p:sp>
+      <p:sp>
+        <p:nvSpPr>
+          <p:cNvPr id="4" name="日期版面配置區 3"/>
           <p:cNvSpPr>
             <a:spLocks noGrp="1"/>
           </p:cNvSpPr>
@@ -847,7 +796,7 @@
           <a:p>
             <a:fld id="{D572F042-E3AA-446E-A7BD-209431A81E36}" type="datetimeFigureOut">
               <a:rPr lang="zh-TW" altLang="en-US" smtClean="0"/>
-              <a:t>2017/2/4</a:t>
+              <a:t>2019/7/6</a:t>
             </a:fld>
             <a:endParaRPr lang="zh-TW" altLang="en-US"/>
           </a:p>
@@ -855,7 +804,7 @@
       </p:sp>
       <p:sp>
         <p:nvSpPr>
-          <p:cNvPr id="5" name="図形 4"/>
+          <p:cNvPr id="5" name="頁尾版面配置區 4"/>
           <p:cNvSpPr>
             <a:spLocks noGrp="1"/>
           </p:cNvSpPr>
@@ -874,7 +823,7 @@
       </p:sp>
       <p:sp>
         <p:nvSpPr>
-          <p:cNvPr id="6" name="図形 5"/>
+          <p:cNvPr id="6" name="投影片編號版面配置區 5"/>
           <p:cNvSpPr>
             <a:spLocks noGrp="1"/>
           </p:cNvSpPr>
@@ -904,7 +853,7 @@
 </file>
 
 <file path=ppt/slideLayouts/slideLayout3.xml><?xml version="1.0" encoding="utf-8"?>
-<p:sldLayout xmlns:a="http://schemas.openxmlformats.org/drawingml/2006/main" xmlns:r="http://schemas.openxmlformats.org/officeDocument/2006/relationships" xmlns:p="http://schemas.openxmlformats.org/presentationml/2006/main" showMasterSp="0" type="secHead" preserve="1">
+<p:sldLayout xmlns:a="http://schemas.openxmlformats.org/drawingml/2006/main" xmlns:r="http://schemas.openxmlformats.org/officeDocument/2006/relationships" xmlns:p="http://schemas.openxmlformats.org/presentationml/2006/main" type="secHead" preserve="1">
   <p:cSld name="區段標題">
     <p:spTree>
       <p:nvGrpSpPr>
@@ -922,7 +871,7 @@
       </p:grpSpPr>
       <p:sp>
         <p:nvSpPr>
-          <p:cNvPr id="2" name="図形 1"/>
+          <p:cNvPr id="2" name="標題 1"/>
           <p:cNvSpPr>
             <a:spLocks noGrp="1"/>
           </p:cNvSpPr>
@@ -932,8 +881,8 @@
         </p:nvSpPr>
         <p:spPr>
           <a:xfrm>
-            <a:off x="1000100" y="4714884"/>
-            <a:ext cx="7215239" cy="862009"/>
+            <a:off x="722313" y="3305176"/>
+            <a:ext cx="7772400" cy="1021556"/>
           </a:xfrm>
         </p:spPr>
         <p:txBody>
@@ -945,16 +894,16 @@
           </a:lstStyle>
           <a:p>
             <a:r>
-              <a:rPr kumimoji="1" lang="zh-TW" altLang="en-US" smtClean="0"/>
-              <a:t>按一下以編輯母片標題樣式</a:t>
-            </a:r>
-            <a:endParaRPr kumimoji="1" lang="ja-JP" altLang="en-US" dirty="0"/>
-          </a:p>
-        </p:txBody>
-      </p:sp>
-      <p:sp>
-        <p:nvSpPr>
-          <p:cNvPr id="3" name="図形 2"/>
+              <a:rPr lang="en-US" altLang="zh-TW" smtClean="0"/>
+              <a:t>Click to edit Master title style</a:t>
+            </a:r>
+            <a:endParaRPr lang="zh-TW" altLang="en-US"/>
+          </a:p>
+        </p:txBody>
+      </p:sp>
+      <p:sp>
+        <p:nvSpPr>
+          <p:cNvPr id="3" name="文字版面配置區 2"/>
           <p:cNvSpPr>
             <a:spLocks noGrp="1"/>
           </p:cNvSpPr>
@@ -964,8 +913,8 @@
         </p:nvSpPr>
         <p:spPr>
           <a:xfrm>
-            <a:off x="1000101" y="2857496"/>
-            <a:ext cx="7215238" cy="1785950"/>
+            <a:off x="722313" y="2180035"/>
+            <a:ext cx="7772400" cy="1125140"/>
           </a:xfrm>
         </p:spPr>
         <p:txBody>
@@ -975,7 +924,9 @@
               <a:buNone/>
               <a:defRPr sz="2000">
                 <a:solidFill>
-                  <a:schemeClr val="tx2"/>
+                  <a:schemeClr val="tx1">
+                    <a:tint val="75000"/>
+                  </a:schemeClr>
                 </a:solidFill>
               </a:defRPr>
             </a:lvl1pPr>
@@ -983,7 +934,9 @@
               <a:buNone/>
               <a:defRPr sz="1800">
                 <a:solidFill>
-                  <a:schemeClr val="tx2"/>
+                  <a:schemeClr val="tx1">
+                    <a:tint val="75000"/>
+                  </a:schemeClr>
                 </a:solidFill>
               </a:defRPr>
             </a:lvl2pPr>
@@ -991,7 +944,9 @@
               <a:buNone/>
               <a:defRPr sz="1600">
                 <a:solidFill>
-                  <a:schemeClr val="tx2"/>
+                  <a:schemeClr val="tx1">
+                    <a:tint val="75000"/>
+                  </a:schemeClr>
                 </a:solidFill>
               </a:defRPr>
             </a:lvl3pPr>
@@ -999,7 +954,9 @@
               <a:buNone/>
               <a:defRPr sz="1400">
                 <a:solidFill>
-                  <a:schemeClr val="tx2"/>
+                  <a:schemeClr val="tx1">
+                    <a:tint val="75000"/>
+                  </a:schemeClr>
                 </a:solidFill>
               </a:defRPr>
             </a:lvl4pPr>
@@ -1007,7 +964,9 @@
               <a:buNone/>
               <a:defRPr sz="1400">
                 <a:solidFill>
-                  <a:schemeClr val="tx2"/>
+                  <a:schemeClr val="tx1">
+                    <a:tint val="75000"/>
+                  </a:schemeClr>
                 </a:solidFill>
               </a:defRPr>
             </a:lvl5pPr>
@@ -1055,44 +1014,15 @@
           <a:p>
             <a:pPr lvl="0"/>
             <a:r>
-              <a:rPr kumimoji="1" lang="zh-TW" altLang="en-US" smtClean="0"/>
-              <a:t>按一下以編輯母片文字樣式</a:t>
-            </a:r>
-          </a:p>
-          <a:p>
-            <a:pPr lvl="1"/>
-            <a:r>
-              <a:rPr kumimoji="1" lang="zh-TW" altLang="en-US" smtClean="0"/>
-              <a:t>第二層</a:t>
-            </a:r>
-          </a:p>
-          <a:p>
-            <a:pPr lvl="2"/>
-            <a:r>
-              <a:rPr kumimoji="1" lang="zh-TW" altLang="en-US" smtClean="0"/>
-              <a:t>第三層</a:t>
-            </a:r>
-          </a:p>
-          <a:p>
-            <a:pPr lvl="3"/>
-            <a:r>
-              <a:rPr kumimoji="1" lang="zh-TW" altLang="en-US" smtClean="0"/>
-              <a:t>第四層</a:t>
-            </a:r>
-          </a:p>
-          <a:p>
-            <a:pPr lvl="4"/>
-            <a:r>
-              <a:rPr kumimoji="1" lang="zh-TW" altLang="en-US" smtClean="0"/>
-              <a:t>第五層</a:t>
-            </a:r>
-            <a:endParaRPr lang="ja-JP" dirty="0"/>
-          </a:p>
-        </p:txBody>
-      </p:sp>
-      <p:sp>
-        <p:nvSpPr>
-          <p:cNvPr id="4" name="図形 3"/>
+              <a:rPr lang="en-US" altLang="zh-TW" smtClean="0"/>
+              <a:t>Click to edit Master text styles</a:t>
+            </a:r>
+          </a:p>
+        </p:txBody>
+      </p:sp>
+      <p:sp>
+        <p:nvSpPr>
+          <p:cNvPr id="4" name="日期版面配置區 3"/>
           <p:cNvSpPr>
             <a:spLocks noGrp="1"/>
           </p:cNvSpPr>
@@ -1103,21 +1033,11 @@
         <p:spPr/>
         <p:txBody>
           <a:bodyPr/>
-          <a:lstStyle>
-            <a:lvl1pPr>
-              <a:defRPr>
-                <a:solidFill>
-                  <a:schemeClr val="tx1">
-                    <a:tint val="75000"/>
-                  </a:schemeClr>
-                </a:solidFill>
-              </a:defRPr>
-            </a:lvl1pPr>
-          </a:lstStyle>
+          <a:lstStyle/>
           <a:p>
             <a:fld id="{D572F042-E3AA-446E-A7BD-209431A81E36}" type="datetimeFigureOut">
               <a:rPr lang="zh-TW" altLang="en-US" smtClean="0"/>
-              <a:t>2017/2/4</a:t>
+              <a:t>2019/7/6</a:t>
             </a:fld>
             <a:endParaRPr lang="zh-TW" altLang="en-US"/>
           </a:p>
@@ -1125,7 +1045,7 @@
       </p:sp>
       <p:sp>
         <p:nvSpPr>
-          <p:cNvPr id="5" name="図形 4"/>
+          <p:cNvPr id="5" name="頁尾版面配置區 4"/>
           <p:cNvSpPr>
             <a:spLocks noGrp="1"/>
           </p:cNvSpPr>
@@ -1144,7 +1064,7 @@
       </p:sp>
       <p:sp>
         <p:nvSpPr>
-          <p:cNvPr id="6" name="図形 5"/>
+          <p:cNvPr id="6" name="投影片編號版面配置區 5"/>
           <p:cNvSpPr>
             <a:spLocks noGrp="1"/>
           </p:cNvSpPr>
@@ -1155,17 +1075,7 @@
         <p:spPr/>
         <p:txBody>
           <a:bodyPr/>
-          <a:lstStyle>
-            <a:lvl1pPr>
-              <a:defRPr>
-                <a:solidFill>
-                  <a:schemeClr val="tx1">
-                    <a:tint val="75000"/>
-                  </a:schemeClr>
-                </a:solidFill>
-              </a:defRPr>
-            </a:lvl1pPr>
-          </a:lstStyle>
+          <a:lstStyle/>
           <a:p>
             <a:fld id="{D3DFBAFD-F893-4F4D-BBC6-C28078AB0114}" type="slidenum">
               <a:rPr lang="zh-TW" altLang="en-US" smtClean="0"/>
@@ -1202,7 +1112,7 @@
       </p:grpSpPr>
       <p:sp>
         <p:nvSpPr>
-          <p:cNvPr id="2" name="図形 1"/>
+          <p:cNvPr id="2" name="標題 1"/>
           <p:cNvSpPr>
             <a:spLocks noGrp="1"/>
           </p:cNvSpPr>
@@ -1216,16 +1126,16 @@
           <a:lstStyle/>
           <a:p>
             <a:r>
-              <a:rPr kumimoji="1" lang="zh-TW" altLang="en-US" smtClean="0"/>
-              <a:t>按一下以編輯母片標題樣式</a:t>
-            </a:r>
-            <a:endParaRPr kumimoji="1" lang="ja-JP" altLang="en-US"/>
-          </a:p>
-        </p:txBody>
-      </p:sp>
-      <p:sp>
-        <p:nvSpPr>
-          <p:cNvPr id="3" name="図形 2"/>
+              <a:rPr lang="en-US" altLang="zh-TW" smtClean="0"/>
+              <a:t>Click to edit Master title style</a:t>
+            </a:r>
+            <a:endParaRPr lang="zh-TW" altLang="en-US"/>
+          </a:p>
+        </p:txBody>
+      </p:sp>
+      <p:sp>
+        <p:nvSpPr>
+          <p:cNvPr id="3" name="內容版面配置區 2"/>
           <p:cNvSpPr>
             <a:spLocks noGrp="1"/>
           </p:cNvSpPr>
@@ -1235,8 +1145,8 @@
         </p:nvSpPr>
         <p:spPr>
           <a:xfrm>
-            <a:off x="457200" y="1600200"/>
-            <a:ext cx="4038600" cy="4525963"/>
+            <a:off x="457200" y="1200151"/>
+            <a:ext cx="4038600" cy="3394472"/>
           </a:xfrm>
         </p:spPr>
         <p:txBody>
@@ -1273,44 +1183,44 @@
           <a:p>
             <a:pPr lvl="0"/>
             <a:r>
-              <a:rPr kumimoji="1" lang="zh-TW" altLang="en-US" smtClean="0"/>
-              <a:t>按一下以編輯母片文字樣式</a:t>
+              <a:rPr lang="en-US" altLang="zh-TW" smtClean="0"/>
+              <a:t>Click to edit Master text styles</a:t>
             </a:r>
           </a:p>
           <a:p>
             <a:pPr lvl="1"/>
             <a:r>
-              <a:rPr kumimoji="1" lang="zh-TW" altLang="en-US" smtClean="0"/>
-              <a:t>第二層</a:t>
+              <a:rPr lang="en-US" altLang="zh-TW" smtClean="0"/>
+              <a:t>Second level</a:t>
             </a:r>
           </a:p>
           <a:p>
             <a:pPr lvl="2"/>
             <a:r>
-              <a:rPr kumimoji="1" lang="zh-TW" altLang="en-US" smtClean="0"/>
-              <a:t>第三層</a:t>
+              <a:rPr lang="en-US" altLang="zh-TW" smtClean="0"/>
+              <a:t>Third level</a:t>
             </a:r>
           </a:p>
           <a:p>
             <a:pPr lvl="3"/>
             <a:r>
-              <a:rPr kumimoji="1" lang="zh-TW" altLang="en-US" smtClean="0"/>
-              <a:t>第四層</a:t>
+              <a:rPr lang="en-US" altLang="zh-TW" smtClean="0"/>
+              <a:t>Fourth level</a:t>
             </a:r>
           </a:p>
           <a:p>
             <a:pPr lvl="4"/>
             <a:r>
-              <a:rPr kumimoji="1" lang="zh-TW" altLang="en-US" smtClean="0"/>
-              <a:t>第五層</a:t>
-            </a:r>
-            <a:endParaRPr kumimoji="1" lang="ja-JP" altLang="en-US"/>
-          </a:p>
-        </p:txBody>
-      </p:sp>
-      <p:sp>
-        <p:nvSpPr>
-          <p:cNvPr id="4" name="図形 3"/>
+              <a:rPr lang="en-US" altLang="zh-TW" smtClean="0"/>
+              <a:t>Fifth level</a:t>
+            </a:r>
+            <a:endParaRPr lang="zh-TW" altLang="en-US"/>
+          </a:p>
+        </p:txBody>
+      </p:sp>
+      <p:sp>
+        <p:nvSpPr>
+          <p:cNvPr id="4" name="內容版面配置區 3"/>
           <p:cNvSpPr>
             <a:spLocks noGrp="1"/>
           </p:cNvSpPr>
@@ -1320,8 +1230,8 @@
         </p:nvSpPr>
         <p:spPr>
           <a:xfrm>
-            <a:off x="4648200" y="1600200"/>
-            <a:ext cx="4038600" cy="4525963"/>
+            <a:off x="4648200" y="1200151"/>
+            <a:ext cx="4038600" cy="3394472"/>
           </a:xfrm>
         </p:spPr>
         <p:txBody>
@@ -1358,44 +1268,44 @@
           <a:p>
             <a:pPr lvl="0"/>
             <a:r>
-              <a:rPr kumimoji="1" lang="zh-TW" altLang="en-US" smtClean="0"/>
-              <a:t>按一下以編輯母片文字樣式</a:t>
+              <a:rPr lang="en-US" altLang="zh-TW" smtClean="0"/>
+              <a:t>Click to edit Master text styles</a:t>
             </a:r>
           </a:p>
           <a:p>
             <a:pPr lvl="1"/>
             <a:r>
-              <a:rPr kumimoji="1" lang="zh-TW" altLang="en-US" smtClean="0"/>
-              <a:t>第二層</a:t>
+              <a:rPr lang="en-US" altLang="zh-TW" smtClean="0"/>
+              <a:t>Second level</a:t>
             </a:r>
           </a:p>
           <a:p>
             <a:pPr lvl="2"/>
             <a:r>
-              <a:rPr kumimoji="1" lang="zh-TW" altLang="en-US" smtClean="0"/>
-              <a:t>第三層</a:t>
+              <a:rPr lang="en-US" altLang="zh-TW" smtClean="0"/>
+              <a:t>Third level</a:t>
             </a:r>
           </a:p>
           <a:p>
             <a:pPr lvl="3"/>
             <a:r>
-              <a:rPr kumimoji="1" lang="zh-TW" altLang="en-US" smtClean="0"/>
-              <a:t>第四層</a:t>
+              <a:rPr lang="en-US" altLang="zh-TW" smtClean="0"/>
+              <a:t>Fourth level</a:t>
             </a:r>
           </a:p>
           <a:p>
             <a:pPr lvl="4"/>
             <a:r>
-              <a:rPr kumimoji="1" lang="zh-TW" altLang="en-US" smtClean="0"/>
-              <a:t>第五層</a:t>
-            </a:r>
-            <a:endParaRPr kumimoji="1" lang="ja-JP" altLang="en-US"/>
-          </a:p>
-        </p:txBody>
-      </p:sp>
-      <p:sp>
-        <p:nvSpPr>
-          <p:cNvPr id="5" name="図形 4"/>
+              <a:rPr lang="en-US" altLang="zh-TW" smtClean="0"/>
+              <a:t>Fifth level</a:t>
+            </a:r>
+            <a:endParaRPr lang="zh-TW" altLang="en-US"/>
+          </a:p>
+        </p:txBody>
+      </p:sp>
+      <p:sp>
+        <p:nvSpPr>
+          <p:cNvPr id="5" name="日期版面配置區 4"/>
           <p:cNvSpPr>
             <a:spLocks noGrp="1"/>
           </p:cNvSpPr>
@@ -1410,7 +1320,7 @@
           <a:p>
             <a:fld id="{D572F042-E3AA-446E-A7BD-209431A81E36}" type="datetimeFigureOut">
               <a:rPr lang="zh-TW" altLang="en-US" smtClean="0"/>
-              <a:t>2017/2/4</a:t>
+              <a:t>2019/7/6</a:t>
             </a:fld>
             <a:endParaRPr lang="zh-TW" altLang="en-US"/>
           </a:p>
@@ -1418,7 +1328,7 @@
       </p:sp>
       <p:sp>
         <p:nvSpPr>
-          <p:cNvPr id="6" name="図形 5"/>
+          <p:cNvPr id="6" name="頁尾版面配置區 5"/>
           <p:cNvSpPr>
             <a:spLocks noGrp="1"/>
           </p:cNvSpPr>
@@ -1437,7 +1347,7 @@
       </p:sp>
       <p:sp>
         <p:nvSpPr>
-          <p:cNvPr id="7" name="図形 6"/>
+          <p:cNvPr id="7" name="投影片編號版面配置區 6"/>
           <p:cNvSpPr>
             <a:spLocks noGrp="1"/>
           </p:cNvSpPr>
@@ -1485,7 +1395,7 @@
       </p:grpSpPr>
       <p:sp>
         <p:nvSpPr>
-          <p:cNvPr id="2" name="図形 1"/>
+          <p:cNvPr id="2" name="標題 1"/>
           <p:cNvSpPr>
             <a:spLocks noGrp="1"/>
           </p:cNvSpPr>
@@ -1503,16 +1413,16 @@
           </a:lstStyle>
           <a:p>
             <a:r>
-              <a:rPr kumimoji="1" lang="zh-TW" altLang="en-US" smtClean="0"/>
-              <a:t>按一下以編輯母片標題樣式</a:t>
-            </a:r>
-            <a:endParaRPr kumimoji="1" lang="ja-JP" altLang="en-US"/>
-          </a:p>
-        </p:txBody>
-      </p:sp>
-      <p:sp>
-        <p:nvSpPr>
-          <p:cNvPr id="3" name="図形 2"/>
+              <a:rPr lang="en-US" altLang="zh-TW" smtClean="0"/>
+              <a:t>Click to edit Master title style</a:t>
+            </a:r>
+            <a:endParaRPr lang="zh-TW" altLang="en-US"/>
+          </a:p>
+        </p:txBody>
+      </p:sp>
+      <p:sp>
+        <p:nvSpPr>
+          <p:cNvPr id="3" name="文字版面配置區 2"/>
           <p:cNvSpPr>
             <a:spLocks noGrp="1"/>
           </p:cNvSpPr>
@@ -1522,8 +1432,8 @@
         </p:nvSpPr>
         <p:spPr>
           <a:xfrm>
-            <a:off x="457200" y="1535113"/>
-            <a:ext cx="4040188" cy="639762"/>
+            <a:off x="457200" y="1151335"/>
+            <a:ext cx="4040188" cy="479822"/>
           </a:xfrm>
         </p:spPr>
         <p:txBody>
@@ -1569,44 +1479,15 @@
           <a:p>
             <a:pPr lvl="0"/>
             <a:r>
-              <a:rPr kumimoji="1" lang="zh-TW" altLang="en-US" smtClean="0"/>
-              <a:t>按一下以編輯母片文字樣式</a:t>
-            </a:r>
-          </a:p>
-          <a:p>
-            <a:pPr lvl="1"/>
-            <a:r>
-              <a:rPr kumimoji="1" lang="zh-TW" altLang="en-US" smtClean="0"/>
-              <a:t>第二層</a:t>
-            </a:r>
-          </a:p>
-          <a:p>
-            <a:pPr lvl="2"/>
-            <a:r>
-              <a:rPr kumimoji="1" lang="zh-TW" altLang="en-US" smtClean="0"/>
-              <a:t>第三層</a:t>
-            </a:r>
-          </a:p>
-          <a:p>
-            <a:pPr lvl="3"/>
-            <a:r>
-              <a:rPr kumimoji="1" lang="zh-TW" altLang="en-US" smtClean="0"/>
-              <a:t>第四層</a:t>
-            </a:r>
-          </a:p>
-          <a:p>
-            <a:pPr lvl="4"/>
-            <a:r>
-              <a:rPr kumimoji="1" lang="zh-TW" altLang="en-US" smtClean="0"/>
-              <a:t>第五層</a:t>
-            </a:r>
-            <a:endParaRPr lang="ja-JP"/>
-          </a:p>
-        </p:txBody>
-      </p:sp>
-      <p:sp>
-        <p:nvSpPr>
-          <p:cNvPr id="4" name="図形 3"/>
+              <a:rPr lang="en-US" altLang="zh-TW" smtClean="0"/>
+              <a:t>Click to edit Master text styles</a:t>
+            </a:r>
+          </a:p>
+        </p:txBody>
+      </p:sp>
+      <p:sp>
+        <p:nvSpPr>
+          <p:cNvPr id="4" name="內容版面配置區 3"/>
           <p:cNvSpPr>
             <a:spLocks noGrp="1"/>
           </p:cNvSpPr>
@@ -1616,8 +1497,8 @@
         </p:nvSpPr>
         <p:spPr>
           <a:xfrm>
-            <a:off x="457200" y="2174875"/>
-            <a:ext cx="4040188" cy="3951288"/>
+            <a:off x="457200" y="1631156"/>
+            <a:ext cx="4040188" cy="2963466"/>
           </a:xfrm>
         </p:spPr>
         <p:txBody>
@@ -1654,44 +1535,44 @@
           <a:p>
             <a:pPr lvl="0"/>
             <a:r>
-              <a:rPr kumimoji="1" lang="zh-TW" altLang="en-US" smtClean="0"/>
-              <a:t>按一下以編輯母片文字樣式</a:t>
+              <a:rPr lang="en-US" altLang="zh-TW" smtClean="0"/>
+              <a:t>Click to edit Master text styles</a:t>
             </a:r>
           </a:p>
           <a:p>
             <a:pPr lvl="1"/>
             <a:r>
-              <a:rPr kumimoji="1" lang="zh-TW" altLang="en-US" smtClean="0"/>
-              <a:t>第二層</a:t>
+              <a:rPr lang="en-US" altLang="zh-TW" smtClean="0"/>
+              <a:t>Second level</a:t>
             </a:r>
           </a:p>
           <a:p>
             <a:pPr lvl="2"/>
             <a:r>
-              <a:rPr kumimoji="1" lang="zh-TW" altLang="en-US" smtClean="0"/>
-              <a:t>第三層</a:t>
+              <a:rPr lang="en-US" altLang="zh-TW" smtClean="0"/>
+              <a:t>Third level</a:t>
             </a:r>
           </a:p>
           <a:p>
             <a:pPr lvl="3"/>
             <a:r>
-              <a:rPr kumimoji="1" lang="zh-TW" altLang="en-US" smtClean="0"/>
-              <a:t>第四層</a:t>
+              <a:rPr lang="en-US" altLang="zh-TW" smtClean="0"/>
+              <a:t>Fourth level</a:t>
             </a:r>
           </a:p>
           <a:p>
             <a:pPr lvl="4"/>
             <a:r>
-              <a:rPr kumimoji="1" lang="zh-TW" altLang="en-US" smtClean="0"/>
-              <a:t>第五層</a:t>
-            </a:r>
-            <a:endParaRPr kumimoji="1" lang="ja-JP" altLang="en-US"/>
-          </a:p>
-        </p:txBody>
-      </p:sp>
-      <p:sp>
-        <p:nvSpPr>
-          <p:cNvPr id="5" name="図形 4"/>
+              <a:rPr lang="en-US" altLang="zh-TW" smtClean="0"/>
+              <a:t>Fifth level</a:t>
+            </a:r>
+            <a:endParaRPr lang="zh-TW" altLang="en-US"/>
+          </a:p>
+        </p:txBody>
+      </p:sp>
+      <p:sp>
+        <p:nvSpPr>
+          <p:cNvPr id="5" name="文字版面配置區 4"/>
           <p:cNvSpPr>
             <a:spLocks noGrp="1"/>
           </p:cNvSpPr>
@@ -1701,8 +1582,8 @@
         </p:nvSpPr>
         <p:spPr>
           <a:xfrm>
-            <a:off x="4645025" y="1535113"/>
-            <a:ext cx="4041775" cy="639762"/>
+            <a:off x="4645026" y="1151335"/>
+            <a:ext cx="4041775" cy="479822"/>
           </a:xfrm>
         </p:spPr>
         <p:txBody>
@@ -1748,44 +1629,15 @@
           <a:p>
             <a:pPr lvl="0"/>
             <a:r>
-              <a:rPr kumimoji="1" lang="zh-TW" altLang="en-US" smtClean="0"/>
-              <a:t>按一下以編輯母片文字樣式</a:t>
-            </a:r>
-          </a:p>
-          <a:p>
-            <a:pPr lvl="1"/>
-            <a:r>
-              <a:rPr kumimoji="1" lang="zh-TW" altLang="en-US" smtClean="0"/>
-              <a:t>第二層</a:t>
-            </a:r>
-          </a:p>
-          <a:p>
-            <a:pPr lvl="2"/>
-            <a:r>
-              <a:rPr kumimoji="1" lang="zh-TW" altLang="en-US" smtClean="0"/>
-              <a:t>第三層</a:t>
-            </a:r>
-          </a:p>
-          <a:p>
-            <a:pPr lvl="3"/>
-            <a:r>
-              <a:rPr kumimoji="1" lang="zh-TW" altLang="en-US" smtClean="0"/>
-              <a:t>第四層</a:t>
-            </a:r>
-          </a:p>
-          <a:p>
-            <a:pPr lvl="4"/>
-            <a:r>
-              <a:rPr kumimoji="1" lang="zh-TW" altLang="en-US" smtClean="0"/>
-              <a:t>第五層</a:t>
-            </a:r>
-            <a:endParaRPr lang="ja-JP"/>
-          </a:p>
-        </p:txBody>
-      </p:sp>
-      <p:sp>
-        <p:nvSpPr>
-          <p:cNvPr id="6" name="図形 5"/>
+              <a:rPr lang="en-US" altLang="zh-TW" smtClean="0"/>
+              <a:t>Click to edit Master text styles</a:t>
+            </a:r>
+          </a:p>
+        </p:txBody>
+      </p:sp>
+      <p:sp>
+        <p:nvSpPr>
+          <p:cNvPr id="6" name="內容版面配置區 5"/>
           <p:cNvSpPr>
             <a:spLocks noGrp="1"/>
           </p:cNvSpPr>
@@ -1795,8 +1647,8 @@
         </p:nvSpPr>
         <p:spPr>
           <a:xfrm>
-            <a:off x="4645025" y="2174875"/>
-            <a:ext cx="4041775" cy="3951288"/>
+            <a:off x="4645026" y="1631156"/>
+            <a:ext cx="4041775" cy="2963466"/>
           </a:xfrm>
         </p:spPr>
         <p:txBody>
@@ -1833,44 +1685,44 @@
           <a:p>
             <a:pPr lvl="0"/>
             <a:r>
-              <a:rPr kumimoji="1" lang="zh-TW" altLang="en-US" smtClean="0"/>
-              <a:t>按一下以編輯母片文字樣式</a:t>
+              <a:rPr lang="en-US" altLang="zh-TW" smtClean="0"/>
+              <a:t>Click to edit Master text styles</a:t>
             </a:r>
           </a:p>
           <a:p>
             <a:pPr lvl="1"/>
             <a:r>
-              <a:rPr kumimoji="1" lang="zh-TW" altLang="en-US" smtClean="0"/>
-              <a:t>第二層</a:t>
+              <a:rPr lang="en-US" altLang="zh-TW" smtClean="0"/>
+              <a:t>Second level</a:t>
             </a:r>
           </a:p>
           <a:p>
             <a:pPr lvl="2"/>
             <a:r>
-              <a:rPr kumimoji="1" lang="zh-TW" altLang="en-US" smtClean="0"/>
-              <a:t>第三層</a:t>
+              <a:rPr lang="en-US" altLang="zh-TW" smtClean="0"/>
+              <a:t>Third level</a:t>
             </a:r>
           </a:p>
           <a:p>
             <a:pPr lvl="3"/>
             <a:r>
-              <a:rPr kumimoji="1" lang="zh-TW" altLang="en-US" smtClean="0"/>
-              <a:t>第四層</a:t>
+              <a:rPr lang="en-US" altLang="zh-TW" smtClean="0"/>
+              <a:t>Fourth level</a:t>
             </a:r>
           </a:p>
           <a:p>
             <a:pPr lvl="4"/>
             <a:r>
-              <a:rPr kumimoji="1" lang="zh-TW" altLang="en-US" smtClean="0"/>
-              <a:t>第五層</a:t>
-            </a:r>
-            <a:endParaRPr kumimoji="1" lang="ja-JP" altLang="en-US"/>
-          </a:p>
-        </p:txBody>
-      </p:sp>
-      <p:sp>
-        <p:nvSpPr>
-          <p:cNvPr id="7" name="図形 6"/>
+              <a:rPr lang="en-US" altLang="zh-TW" smtClean="0"/>
+              <a:t>Fifth level</a:t>
+            </a:r>
+            <a:endParaRPr lang="zh-TW" altLang="en-US"/>
+          </a:p>
+        </p:txBody>
+      </p:sp>
+      <p:sp>
+        <p:nvSpPr>
+          <p:cNvPr id="7" name="日期版面配置區 6"/>
           <p:cNvSpPr>
             <a:spLocks noGrp="1"/>
           </p:cNvSpPr>
@@ -1885,7 +1737,7 @@
           <a:p>
             <a:fld id="{D572F042-E3AA-446E-A7BD-209431A81E36}" type="datetimeFigureOut">
               <a:rPr lang="zh-TW" altLang="en-US" smtClean="0"/>
-              <a:t>2017/2/4</a:t>
+              <a:t>2019/7/6</a:t>
             </a:fld>
             <a:endParaRPr lang="zh-TW" altLang="en-US"/>
           </a:p>
@@ -1893,7 +1745,7 @@
       </p:sp>
       <p:sp>
         <p:nvSpPr>
-          <p:cNvPr id="8" name="図形 7"/>
+          <p:cNvPr id="8" name="頁尾版面配置區 7"/>
           <p:cNvSpPr>
             <a:spLocks noGrp="1"/>
           </p:cNvSpPr>
@@ -1912,7 +1764,7 @@
       </p:sp>
       <p:sp>
         <p:nvSpPr>
-          <p:cNvPr id="9" name="図形 8"/>
+          <p:cNvPr id="9" name="投影片編號版面配置區 8"/>
           <p:cNvSpPr>
             <a:spLocks noGrp="1"/>
           </p:cNvSpPr>
@@ -1960,7 +1812,7 @@
       </p:grpSpPr>
       <p:sp>
         <p:nvSpPr>
-          <p:cNvPr id="2" name="図形 1"/>
+          <p:cNvPr id="2" name="標題 1"/>
           <p:cNvSpPr>
             <a:spLocks noGrp="1"/>
           </p:cNvSpPr>
@@ -1968,27 +1820,22 @@
             <p:ph type="title"/>
           </p:nvPr>
         </p:nvSpPr>
-        <p:spPr>
-          <a:xfrm>
-            <a:off x="1671646" y="4572008"/>
-            <a:ext cx="6400816" cy="928686"/>
-          </a:xfrm>
-        </p:spPr>
-        <p:txBody>
-          <a:bodyPr/>
-          <a:lstStyle/>
-          <a:p>
-            <a:r>
-              <a:rPr kumimoji="1" lang="zh-TW" altLang="en-US" smtClean="0"/>
-              <a:t>按一下以編輯母片標題樣式</a:t>
-            </a:r>
-            <a:endParaRPr kumimoji="1" lang="ja-JP" altLang="en-US" dirty="0"/>
-          </a:p>
-        </p:txBody>
-      </p:sp>
-      <p:sp>
-        <p:nvSpPr>
-          <p:cNvPr id="3" name="図形 2"/>
+        <p:spPr/>
+        <p:txBody>
+          <a:bodyPr/>
+          <a:lstStyle/>
+          <a:p>
+            <a:r>
+              <a:rPr lang="en-US" altLang="zh-TW" smtClean="0"/>
+              <a:t>Click to edit Master title style</a:t>
+            </a:r>
+            <a:endParaRPr lang="zh-TW" altLang="en-US"/>
+          </a:p>
+        </p:txBody>
+      </p:sp>
+      <p:sp>
+        <p:nvSpPr>
+          <p:cNvPr id="3" name="日期版面配置區 2"/>
           <p:cNvSpPr>
             <a:spLocks noGrp="1"/>
           </p:cNvSpPr>
@@ -2003,7 +1850,7 @@
           <a:p>
             <a:fld id="{D572F042-E3AA-446E-A7BD-209431A81E36}" type="datetimeFigureOut">
               <a:rPr lang="zh-TW" altLang="en-US" smtClean="0"/>
-              <a:t>2017/2/4</a:t>
+              <a:t>2019/7/6</a:t>
             </a:fld>
             <a:endParaRPr lang="zh-TW" altLang="en-US"/>
           </a:p>
@@ -2011,7 +1858,7 @@
       </p:sp>
       <p:sp>
         <p:nvSpPr>
-          <p:cNvPr id="4" name="図形 3"/>
+          <p:cNvPr id="4" name="頁尾版面配置區 3"/>
           <p:cNvSpPr>
             <a:spLocks noGrp="1"/>
           </p:cNvSpPr>
@@ -2030,7 +1877,7 @@
       </p:sp>
       <p:sp>
         <p:nvSpPr>
-          <p:cNvPr id="5" name="図形 4"/>
+          <p:cNvPr id="5" name="投影片編號版面配置區 4"/>
           <p:cNvSpPr>
             <a:spLocks noGrp="1"/>
           </p:cNvSpPr>
@@ -2078,7 +1925,7 @@
       </p:grpSpPr>
       <p:sp>
         <p:nvSpPr>
-          <p:cNvPr id="2" name="図形 1"/>
+          <p:cNvPr id="2" name="日期版面配置區 1"/>
           <p:cNvSpPr>
             <a:spLocks noGrp="1"/>
           </p:cNvSpPr>
@@ -2093,7 +1940,7 @@
           <a:p>
             <a:fld id="{D572F042-E3AA-446E-A7BD-209431A81E36}" type="datetimeFigureOut">
               <a:rPr lang="zh-TW" altLang="en-US" smtClean="0"/>
-              <a:t>2017/2/4</a:t>
+              <a:t>2019/7/6</a:t>
             </a:fld>
             <a:endParaRPr lang="zh-TW" altLang="en-US"/>
           </a:p>
@@ -2101,7 +1948,7 @@
       </p:sp>
       <p:sp>
         <p:nvSpPr>
-          <p:cNvPr id="3" name="図形 2"/>
+          <p:cNvPr id="3" name="頁尾版面配置區 2"/>
           <p:cNvSpPr>
             <a:spLocks noGrp="1"/>
           </p:cNvSpPr>
@@ -2120,7 +1967,7 @@
       </p:sp>
       <p:sp>
         <p:nvSpPr>
-          <p:cNvPr id="4" name="図形 3"/>
+          <p:cNvPr id="4" name="投影片編號版面配置區 3"/>
           <p:cNvSpPr>
             <a:spLocks noGrp="1"/>
           </p:cNvSpPr>
@@ -2168,7 +2015,7 @@
       </p:grpSpPr>
       <p:sp>
         <p:nvSpPr>
-          <p:cNvPr id="2" name="図形 1"/>
+          <p:cNvPr id="2" name="標題 1"/>
           <p:cNvSpPr>
             <a:spLocks noGrp="1"/>
           </p:cNvSpPr>
@@ -2178,8 +2025,8 @@
         </p:nvSpPr>
         <p:spPr>
           <a:xfrm>
-            <a:off x="457200" y="273050"/>
-            <a:ext cx="3008313" cy="1162050"/>
+            <a:off x="457201" y="204787"/>
+            <a:ext cx="3008313" cy="871538"/>
           </a:xfrm>
         </p:spPr>
         <p:txBody>
@@ -2191,16 +2038,16 @@
           </a:lstStyle>
           <a:p>
             <a:r>
-              <a:rPr kumimoji="1" lang="zh-TW" altLang="en-US" smtClean="0"/>
-              <a:t>按一下以編輯母片標題樣式</a:t>
-            </a:r>
-            <a:endParaRPr kumimoji="1" lang="ja-JP" altLang="en-US"/>
-          </a:p>
-        </p:txBody>
-      </p:sp>
-      <p:sp>
-        <p:nvSpPr>
-          <p:cNvPr id="3" name="図形 2"/>
+              <a:rPr lang="en-US" altLang="zh-TW" smtClean="0"/>
+              <a:t>Click to edit Master title style</a:t>
+            </a:r>
+            <a:endParaRPr lang="zh-TW" altLang="en-US"/>
+          </a:p>
+        </p:txBody>
+      </p:sp>
+      <p:sp>
+        <p:nvSpPr>
+          <p:cNvPr id="3" name="內容版面配置區 2"/>
           <p:cNvSpPr>
             <a:spLocks noGrp="1"/>
           </p:cNvSpPr>
@@ -2210,8 +2057,8 @@
         </p:nvSpPr>
         <p:spPr>
           <a:xfrm>
-            <a:off x="3575050" y="1428737"/>
-            <a:ext cx="5111750" cy="4697427"/>
+            <a:off x="3575050" y="204788"/>
+            <a:ext cx="5111750" cy="4389835"/>
           </a:xfrm>
         </p:spPr>
         <p:txBody>
@@ -2248,44 +2095,44 @@
           <a:p>
             <a:pPr lvl="0"/>
             <a:r>
-              <a:rPr kumimoji="1" lang="zh-TW" altLang="en-US" smtClean="0"/>
-              <a:t>按一下以編輯母片文字樣式</a:t>
+              <a:rPr lang="en-US" altLang="zh-TW" smtClean="0"/>
+              <a:t>Click to edit Master text styles</a:t>
             </a:r>
           </a:p>
           <a:p>
             <a:pPr lvl="1"/>
             <a:r>
-              <a:rPr kumimoji="1" lang="zh-TW" altLang="en-US" smtClean="0"/>
-              <a:t>第二層</a:t>
+              <a:rPr lang="en-US" altLang="zh-TW" smtClean="0"/>
+              <a:t>Second level</a:t>
             </a:r>
           </a:p>
           <a:p>
             <a:pPr lvl="2"/>
             <a:r>
-              <a:rPr kumimoji="1" lang="zh-TW" altLang="en-US" smtClean="0"/>
-              <a:t>第三層</a:t>
+              <a:rPr lang="en-US" altLang="zh-TW" smtClean="0"/>
+              <a:t>Third level</a:t>
             </a:r>
           </a:p>
           <a:p>
             <a:pPr lvl="3"/>
             <a:r>
-              <a:rPr kumimoji="1" lang="zh-TW" altLang="en-US" smtClean="0"/>
-              <a:t>第四層</a:t>
+              <a:rPr lang="en-US" altLang="zh-TW" smtClean="0"/>
+              <a:t>Fourth level</a:t>
             </a:r>
           </a:p>
           <a:p>
             <a:pPr lvl="4"/>
             <a:r>
-              <a:rPr kumimoji="1" lang="zh-TW" altLang="en-US" smtClean="0"/>
-              <a:t>第五層</a:t>
-            </a:r>
-            <a:endParaRPr kumimoji="1" lang="ja-JP" altLang="en-US" dirty="0"/>
-          </a:p>
-        </p:txBody>
-      </p:sp>
-      <p:sp>
-        <p:nvSpPr>
-          <p:cNvPr id="4" name="図形 3"/>
+              <a:rPr lang="en-US" altLang="zh-TW" smtClean="0"/>
+              <a:t>Fifth level</a:t>
+            </a:r>
+            <a:endParaRPr lang="zh-TW" altLang="en-US"/>
+          </a:p>
+        </p:txBody>
+      </p:sp>
+      <p:sp>
+        <p:nvSpPr>
+          <p:cNvPr id="4" name="文字版面配置區 3"/>
           <p:cNvSpPr>
             <a:spLocks noGrp="1"/>
           </p:cNvSpPr>
@@ -2295,8 +2142,8 @@
         </p:nvSpPr>
         <p:spPr>
           <a:xfrm>
-            <a:off x="457200" y="1435100"/>
-            <a:ext cx="3008313" cy="4691063"/>
+            <a:off x="457201" y="1076326"/>
+            <a:ext cx="3008313" cy="3518297"/>
           </a:xfrm>
         </p:spPr>
         <p:txBody>
@@ -2342,44 +2189,15 @@
           <a:p>
             <a:pPr lvl="0"/>
             <a:r>
-              <a:rPr kumimoji="1" lang="zh-TW" altLang="en-US" smtClean="0"/>
-              <a:t>按一下以編輯母片文字樣式</a:t>
-            </a:r>
-          </a:p>
-          <a:p>
-            <a:pPr lvl="1"/>
-            <a:r>
-              <a:rPr kumimoji="1" lang="zh-TW" altLang="en-US" smtClean="0"/>
-              <a:t>第二層</a:t>
-            </a:r>
-          </a:p>
-          <a:p>
-            <a:pPr lvl="2"/>
-            <a:r>
-              <a:rPr kumimoji="1" lang="zh-TW" altLang="en-US" smtClean="0"/>
-              <a:t>第三層</a:t>
-            </a:r>
-          </a:p>
-          <a:p>
-            <a:pPr lvl="3"/>
-            <a:r>
-              <a:rPr kumimoji="1" lang="zh-TW" altLang="en-US" smtClean="0"/>
-              <a:t>第四層</a:t>
-            </a:r>
-          </a:p>
-          <a:p>
-            <a:pPr lvl="4"/>
-            <a:r>
-              <a:rPr kumimoji="1" lang="zh-TW" altLang="en-US" smtClean="0"/>
-              <a:t>第五層</a:t>
-            </a:r>
-            <a:endParaRPr lang="ja-JP"/>
-          </a:p>
-        </p:txBody>
-      </p:sp>
-      <p:sp>
-        <p:nvSpPr>
-          <p:cNvPr id="5" name="図形 4"/>
+              <a:rPr lang="en-US" altLang="zh-TW" smtClean="0"/>
+              <a:t>Click to edit Master text styles</a:t>
+            </a:r>
+          </a:p>
+        </p:txBody>
+      </p:sp>
+      <p:sp>
+        <p:nvSpPr>
+          <p:cNvPr id="5" name="日期版面配置區 4"/>
           <p:cNvSpPr>
             <a:spLocks noGrp="1"/>
           </p:cNvSpPr>
@@ -2394,7 +2212,7 @@
           <a:p>
             <a:fld id="{D572F042-E3AA-446E-A7BD-209431A81E36}" type="datetimeFigureOut">
               <a:rPr lang="zh-TW" altLang="en-US" smtClean="0"/>
-              <a:t>2017/2/4</a:t>
+              <a:t>2019/7/6</a:t>
             </a:fld>
             <a:endParaRPr lang="zh-TW" altLang="en-US"/>
           </a:p>
@@ -2402,7 +2220,7 @@
       </p:sp>
       <p:sp>
         <p:nvSpPr>
-          <p:cNvPr id="6" name="図形 5"/>
+          <p:cNvPr id="6" name="頁尾版面配置區 5"/>
           <p:cNvSpPr>
             <a:spLocks noGrp="1"/>
           </p:cNvSpPr>
@@ -2421,7 +2239,7 @@
       </p:sp>
       <p:sp>
         <p:nvSpPr>
-          <p:cNvPr id="7" name="図形 6"/>
+          <p:cNvPr id="7" name="投影片編號版面配置區 6"/>
           <p:cNvSpPr>
             <a:spLocks noGrp="1"/>
           </p:cNvSpPr>
@@ -2451,7 +2269,7 @@
 </file>
 
 <file path=ppt/slideLayouts/slideLayout9.xml><?xml version="1.0" encoding="utf-8"?>
-<p:sldLayout xmlns:a="http://schemas.openxmlformats.org/drawingml/2006/main" xmlns:r="http://schemas.openxmlformats.org/officeDocument/2006/relationships" xmlns:p="http://schemas.openxmlformats.org/presentationml/2006/main" showMasterSp="0" type="picTx" preserve="1">
+<p:sldLayout xmlns:a="http://schemas.openxmlformats.org/drawingml/2006/main" xmlns:r="http://schemas.openxmlformats.org/officeDocument/2006/relationships" xmlns:p="http://schemas.openxmlformats.org/presentationml/2006/main" type="picTx" preserve="1">
   <p:cSld name="含標題的圖片">
     <p:spTree>
       <p:nvGrpSpPr>
@@ -2469,7 +2287,7 @@
       </p:grpSpPr>
       <p:sp>
         <p:nvSpPr>
-          <p:cNvPr id="2" name="図形 1"/>
+          <p:cNvPr id="2" name="標題 1"/>
           <p:cNvSpPr>
             <a:spLocks noGrp="1"/>
           </p:cNvSpPr>
@@ -2479,29 +2297,29 @@
         </p:nvSpPr>
         <p:spPr>
           <a:xfrm>
-            <a:off x="1792288" y="5014914"/>
-            <a:ext cx="5486400" cy="414350"/>
+            <a:off x="1792288" y="3600450"/>
+            <a:ext cx="5486400" cy="425054"/>
           </a:xfrm>
         </p:spPr>
         <p:txBody>
           <a:bodyPr anchor="b"/>
           <a:lstStyle>
-            <a:lvl1pPr algn="ctr">
+            <a:lvl1pPr algn="l">
               <a:defRPr sz="2000" b="1"/>
             </a:lvl1pPr>
           </a:lstStyle>
           <a:p>
             <a:r>
-              <a:rPr kumimoji="1" lang="zh-TW" altLang="en-US" smtClean="0"/>
-              <a:t>按一下以編輯母片標題樣式</a:t>
-            </a:r>
-            <a:endParaRPr kumimoji="1" lang="ja-JP" altLang="en-US" dirty="0"/>
-          </a:p>
-        </p:txBody>
-      </p:sp>
-      <p:sp>
-        <p:nvSpPr>
-          <p:cNvPr id="3" name="正方形/長方形 2"/>
+              <a:rPr lang="en-US" altLang="zh-TW" smtClean="0"/>
+              <a:t>Click to edit Master title style</a:t>
+            </a:r>
+            <a:endParaRPr lang="zh-TW" altLang="en-US"/>
+          </a:p>
+        </p:txBody>
+      </p:sp>
+      <p:sp>
+        <p:nvSpPr>
+          <p:cNvPr id="3" name="圖片版面配置區 2"/>
           <p:cNvSpPr>
             <a:spLocks noGrp="1"/>
           </p:cNvSpPr>
@@ -2511,26 +2329,9 @@
         </p:nvSpPr>
         <p:spPr>
           <a:xfrm>
-            <a:off x="1792288" y="742960"/>
-            <a:ext cx="5486400" cy="4114800"/>
+            <a:off x="1792288" y="459581"/>
+            <a:ext cx="5486400" cy="3086100"/>
           </a:xfrm>
-          <a:prstGeom prst="rect">
-            <a:avLst/>
-          </a:prstGeom>
-          <a:noFill/>
-          <a:ln w="50800" cap="sq">
-            <a:solidFill>
-              <a:schemeClr val="tx1"/>
-            </a:solidFill>
-            <a:miter lim="800000"/>
-          </a:ln>
-          <a:effectLst>
-            <a:outerShdw blurRad="76200" dist="50800" dir="13500000" algn="tl" rotWithShape="0">
-              <a:schemeClr val="bg1">
-                <a:alpha val="80000"/>
-              </a:schemeClr>
-            </a:outerShdw>
-          </a:effectLst>
         </p:spPr>
         <p:txBody>
           <a:bodyPr/>
@@ -2574,16 +2375,16 @@
           </a:lstStyle>
           <a:p>
             <a:r>
-              <a:rPr kumimoji="1" lang="zh-TW" altLang="en-US" smtClean="0"/>
-              <a:t>按一下圖示以新增圖片</a:t>
-            </a:r>
-            <a:endParaRPr kumimoji="1" lang="ja-JP" altLang="en-US" dirty="0"/>
-          </a:p>
-        </p:txBody>
-      </p:sp>
-      <p:sp>
-        <p:nvSpPr>
-          <p:cNvPr id="4" name="図形 3"/>
+              <a:rPr lang="en-US" altLang="zh-TW" smtClean="0"/>
+              <a:t>Click icon to add picture</a:t>
+            </a:r>
+            <a:endParaRPr lang="zh-TW" altLang="en-US"/>
+          </a:p>
+        </p:txBody>
+      </p:sp>
+      <p:sp>
+        <p:nvSpPr>
+          <p:cNvPr id="4" name="文字版面配置區 3"/>
           <p:cNvSpPr>
             <a:spLocks noGrp="1"/>
           </p:cNvSpPr>
@@ -2593,30 +2394,30 @@
         </p:nvSpPr>
         <p:spPr>
           <a:xfrm>
-            <a:off x="1792288" y="5481658"/>
-            <a:ext cx="5486400" cy="804862"/>
+            <a:off x="1792288" y="4025503"/>
+            <a:ext cx="5486400" cy="603647"/>
           </a:xfrm>
         </p:spPr>
         <p:txBody>
           <a:bodyPr/>
           <a:lstStyle>
-            <a:lvl1pPr marL="0" indent="0" algn="ctr">
+            <a:lvl1pPr marL="0" indent="0">
               <a:buNone/>
               <a:defRPr sz="1400"/>
             </a:lvl1pPr>
-            <a:lvl2pPr marL="457200" indent="0" algn="ctr">
+            <a:lvl2pPr marL="457200" indent="0">
               <a:buNone/>
               <a:defRPr sz="1200"/>
             </a:lvl2pPr>
-            <a:lvl3pPr marL="914400" indent="0" algn="ctr">
+            <a:lvl3pPr marL="914400" indent="0">
               <a:buNone/>
               <a:defRPr sz="1000"/>
             </a:lvl3pPr>
-            <a:lvl4pPr marL="1371600" indent="0" algn="ctr">
+            <a:lvl4pPr marL="1371600" indent="0">
               <a:buNone/>
               <a:defRPr sz="900"/>
             </a:lvl4pPr>
-            <a:lvl5pPr marL="1828800" indent="0" algn="ctr">
+            <a:lvl5pPr marL="1828800" indent="0">
               <a:buNone/>
               <a:defRPr sz="900"/>
             </a:lvl5pPr>
@@ -2640,44 +2441,15 @@
           <a:p>
             <a:pPr lvl="0"/>
             <a:r>
-              <a:rPr kumimoji="1" lang="zh-TW" altLang="en-US" smtClean="0"/>
-              <a:t>按一下以編輯母片文字樣式</a:t>
-            </a:r>
-          </a:p>
-          <a:p>
-            <a:pPr lvl="1"/>
-            <a:r>
-              <a:rPr kumimoji="1" lang="zh-TW" altLang="en-US" smtClean="0"/>
-              <a:t>第二層</a:t>
-            </a:r>
-          </a:p>
-          <a:p>
-            <a:pPr lvl="2"/>
-            <a:r>
-              <a:rPr kumimoji="1" lang="zh-TW" altLang="en-US" smtClean="0"/>
-              <a:t>第三層</a:t>
-            </a:r>
-          </a:p>
-          <a:p>
-            <a:pPr lvl="3"/>
-            <a:r>
-              <a:rPr kumimoji="1" lang="zh-TW" altLang="en-US" smtClean="0"/>
-              <a:t>第四層</a:t>
-            </a:r>
-          </a:p>
-          <a:p>
-            <a:pPr lvl="4"/>
-            <a:r>
-              <a:rPr kumimoji="1" lang="zh-TW" altLang="en-US" smtClean="0"/>
-              <a:t>第五層</a:t>
-            </a:r>
-            <a:endParaRPr lang="ja-JP" dirty="0"/>
-          </a:p>
-        </p:txBody>
-      </p:sp>
-      <p:sp>
-        <p:nvSpPr>
-          <p:cNvPr id="5" name="図形 4"/>
+              <a:rPr lang="en-US" altLang="zh-TW" smtClean="0"/>
+              <a:t>Click to edit Master text styles</a:t>
+            </a:r>
+          </a:p>
+        </p:txBody>
+      </p:sp>
+      <p:sp>
+        <p:nvSpPr>
+          <p:cNvPr id="5" name="日期版面配置區 4"/>
           <p:cNvSpPr>
             <a:spLocks noGrp="1"/>
           </p:cNvSpPr>
@@ -2692,7 +2464,7 @@
           <a:p>
             <a:fld id="{D572F042-E3AA-446E-A7BD-209431A81E36}" type="datetimeFigureOut">
               <a:rPr lang="zh-TW" altLang="en-US" smtClean="0"/>
-              <a:t>2017/2/4</a:t>
+              <a:t>2019/7/6</a:t>
             </a:fld>
             <a:endParaRPr lang="zh-TW" altLang="en-US"/>
           </a:p>
@@ -2700,7 +2472,7 @@
       </p:sp>
       <p:sp>
         <p:nvSpPr>
-          <p:cNvPr id="6" name="図形 5"/>
+          <p:cNvPr id="6" name="頁尾版面配置區 5"/>
           <p:cNvSpPr>
             <a:spLocks noGrp="1"/>
           </p:cNvSpPr>
@@ -2719,7 +2491,7 @@
       </p:sp>
       <p:sp>
         <p:nvSpPr>
-          <p:cNvPr id="7" name="図形 6"/>
+          <p:cNvPr id="7" name="投影片編號版面配置區 6"/>
           <p:cNvSpPr>
             <a:spLocks noGrp="1"/>
           </p:cNvSpPr>
@@ -2752,9 +2524,14 @@
 <p:sldMaster xmlns:a="http://schemas.openxmlformats.org/drawingml/2006/main" xmlns:r="http://schemas.openxmlformats.org/officeDocument/2006/relationships" xmlns:p="http://schemas.openxmlformats.org/presentationml/2006/main">
   <p:cSld>
     <p:bg>
-      <p:bgRef idx="1003">
-        <a:schemeClr val="bg2"/>
-      </p:bgRef>
+      <p:bgPr>
+        <a:blipFill dpi="0" rotWithShape="1">
+          <a:blip r:embed="rId13"/>
+          <a:srcRect/>
+          <a:tile tx="0" ty="0" sx="100000" sy="100000" flip="none" algn="tl"/>
+        </a:blipFill>
+        <a:effectLst/>
+      </p:bgPr>
     </p:bg>
     <p:spTree>
       <p:nvGrpSpPr>
@@ -2772,126 +2549,161 @@
       </p:grpSpPr>
       <p:sp>
         <p:nvSpPr>
-          <p:cNvPr id="18" name="正方形/長方形 17"/>
-          <p:cNvSpPr>
-            <a:spLocks noGrp="1"/>
-          </p:cNvSpPr>
-          <p:nvPr>
-            <p:ph type="body" idx="1"/>
+          <p:cNvPr id="2" name="標題版面配置區 1"/>
+          <p:cNvSpPr>
+            <a:spLocks noGrp="1"/>
+          </p:cNvSpPr>
+          <p:nvPr>
+            <p:ph type="title"/>
           </p:nvPr>
         </p:nvSpPr>
         <p:spPr>
           <a:xfrm>
-            <a:off x="457200" y="1600200"/>
-            <a:ext cx="8229600" cy="4525963"/>
+            <a:off x="457200" y="205979"/>
+            <a:ext cx="8229600" cy="857250"/>
           </a:xfrm>
           <a:prstGeom prst="rect">
             <a:avLst/>
           </a:prstGeom>
         </p:spPr>
         <p:txBody>
-          <a:bodyPr vert="horz" rtlCol="0">
+          <a:bodyPr vert="horz" lIns="91440" tIns="45720" rIns="91440" bIns="45720" rtlCol="0" anchor="ctr">
             <a:normAutofit/>
           </a:bodyPr>
           <a:lstStyle/>
           <a:p>
-            <a:pPr lvl="0"/>
-            <a:r>
-              <a:rPr kumimoji="1" lang="zh-TW" altLang="en-US" smtClean="0"/>
-              <a:t>按一下以編輯母片文字樣式</a:t>
-            </a:r>
-          </a:p>
-          <a:p>
-            <a:pPr lvl="1"/>
-            <a:r>
-              <a:rPr kumimoji="1" lang="zh-TW" altLang="en-US" smtClean="0"/>
-              <a:t>第二層</a:t>
-            </a:r>
-          </a:p>
-          <a:p>
-            <a:pPr lvl="2"/>
-            <a:r>
-              <a:rPr kumimoji="1" lang="zh-TW" altLang="en-US" smtClean="0"/>
-              <a:t>第三層</a:t>
-            </a:r>
-          </a:p>
-          <a:p>
-            <a:pPr lvl="3"/>
-            <a:r>
-              <a:rPr kumimoji="1" lang="zh-TW" altLang="en-US" smtClean="0"/>
-              <a:t>第四層</a:t>
-            </a:r>
-          </a:p>
-          <a:p>
-            <a:pPr lvl="4"/>
-            <a:r>
-              <a:rPr kumimoji="1" lang="zh-TW" altLang="en-US" smtClean="0"/>
-              <a:t>第五層</a:t>
-            </a:r>
-            <a:endParaRPr kumimoji="1" lang="ja-JP" altLang="en-US" dirty="0"/>
-          </a:p>
-        </p:txBody>
-      </p:sp>
-      <p:sp>
-        <p:nvSpPr>
-          <p:cNvPr id="29" name="正方形/長方形 28"/>
-          <p:cNvSpPr>
-            <a:spLocks noGrp="1"/>
-          </p:cNvSpPr>
-          <p:nvPr>
-            <p:ph type="dt" sz="half" idx="2"/>
+            <a:r>
+              <a:rPr lang="zh-TW" altLang="en-US" smtClean="0"/>
+              <a:t>按一下以編輯母片標題樣式</a:t>
+            </a:r>
+            <a:endParaRPr lang="zh-TW" altLang="en-US"/>
+          </a:p>
+        </p:txBody>
+      </p:sp>
+      <p:sp>
+        <p:nvSpPr>
+          <p:cNvPr id="3" name="文字版面配置區 2"/>
+          <p:cNvSpPr>
+            <a:spLocks noGrp="1"/>
+          </p:cNvSpPr>
+          <p:nvPr>
+            <p:ph type="body" idx="1"/>
           </p:nvPr>
         </p:nvSpPr>
         <p:spPr>
           <a:xfrm>
-            <a:off x="457200" y="6356350"/>
-            <a:ext cx="2133600" cy="365125"/>
+            <a:off x="457200" y="1200151"/>
+            <a:ext cx="8229600" cy="3394472"/>
           </a:xfrm>
           <a:prstGeom prst="rect">
             <a:avLst/>
           </a:prstGeom>
         </p:spPr>
         <p:txBody>
-          <a:bodyPr vert="horz" rtlCol="0" anchor="ctr"/>
-          <a:lstStyle>
-            <a:lvl1pPr algn="l">
-              <a:defRPr sz="1200">
-                <a:solidFill>
-                  <a:schemeClr val="bg1"/>
-                </a:solidFill>
-              </a:defRPr>
-            </a:lvl1pPr>
-          </a:lstStyle>
-          <a:p>
-            <a:fld id="{D572F042-E3AA-446E-A7BD-209431A81E36}" type="datetimeFigureOut">
+          <a:bodyPr vert="horz" lIns="91440" tIns="45720" rIns="91440" bIns="45720" rtlCol="0">
+            <a:normAutofit/>
+          </a:bodyPr>
+          <a:lstStyle/>
+          <a:p>
+            <a:pPr lvl="0"/>
+            <a:r>
               <a:rPr lang="zh-TW" altLang="en-US" smtClean="0"/>
-              <a:t>2017/2/4</a:t>
-            </a:fld>
-            <a:endParaRPr lang="zh-TW" altLang="en-US"/>
-          </a:p>
-        </p:txBody>
-      </p:sp>
-      <p:sp>
-        <p:nvSpPr>
-          <p:cNvPr id="4" name="正方形/長方形 3"/>
-          <p:cNvSpPr>
-            <a:spLocks noGrp="1"/>
-          </p:cNvSpPr>
-          <p:nvPr>
-            <p:ph type="ftr" sz="quarter" idx="3"/>
+              <a:t>按一下以編輯母片文字樣式</a:t>
+            </a:r>
+          </a:p>
+          <a:p>
+            <a:pPr lvl="1"/>
+            <a:r>
+              <a:rPr lang="zh-TW" altLang="en-US" smtClean="0"/>
+              <a:t>第二層</a:t>
+            </a:r>
+          </a:p>
+          <a:p>
+            <a:pPr lvl="2"/>
+            <a:r>
+              <a:rPr lang="zh-TW" altLang="en-US" smtClean="0"/>
+              <a:t>第三層</a:t>
+            </a:r>
+          </a:p>
+          <a:p>
+            <a:pPr lvl="3"/>
+            <a:r>
+              <a:rPr lang="zh-TW" altLang="en-US" smtClean="0"/>
+              <a:t>第四層</a:t>
+            </a:r>
+          </a:p>
+          <a:p>
+            <a:pPr lvl="4"/>
+            <a:r>
+              <a:rPr lang="zh-TW" altLang="en-US" smtClean="0"/>
+              <a:t>第五層</a:t>
+            </a:r>
+            <a:endParaRPr lang="zh-TW" altLang="en-US"/>
+          </a:p>
+        </p:txBody>
+      </p:sp>
+      <p:sp>
+        <p:nvSpPr>
+          <p:cNvPr id="4" name="日期版面配置區 3"/>
+          <p:cNvSpPr>
+            <a:spLocks noGrp="1"/>
+          </p:cNvSpPr>
+          <p:nvPr>
+            <p:ph type="dt" sz="half" idx="2"/>
           </p:nvPr>
         </p:nvSpPr>
         <p:spPr>
           <a:xfrm>
-            <a:off x="3124200" y="6356350"/>
-            <a:ext cx="2895600" cy="365125"/>
+            <a:off x="457200" y="4767263"/>
+            <a:ext cx="2133600" cy="273844"/>
           </a:xfrm>
           <a:prstGeom prst="rect">
             <a:avLst/>
           </a:prstGeom>
         </p:spPr>
         <p:txBody>
-          <a:bodyPr vert="horz" rtlCol="0" anchor="ctr"/>
+          <a:bodyPr vert="horz" lIns="91440" tIns="45720" rIns="91440" bIns="45720" rtlCol="0" anchor="ctr"/>
+          <a:lstStyle>
+            <a:lvl1pPr algn="l">
+              <a:defRPr sz="1200">
+                <a:solidFill>
+                  <a:schemeClr val="tx1">
+                    <a:tint val="75000"/>
+                  </a:schemeClr>
+                </a:solidFill>
+              </a:defRPr>
+            </a:lvl1pPr>
+          </a:lstStyle>
+          <a:p>
+            <a:fld id="{D572F042-E3AA-446E-A7BD-209431A81E36}" type="datetimeFigureOut">
+              <a:rPr lang="zh-TW" altLang="en-US" smtClean="0"/>
+              <a:t>2019/7/6</a:t>
+            </a:fld>
+            <a:endParaRPr lang="zh-TW" altLang="en-US"/>
+          </a:p>
+        </p:txBody>
+      </p:sp>
+      <p:sp>
+        <p:nvSpPr>
+          <p:cNvPr id="5" name="頁尾版面配置區 4"/>
+          <p:cNvSpPr>
+            <a:spLocks noGrp="1"/>
+          </p:cNvSpPr>
+          <p:nvPr>
+            <p:ph type="ftr" sz="quarter" idx="3"/>
+          </p:nvPr>
+        </p:nvSpPr>
+        <p:spPr>
+          <a:xfrm>
+            <a:off x="3124200" y="4767263"/>
+            <a:ext cx="2895600" cy="273844"/>
+          </a:xfrm>
+          <a:prstGeom prst="rect">
+            <a:avLst/>
+          </a:prstGeom>
+        </p:spPr>
+        <p:txBody>
+          <a:bodyPr vert="horz" lIns="91440" tIns="45720" rIns="91440" bIns="45720" rtlCol="0" anchor="ctr"/>
           <a:lstStyle>
             <a:lvl1pPr algn="ctr">
               <a:defRPr sz="1200">
@@ -2910,7 +2722,7 @@
       </p:sp>
       <p:sp>
         <p:nvSpPr>
-          <p:cNvPr id="10" name="正方形/長方形 9"/>
+          <p:cNvPr id="6" name="投影片編號版面配置區 5"/>
           <p:cNvSpPr>
             <a:spLocks noGrp="1"/>
           </p:cNvSpPr>
@@ -2920,20 +2732,22 @@
         </p:nvSpPr>
         <p:spPr>
           <a:xfrm>
-            <a:off x="6553200" y="6356350"/>
-            <a:ext cx="2133600" cy="365125"/>
+            <a:off x="6553200" y="4767263"/>
+            <a:ext cx="2133600" cy="273844"/>
           </a:xfrm>
           <a:prstGeom prst="rect">
             <a:avLst/>
           </a:prstGeom>
         </p:spPr>
         <p:txBody>
-          <a:bodyPr vert="horz" rtlCol="0" anchor="ctr"/>
+          <a:bodyPr vert="horz" lIns="91440" tIns="45720" rIns="91440" bIns="45720" rtlCol="0" anchor="ctr"/>
           <a:lstStyle>
             <a:lvl1pPr algn="r">
               <a:defRPr sz="1200">
                 <a:solidFill>
-                  <a:schemeClr val="bg1"/>
+                  <a:schemeClr val="tx1">
+                    <a:tint val="75000"/>
+                  </a:schemeClr>
                 </a:solidFill>
               </a:defRPr>
             </a:lvl1pPr>
@@ -2947,101 +2761,33 @@
           </a:p>
         </p:txBody>
       </p:sp>
-      <p:sp>
-        <p:nvSpPr>
-          <p:cNvPr id="22" name="正方形/長方形 21"/>
-          <p:cNvSpPr>
-            <a:spLocks noGrp="1"/>
-          </p:cNvSpPr>
-          <p:nvPr>
-            <p:ph type="title"/>
-          </p:nvPr>
-        </p:nvSpPr>
-        <p:spPr>
-          <a:xfrm>
-            <a:off x="457200" y="274638"/>
-            <a:ext cx="8229600" cy="1143000"/>
-          </a:xfrm>
-          <a:prstGeom prst="rect">
-            <a:avLst/>
-          </a:prstGeom>
-          <a:noFill/>
-        </p:spPr>
-        <p:txBody>
-          <a:bodyPr vert="horz" rtlCol="0" anchor="ctr">
-            <a:normAutofit/>
-          </a:bodyPr>
-          <a:lstStyle/>
-          <a:p>
-            <a:r>
-              <a:rPr kumimoji="1" lang="zh-TW" altLang="en-US" smtClean="0"/>
-              <a:t>按一下以編輯母片標題樣式</a:t>
-            </a:r>
-            <a:endParaRPr kumimoji="1" lang="ja-JP" altLang="en-US" dirty="0"/>
-          </a:p>
-        </p:txBody>
-      </p:sp>
     </p:spTree>
   </p:cSld>
   <p:clrMap bg1="lt1" tx1="dk1" bg2="lt2" tx2="dk2" accent1="accent1" accent2="accent2" accent3="accent3" accent4="accent4" accent5="accent5" accent6="accent6" hlink="hlink" folHlink="folHlink"/>
   <p:sldLayoutIdLst>
-    <p:sldLayoutId id="2147483661" r:id="rId1"/>
-    <p:sldLayoutId id="2147483662" r:id="rId2"/>
-    <p:sldLayoutId id="2147483663" r:id="rId3"/>
-    <p:sldLayoutId id="2147483664" r:id="rId4"/>
-    <p:sldLayoutId id="2147483665" r:id="rId5"/>
-    <p:sldLayoutId id="2147483666" r:id="rId6"/>
-    <p:sldLayoutId id="2147483667" r:id="rId7"/>
-    <p:sldLayoutId id="2147483668" r:id="rId8"/>
-    <p:sldLayoutId id="2147483669" r:id="rId9"/>
-    <p:sldLayoutId id="2147483670" r:id="rId10"/>
-    <p:sldLayoutId id="2147483671" r:id="rId11"/>
+    <p:sldLayoutId id="2147483673" r:id="rId1"/>
+    <p:sldLayoutId id="2147483674" r:id="rId2"/>
+    <p:sldLayoutId id="2147483675" r:id="rId3"/>
+    <p:sldLayoutId id="2147483676" r:id="rId4"/>
+    <p:sldLayoutId id="2147483677" r:id="rId5"/>
+    <p:sldLayoutId id="2147483678" r:id="rId6"/>
+    <p:sldLayoutId id="2147483679" r:id="rId7"/>
+    <p:sldLayoutId id="2147483680" r:id="rId8"/>
+    <p:sldLayoutId id="2147483681" r:id="rId9"/>
+    <p:sldLayoutId id="2147483682" r:id="rId10"/>
+    <p:sldLayoutId id="2147483683" r:id="rId11"/>
   </p:sldLayoutIdLst>
   <p:txStyles>
     <p:titleStyle>
-      <a:lvl1pPr algn="ctr" rtl="0" eaLnBrk="1" latinLnBrk="0" hangingPunct="1">
+      <a:lvl1pPr algn="ctr" defTabSz="914400" rtl="0" eaLnBrk="1" latinLnBrk="0" hangingPunct="1">
         <a:spcBef>
           <a:spcPct val="0"/>
         </a:spcBef>
         <a:buNone/>
-        <a:defRPr kumimoji="1" sz="4400" baseline="0">
-          <a:ln w="12700">
-            <a:solidFill>
-              <a:schemeClr val="tx1">
-                <a:tint val="95000"/>
-              </a:schemeClr>
-            </a:solidFill>
-          </a:ln>
-          <a:gradFill>
-            <a:gsLst>
-              <a:gs pos="0">
-                <a:schemeClr val="tx1">
-                  <a:tint val="65000"/>
-                </a:schemeClr>
-              </a:gs>
-              <a:gs pos="49900">
-                <a:schemeClr val="tx1">
-                  <a:tint val="95000"/>
-                </a:schemeClr>
-              </a:gs>
-              <a:gs pos="50000">
-                <a:schemeClr val="tx1"/>
-              </a:gs>
-              <a:gs pos="100000">
-                <a:schemeClr val="tx1">
-                  <a:tint val="95000"/>
-                </a:schemeClr>
-              </a:gs>
-            </a:gsLst>
-            <a:lin ang="5400000" scaled="1"/>
-          </a:gradFill>
-          <a:effectLst>
-            <a:outerShdw blurRad="127000" algn="tl" rotWithShape="0">
-              <a:schemeClr val="bg1">
-                <a:alpha val="50000"/>
-              </a:schemeClr>
-            </a:outerShdw>
-          </a:effectLst>
+        <a:defRPr sz="4400" kern="1200">
+          <a:solidFill>
+            <a:schemeClr val="tx1"/>
+          </a:solidFill>
           <a:latin typeface="+mj-lt"/>
           <a:ea typeface="+mj-ea"/>
           <a:cs typeface="+mj-cs"/>
@@ -3049,184 +2795,135 @@
       </a:lvl1pPr>
     </p:titleStyle>
     <p:bodyStyle>
-      <a:lvl1pPr marL="342900" indent="-342900" algn="l" rtl="0" eaLnBrk="1" latinLnBrk="0" hangingPunct="1">
+      <a:lvl1pPr marL="342900" indent="-342900" algn="l" defTabSz="914400" rtl="0" eaLnBrk="1" latinLnBrk="0" hangingPunct="1">
         <a:spcBef>
           <a:spcPct val="20000"/>
         </a:spcBef>
-        <a:buClr>
-          <a:schemeClr val="tx1"/>
-        </a:buClr>
-        <a:buFont typeface="Wingdings"/>
-        <a:buChar char="n"/>
-        <a:defRPr kumimoji="1" sz="3200" baseline="0">
+        <a:buFont typeface="Arial" pitchFamily="34" charset="0"/>
+        <a:buChar char="•"/>
+        <a:defRPr sz="3200" kern="1200">
           <a:solidFill>
-            <a:schemeClr val="tx2"/>
+            <a:schemeClr val="tx1"/>
           </a:solidFill>
           <a:latin typeface="+mn-lt"/>
           <a:ea typeface="+mn-ea"/>
           <a:cs typeface="+mn-cs"/>
         </a:defRPr>
       </a:lvl1pPr>
-      <a:lvl2pPr marL="742950" indent="-285750" algn="l" rtl="0" eaLnBrk="1" latinLnBrk="0" hangingPunct="1">
+      <a:lvl2pPr marL="742950" indent="-285750" algn="l" defTabSz="914400" rtl="0" eaLnBrk="1" latinLnBrk="0" hangingPunct="1">
         <a:spcBef>
           <a:spcPct val="20000"/>
         </a:spcBef>
-        <a:buClr>
-          <a:schemeClr val="tx2">
-            <a:shade val="75000"/>
-          </a:schemeClr>
-        </a:buClr>
-        <a:buSzPct val="85000"/>
-        <a:buFont typeface="Wingdings"/>
-        <a:buChar char="n"/>
-        <a:defRPr kumimoji="1" sz="2800" baseline="0">
+        <a:buFont typeface="Arial" pitchFamily="34" charset="0"/>
+        <a:buChar char="–"/>
+        <a:defRPr sz="2800" kern="1200">
           <a:solidFill>
-            <a:schemeClr val="tx2"/>
+            <a:schemeClr val="tx1"/>
           </a:solidFill>
           <a:latin typeface="+mn-lt"/>
           <a:ea typeface="+mn-ea"/>
           <a:cs typeface="+mn-cs"/>
         </a:defRPr>
       </a:lvl2pPr>
-      <a:lvl3pPr marL="1143000" indent="-228600" algn="l" rtl="0" eaLnBrk="1" latinLnBrk="0" hangingPunct="1">
+      <a:lvl3pPr marL="1143000" indent="-228600" algn="l" defTabSz="914400" rtl="0" eaLnBrk="1" latinLnBrk="0" hangingPunct="1">
         <a:spcBef>
           <a:spcPct val="20000"/>
         </a:spcBef>
-        <a:buClr>
-          <a:schemeClr val="accent4">
-            <a:shade val="50000"/>
-          </a:schemeClr>
-        </a:buClr>
-        <a:buSzPct val="75000"/>
-        <a:buFont typeface="Wingdings"/>
-        <a:buChar char="n"/>
-        <a:defRPr kumimoji="1" sz="2400" baseline="0">
+        <a:buFont typeface="Arial" pitchFamily="34" charset="0"/>
+        <a:buChar char="•"/>
+        <a:defRPr sz="2400" kern="1200">
           <a:solidFill>
-            <a:schemeClr val="tx2"/>
+            <a:schemeClr val="tx1"/>
           </a:solidFill>
           <a:latin typeface="+mn-lt"/>
           <a:ea typeface="+mn-ea"/>
           <a:cs typeface="+mn-cs"/>
         </a:defRPr>
       </a:lvl3pPr>
-      <a:lvl4pPr marL="1600200" indent="-228600" algn="l" rtl="0" eaLnBrk="1" latinLnBrk="0" hangingPunct="1">
+      <a:lvl4pPr marL="1600200" indent="-228600" algn="l" defTabSz="914400" rtl="0" eaLnBrk="1" latinLnBrk="0" hangingPunct="1">
         <a:spcBef>
           <a:spcPct val="20000"/>
         </a:spcBef>
-        <a:buClr>
-          <a:schemeClr val="accent6">
-            <a:shade val="50000"/>
-          </a:schemeClr>
-        </a:buClr>
-        <a:buSzPct val="75000"/>
-        <a:buFont typeface="Wingdings"/>
-        <a:buChar char="n"/>
-        <a:defRPr kumimoji="1" sz="2000" baseline="0">
+        <a:buFont typeface="Arial" pitchFamily="34" charset="0"/>
+        <a:buChar char="–"/>
+        <a:defRPr sz="2000" kern="1200">
           <a:solidFill>
-            <a:schemeClr val="tx2"/>
+            <a:schemeClr val="tx1"/>
           </a:solidFill>
           <a:latin typeface="+mn-lt"/>
           <a:ea typeface="+mn-ea"/>
           <a:cs typeface="+mn-cs"/>
         </a:defRPr>
       </a:lvl4pPr>
-      <a:lvl5pPr marL="2057400" indent="-228600" algn="l" rtl="0" eaLnBrk="1" latinLnBrk="0" hangingPunct="1">
+      <a:lvl5pPr marL="2057400" indent="-228600" algn="l" defTabSz="914400" rtl="0" eaLnBrk="1" latinLnBrk="0" hangingPunct="1">
         <a:spcBef>
           <a:spcPct val="20000"/>
         </a:spcBef>
-        <a:buClr>
-          <a:schemeClr val="accent3">
-            <a:shade val="50000"/>
-          </a:schemeClr>
-        </a:buClr>
-        <a:buSzPct val="70000"/>
-        <a:buFont typeface="Wingdings"/>
-        <a:buChar char="n"/>
-        <a:defRPr kumimoji="1" sz="2000" baseline="0">
+        <a:buFont typeface="Arial" pitchFamily="34" charset="0"/>
+        <a:buChar char="»"/>
+        <a:defRPr sz="2000" kern="1200">
           <a:solidFill>
-            <a:schemeClr val="tx2"/>
+            <a:schemeClr val="tx1"/>
           </a:solidFill>
           <a:latin typeface="+mn-lt"/>
           <a:ea typeface="+mn-ea"/>
           <a:cs typeface="+mn-cs"/>
         </a:defRPr>
       </a:lvl5pPr>
-      <a:lvl6pPr marL="2514600" indent="-228600" algn="l" rtl="0" eaLnBrk="1" latinLnBrk="0" hangingPunct="1">
+      <a:lvl6pPr marL="2514600" indent="-228600" algn="l" defTabSz="914400" rtl="0" eaLnBrk="1" latinLnBrk="0" hangingPunct="1">
         <a:spcBef>
           <a:spcPct val="20000"/>
         </a:spcBef>
-        <a:buClr>
-          <a:schemeClr val="accent1">
-            <a:shade val="50000"/>
-          </a:schemeClr>
-        </a:buClr>
-        <a:buSzPct val="60000"/>
-        <a:buFont typeface="Wingdings"/>
-        <a:buChar char="n"/>
-        <a:defRPr kumimoji="1" sz="2000">
+        <a:buFont typeface="Arial" pitchFamily="34" charset="0"/>
+        <a:buChar char="•"/>
+        <a:defRPr sz="2000" kern="1200">
           <a:solidFill>
-            <a:schemeClr val="tx2"/>
+            <a:schemeClr val="tx1"/>
           </a:solidFill>
           <a:latin typeface="+mn-lt"/>
           <a:ea typeface="+mn-ea"/>
           <a:cs typeface="+mn-cs"/>
         </a:defRPr>
       </a:lvl6pPr>
-      <a:lvl7pPr marL="2971800" indent="-228600" algn="l" rtl="0" eaLnBrk="1" latinLnBrk="0" hangingPunct="1">
+      <a:lvl7pPr marL="2971800" indent="-228600" algn="l" defTabSz="914400" rtl="0" eaLnBrk="1" latinLnBrk="0" hangingPunct="1">
         <a:spcBef>
           <a:spcPct val="20000"/>
         </a:spcBef>
-        <a:buClr>
-          <a:schemeClr val="accent2">
-            <a:shade val="50000"/>
-          </a:schemeClr>
-        </a:buClr>
-        <a:buSzPct val="60000"/>
-        <a:buFont typeface="Wingdings"/>
-        <a:buChar char="n"/>
-        <a:defRPr kumimoji="1" sz="2000">
+        <a:buFont typeface="Arial" pitchFamily="34" charset="0"/>
+        <a:buChar char="•"/>
+        <a:defRPr sz="2000" kern="1200">
           <a:solidFill>
-            <a:schemeClr val="tx2"/>
+            <a:schemeClr val="tx1"/>
           </a:solidFill>
           <a:latin typeface="+mn-lt"/>
           <a:ea typeface="+mn-ea"/>
           <a:cs typeface="+mn-cs"/>
         </a:defRPr>
       </a:lvl7pPr>
-      <a:lvl8pPr marL="3429000" indent="-228600" algn="l" rtl="0" eaLnBrk="1" latinLnBrk="0" hangingPunct="1">
+      <a:lvl8pPr marL="3429000" indent="-228600" algn="l" defTabSz="914400" rtl="0" eaLnBrk="1" latinLnBrk="0" hangingPunct="1">
         <a:spcBef>
           <a:spcPct val="20000"/>
         </a:spcBef>
-        <a:buClr>
-          <a:schemeClr val="accent5">
-            <a:shade val="50000"/>
-          </a:schemeClr>
-        </a:buClr>
-        <a:buSzPct val="60000"/>
-        <a:buFont typeface="Wingdings"/>
-        <a:buChar char="n"/>
-        <a:defRPr kumimoji="1" sz="2000">
+        <a:buFont typeface="Arial" pitchFamily="34" charset="0"/>
+        <a:buChar char="•"/>
+        <a:defRPr sz="2000" kern="1200">
           <a:solidFill>
-            <a:schemeClr val="tx2"/>
+            <a:schemeClr val="tx1"/>
           </a:solidFill>
           <a:latin typeface="+mn-lt"/>
           <a:ea typeface="+mn-ea"/>
           <a:cs typeface="+mn-cs"/>
         </a:defRPr>
       </a:lvl8pPr>
-      <a:lvl9pPr marL="3886200" indent="-228600" algn="l" rtl="0" eaLnBrk="1" latinLnBrk="0" hangingPunct="1">
+      <a:lvl9pPr marL="3886200" indent="-228600" algn="l" defTabSz="914400" rtl="0" eaLnBrk="1" latinLnBrk="0" hangingPunct="1">
         <a:spcBef>
           <a:spcPct val="20000"/>
         </a:spcBef>
-        <a:buClr>
-          <a:schemeClr val="tx1"/>
-        </a:buClr>
-        <a:buSzPct val="50000"/>
-        <a:buFont typeface="Wingdings"/>
-        <a:buChar char="n"/>
-        <a:defRPr kumimoji="1" sz="2000">
+        <a:buFont typeface="Arial" pitchFamily="34" charset="0"/>
+        <a:buChar char="•"/>
+        <a:defRPr sz="2000" kern="1200">
           <a:solidFill>
-            <a:schemeClr val="tx2"/>
+            <a:schemeClr val="tx1"/>
           </a:solidFill>
           <a:latin typeface="+mn-lt"/>
           <a:ea typeface="+mn-ea"/>
@@ -3235,8 +2932,11 @@
       </a:lvl9pPr>
     </p:bodyStyle>
     <p:otherStyle>
-      <a:lvl1pPr marL="0" algn="l" rtl="0" eaLnBrk="1" hangingPunct="1">
-        <a:defRPr kumimoji="1">
+      <a:defPPr>
+        <a:defRPr lang="zh-TW"/>
+      </a:defPPr>
+      <a:lvl1pPr marL="0" algn="l" defTabSz="914400" rtl="0" eaLnBrk="1" latinLnBrk="0" hangingPunct="1">
+        <a:defRPr sz="1800" kern="1200">
           <a:solidFill>
             <a:schemeClr val="tx1"/>
           </a:solidFill>
@@ -3245,8 +2945,8 @@
           <a:cs typeface="+mn-cs"/>
         </a:defRPr>
       </a:lvl1pPr>
-      <a:lvl2pPr marL="457200" algn="l" rtl="0" eaLnBrk="1" hangingPunct="1">
-        <a:defRPr kumimoji="1">
+      <a:lvl2pPr marL="457200" algn="l" defTabSz="914400" rtl="0" eaLnBrk="1" latinLnBrk="0" hangingPunct="1">
+        <a:defRPr sz="1800" kern="1200">
           <a:solidFill>
             <a:schemeClr val="tx1"/>
           </a:solidFill>
@@ -3255,8 +2955,8 @@
           <a:cs typeface="+mn-cs"/>
         </a:defRPr>
       </a:lvl2pPr>
-      <a:lvl3pPr marL="914400" algn="l" rtl="0" eaLnBrk="1" hangingPunct="1">
-        <a:defRPr kumimoji="1">
+      <a:lvl3pPr marL="914400" algn="l" defTabSz="914400" rtl="0" eaLnBrk="1" latinLnBrk="0" hangingPunct="1">
+        <a:defRPr sz="1800" kern="1200">
           <a:solidFill>
             <a:schemeClr val="tx1"/>
           </a:solidFill>
@@ -3265,8 +2965,8 @@
           <a:cs typeface="+mn-cs"/>
         </a:defRPr>
       </a:lvl3pPr>
-      <a:lvl4pPr marL="1371600" algn="l" rtl="0" eaLnBrk="1" hangingPunct="1">
-        <a:defRPr kumimoji="1">
+      <a:lvl4pPr marL="1371600" algn="l" defTabSz="914400" rtl="0" eaLnBrk="1" latinLnBrk="0" hangingPunct="1">
+        <a:defRPr sz="1800" kern="1200">
           <a:solidFill>
             <a:schemeClr val="tx1"/>
           </a:solidFill>
@@ -3275,8 +2975,8 @@
           <a:cs typeface="+mn-cs"/>
         </a:defRPr>
       </a:lvl4pPr>
-      <a:lvl5pPr marL="1828800" algn="l" rtl="0" eaLnBrk="1" hangingPunct="1">
-        <a:defRPr kumimoji="1">
+      <a:lvl5pPr marL="1828800" algn="l" defTabSz="914400" rtl="0" eaLnBrk="1" latinLnBrk="0" hangingPunct="1">
+        <a:defRPr sz="1800" kern="1200">
           <a:solidFill>
             <a:schemeClr val="tx1"/>
           </a:solidFill>
@@ -3285,8 +2985,8 @@
           <a:cs typeface="+mn-cs"/>
         </a:defRPr>
       </a:lvl5pPr>
-      <a:lvl6pPr marL="2286000" algn="l" rtl="0" eaLnBrk="1" hangingPunct="1">
-        <a:defRPr kumimoji="1">
+      <a:lvl6pPr marL="2286000" algn="l" defTabSz="914400" rtl="0" eaLnBrk="1" latinLnBrk="0" hangingPunct="1">
+        <a:defRPr sz="1800" kern="1200">
           <a:solidFill>
             <a:schemeClr val="tx1"/>
           </a:solidFill>
@@ -3295,8 +2995,8 @@
           <a:cs typeface="+mn-cs"/>
         </a:defRPr>
       </a:lvl6pPr>
-      <a:lvl7pPr marL="2743200" algn="l" rtl="0" eaLnBrk="1" hangingPunct="1">
-        <a:defRPr kumimoji="1">
+      <a:lvl7pPr marL="2743200" algn="l" defTabSz="914400" rtl="0" eaLnBrk="1" latinLnBrk="0" hangingPunct="1">
+        <a:defRPr sz="1800" kern="1200">
           <a:solidFill>
             <a:schemeClr val="tx1"/>
           </a:solidFill>
@@ -3305,8 +3005,8 @@
           <a:cs typeface="+mn-cs"/>
         </a:defRPr>
       </a:lvl7pPr>
-      <a:lvl8pPr marL="3200400" algn="l" rtl="0" eaLnBrk="1" hangingPunct="1">
-        <a:defRPr kumimoji="1">
+      <a:lvl8pPr marL="3200400" algn="l" defTabSz="914400" rtl="0" eaLnBrk="1" latinLnBrk="0" hangingPunct="1">
+        <a:defRPr sz="1800" kern="1200">
           <a:solidFill>
             <a:schemeClr val="tx1"/>
           </a:solidFill>
@@ -3315,8 +3015,8 @@
           <a:cs typeface="+mn-cs"/>
         </a:defRPr>
       </a:lvl8pPr>
-      <a:lvl9pPr marL="3657600" algn="l" rtl="0" eaLnBrk="1" hangingPunct="1">
-        <a:defRPr kumimoji="1">
+      <a:lvl9pPr marL="3657600" algn="l" defTabSz="914400" rtl="0" eaLnBrk="1" latinLnBrk="0" hangingPunct="1">
+        <a:defRPr sz="1800" kern="1200">
           <a:solidFill>
             <a:schemeClr val="tx1"/>
           </a:solidFill>
@@ -3359,72 +3059,195 @@
         </p:nvSpPr>
         <p:spPr/>
         <p:txBody>
-          <a:bodyPr/>
-          <a:lstStyle/>
-          <a:p>
-            <a:r>
-              <a:rPr lang="zh-CN" altLang="en-US" dirty="0" smtClean="0"/>
-              <a:t>主我來就你</a:t>
-            </a:r>
-            <a:endParaRPr lang="zh-TW" altLang="en-US" dirty="0"/>
-          </a:p>
-        </p:txBody>
-      </p:sp>
-      <p:sp>
-        <p:nvSpPr>
-          <p:cNvPr id="5" name="內容版面配置區 4"/>
-          <p:cNvSpPr>
-            <a:spLocks noGrp="1"/>
-          </p:cNvSpPr>
-          <p:nvPr>
-            <p:ph idx="1"/>
-          </p:nvPr>
-        </p:nvSpPr>
-        <p:spPr/>
-        <p:txBody>
           <a:bodyPr>
             <a:normAutofit/>
           </a:bodyPr>
           <a:lstStyle/>
           <a:p>
+            <a:r>
+              <a:rPr lang="zh-CN" altLang="en-US" sz="3600" b="1" dirty="0" smtClean="0">
+                <a:latin typeface="Microsoft JhengHei" pitchFamily="34" charset="-120"/>
+                <a:ea typeface="Microsoft JhengHei" pitchFamily="34" charset="-120"/>
+              </a:rPr>
+              <a:t>主我來就你</a:t>
+            </a:r>
+            <a:endParaRPr lang="zh-TW" altLang="en-US" sz="3600" b="1" dirty="0">
+              <a:latin typeface="Microsoft JhengHei" pitchFamily="34" charset="-120"/>
+              <a:ea typeface="Microsoft JhengHei" pitchFamily="34" charset="-120"/>
+            </a:endParaRPr>
+          </a:p>
+        </p:txBody>
+      </p:sp>
+      <p:sp>
+        <p:nvSpPr>
+          <p:cNvPr id="5" name="內容版面配置區 4"/>
+          <p:cNvSpPr>
+            <a:spLocks noGrp="1"/>
+          </p:cNvSpPr>
+          <p:nvPr>
+            <p:ph idx="1"/>
+          </p:nvPr>
+        </p:nvSpPr>
+        <p:spPr>
+          <a:xfrm>
+            <a:off x="0" y="1200150"/>
+            <a:ext cx="9144000" cy="3943349"/>
+          </a:xfrm>
+        </p:spPr>
+        <p:txBody>
+          <a:bodyPr>
+            <a:noAutofit/>
+          </a:bodyPr>
+          <a:lstStyle/>
+          <a:p>
             <a:pPr algn="ctr">
               <a:buNone/>
             </a:pPr>
             <a:r>
-              <a:rPr lang="zh-CN" altLang="en-US" sz="5400" dirty="0" smtClean="0"/>
-              <a:t>救主歡喜聲音</a:t>
-            </a:r>
-            <a:endParaRPr lang="en-US" altLang="zh-CN" sz="5400" dirty="0" smtClean="0"/>
+              <a:rPr lang="zh-CN" altLang="en-US" sz="4400" b="1" dirty="0" smtClean="0">
+                <a:latin typeface="Microsoft JhengHei" pitchFamily="34" charset="-120"/>
+                <a:ea typeface="Microsoft JhengHei" pitchFamily="34" charset="-120"/>
+              </a:rPr>
+              <a:t>救主歡喜聲</a:t>
+            </a:r>
+            <a:r>
+              <a:rPr lang="zh-CN" altLang="en-US" sz="4400" b="1" dirty="0" smtClean="0">
+                <a:latin typeface="Microsoft JhengHei" pitchFamily="34" charset="-120"/>
+                <a:ea typeface="Microsoft JhengHei" pitchFamily="34" charset="-120"/>
+              </a:rPr>
+              <a:t>音 我</a:t>
+            </a:r>
+            <a:r>
+              <a:rPr lang="zh-CN" altLang="en-US" sz="4400" b="1" dirty="0" smtClean="0">
+                <a:latin typeface="Microsoft JhengHei" pitchFamily="34" charset="-120"/>
+                <a:ea typeface="Microsoft JhengHei" pitchFamily="34" charset="-120"/>
+              </a:rPr>
+              <a:t>今願前來聽</a:t>
+            </a:r>
+            <a:endParaRPr lang="en-US" altLang="zh-CN" sz="4400" b="1" dirty="0" smtClean="0">
+              <a:latin typeface="Microsoft JhengHei" pitchFamily="34" charset="-120"/>
+              <a:ea typeface="Microsoft JhengHei" pitchFamily="34" charset="-120"/>
+            </a:endParaRPr>
           </a:p>
           <a:p>
             <a:pPr algn="ctr">
               <a:buNone/>
             </a:pPr>
             <a:r>
-              <a:rPr lang="zh-CN" altLang="en-US" sz="5400" dirty="0" smtClean="0"/>
-              <a:t>我今願前來聽</a:t>
-            </a:r>
-            <a:endParaRPr lang="en-US" altLang="zh-CN" sz="5400" dirty="0" smtClean="0"/>
+              <a:rPr lang="zh-CN" altLang="en-US" sz="4400" b="1" dirty="0" smtClean="0">
+                <a:latin typeface="Microsoft JhengHei" pitchFamily="34" charset="-120"/>
+                <a:ea typeface="Microsoft JhengHei" pitchFamily="34" charset="-120"/>
+              </a:rPr>
+              <a:t>為我罪惡流出寶血</a:t>
+            </a:r>
+            <a:endParaRPr lang="en-US" altLang="zh-CN" sz="4400" b="1" dirty="0" smtClean="0">
+              <a:latin typeface="Microsoft JhengHei" pitchFamily="34" charset="-120"/>
+              <a:ea typeface="Microsoft JhengHei" pitchFamily="34" charset="-120"/>
+            </a:endParaRPr>
           </a:p>
           <a:p>
             <a:pPr algn="ctr">
               <a:buNone/>
             </a:pPr>
             <a:r>
-              <a:rPr lang="zh-CN" altLang="en-US" sz="5400" dirty="0" smtClean="0"/>
-              <a:t>為我罪惡流出寶血</a:t>
-            </a:r>
-            <a:endParaRPr lang="en-US" altLang="zh-CN" sz="5400" dirty="0" smtClean="0"/>
+              <a:rPr lang="zh-CN" altLang="en-US" sz="4400" b="1" dirty="0" smtClean="0">
+                <a:latin typeface="Microsoft JhengHei" pitchFamily="34" charset="-120"/>
+                <a:ea typeface="Microsoft JhengHei" pitchFamily="34" charset="-120"/>
+              </a:rPr>
+              <a:t>使我能得生</a:t>
+            </a:r>
+            <a:r>
+              <a:rPr lang="zh-CN" altLang="en-US" sz="4400" b="1" dirty="0" smtClean="0">
+                <a:latin typeface="Microsoft JhengHei" pitchFamily="34" charset="-120"/>
+                <a:ea typeface="Microsoft JhengHei" pitchFamily="34" charset="-120"/>
+              </a:rPr>
+              <a:t>命</a:t>
+            </a:r>
+            <a:endParaRPr lang="en-US" altLang="zh-CN" sz="4400" b="1" dirty="0" smtClean="0">
+              <a:latin typeface="Microsoft JhengHei" pitchFamily="34" charset="-120"/>
+              <a:ea typeface="Microsoft JhengHei" pitchFamily="34" charset="-120"/>
+            </a:endParaRPr>
           </a:p>
           <a:p>
             <a:pPr algn="ctr">
               <a:buNone/>
             </a:pPr>
             <a:r>
-              <a:rPr lang="zh-CN" altLang="en-US" sz="5400" dirty="0" smtClean="0"/>
-              <a:t>使我能得生命</a:t>
-            </a:r>
-            <a:endParaRPr lang="zh-TW" altLang="en-US" sz="5400" dirty="0"/>
+              <a:rPr lang="zh-CN" altLang="en-US" sz="4400" b="1" dirty="0">
+                <a:latin typeface="Microsoft JhengHei" pitchFamily="34" charset="-120"/>
+                <a:ea typeface="Microsoft JhengHei" pitchFamily="34" charset="-120"/>
+              </a:rPr>
+              <a:t>主我來就你</a:t>
+            </a:r>
+            <a:r>
+              <a:rPr lang="en-US" altLang="zh-CN" sz="4400" b="1" dirty="0">
+                <a:latin typeface="Microsoft JhengHei" pitchFamily="34" charset="-120"/>
+                <a:ea typeface="Microsoft JhengHei" pitchFamily="34" charset="-120"/>
+              </a:rPr>
+              <a:t>  </a:t>
+            </a:r>
+            <a:r>
+              <a:rPr lang="zh-CN" altLang="en-US" sz="4400" b="1" dirty="0">
+                <a:latin typeface="Microsoft JhengHei" pitchFamily="34" charset="-120"/>
+                <a:ea typeface="Microsoft JhengHei" pitchFamily="34" charset="-120"/>
+              </a:rPr>
+              <a:t>我今來就你</a:t>
+            </a:r>
+            <a:endParaRPr lang="en-US" altLang="zh-CN" sz="4400" b="1" dirty="0">
+              <a:latin typeface="Microsoft JhengHei" pitchFamily="34" charset="-120"/>
+              <a:ea typeface="Microsoft JhengHei" pitchFamily="34" charset="-120"/>
+            </a:endParaRPr>
+          </a:p>
+          <a:p>
+            <a:pPr algn="ctr">
+              <a:buNone/>
+            </a:pPr>
+            <a:r>
+              <a:rPr lang="zh-CN" altLang="en-US" sz="4400" b="1" dirty="0">
+                <a:latin typeface="Microsoft JhengHei" pitchFamily="34" charset="-120"/>
+                <a:ea typeface="Microsoft JhengHei" pitchFamily="34" charset="-120"/>
+              </a:rPr>
+              <a:t>救主所流的寶</a:t>
+            </a:r>
+            <a:r>
+              <a:rPr lang="zh-CN" altLang="en-US" sz="4400" b="1" dirty="0" smtClean="0">
+                <a:latin typeface="Microsoft JhengHei" pitchFamily="34" charset="-120"/>
+                <a:ea typeface="Microsoft JhengHei" pitchFamily="34" charset="-120"/>
+              </a:rPr>
+              <a:t>血</a:t>
+            </a:r>
+            <a:r>
+              <a:rPr lang="en-US" altLang="zh-CN" sz="4400" b="1" dirty="0" smtClean="0">
+                <a:latin typeface="Microsoft JhengHei" pitchFamily="34" charset="-120"/>
+                <a:ea typeface="Microsoft JhengHei" pitchFamily="34" charset="-120"/>
+              </a:rPr>
+              <a:t>  </a:t>
+            </a:r>
+            <a:r>
+              <a:rPr lang="zh-CN" altLang="en-US" sz="4400" b="1" dirty="0" smtClean="0">
+                <a:latin typeface="Microsoft JhengHei" pitchFamily="34" charset="-120"/>
+                <a:ea typeface="Microsoft JhengHei" pitchFamily="34" charset="-120"/>
+              </a:rPr>
+              <a:t>洗</a:t>
+            </a:r>
+            <a:r>
+              <a:rPr lang="zh-CN" altLang="en-US" sz="4400" b="1" dirty="0">
+                <a:latin typeface="Microsoft JhengHei" pitchFamily="34" charset="-120"/>
+                <a:ea typeface="Microsoft JhengHei" pitchFamily="34" charset="-120"/>
+              </a:rPr>
+              <a:t>我罪惡清</a:t>
+            </a:r>
+            <a:r>
+              <a:rPr lang="zh-CN" altLang="en-US" sz="4400" b="1" dirty="0" smtClean="0">
+                <a:latin typeface="Microsoft JhengHei" pitchFamily="34" charset="-120"/>
+                <a:ea typeface="Microsoft JhengHei" pitchFamily="34" charset="-120"/>
+              </a:rPr>
+              <a:t>潔</a:t>
+            </a:r>
+            <a:endParaRPr lang="zh-TW" altLang="en-US" sz="4400" b="1" dirty="0">
+              <a:latin typeface="Microsoft JhengHei" pitchFamily="34" charset="-120"/>
+              <a:ea typeface="Microsoft JhengHei" pitchFamily="34" charset="-120"/>
+            </a:endParaRPr>
           </a:p>
         </p:txBody>
       </p:sp>
@@ -3465,72 +3288,160 @@
         </p:nvSpPr>
         <p:spPr/>
         <p:txBody>
-          <a:bodyPr/>
-          <a:lstStyle/>
-          <a:p>
-            <a:r>
-              <a:rPr lang="zh-CN" altLang="en-US" dirty="0" smtClean="0"/>
-              <a:t>主我來就你</a:t>
-            </a:r>
-            <a:endParaRPr lang="zh-TW" altLang="en-US" dirty="0"/>
-          </a:p>
-        </p:txBody>
-      </p:sp>
-      <p:sp>
-        <p:nvSpPr>
-          <p:cNvPr id="5" name="內容版面配置區 4"/>
-          <p:cNvSpPr>
-            <a:spLocks noGrp="1"/>
-          </p:cNvSpPr>
-          <p:nvPr>
-            <p:ph idx="1"/>
-          </p:nvPr>
-        </p:nvSpPr>
-        <p:spPr/>
-        <p:txBody>
           <a:bodyPr>
             <a:normAutofit/>
           </a:bodyPr>
           <a:lstStyle/>
           <a:p>
+            <a:r>
+              <a:rPr lang="zh-CN" altLang="en-US" sz="3600" b="1" dirty="0">
+                <a:latin typeface="Microsoft JhengHei" pitchFamily="34" charset="-120"/>
+                <a:ea typeface="Microsoft JhengHei" pitchFamily="34" charset="-120"/>
+              </a:rPr>
+              <a:t>主我來就你</a:t>
+            </a:r>
+            <a:endParaRPr lang="zh-TW" altLang="en-US" sz="3600" b="1" dirty="0">
+              <a:latin typeface="Microsoft JhengHei" pitchFamily="34" charset="-120"/>
+              <a:ea typeface="Microsoft JhengHei" pitchFamily="34" charset="-120"/>
+            </a:endParaRPr>
+          </a:p>
+        </p:txBody>
+      </p:sp>
+      <p:sp>
+        <p:nvSpPr>
+          <p:cNvPr id="5" name="內容版面配置區 4"/>
+          <p:cNvSpPr>
+            <a:spLocks noGrp="1"/>
+          </p:cNvSpPr>
+          <p:nvPr>
+            <p:ph idx="1"/>
+          </p:nvPr>
+        </p:nvSpPr>
+        <p:spPr>
+          <a:xfrm>
+            <a:off x="0" y="1200150"/>
+            <a:ext cx="9144000" cy="3943349"/>
+          </a:xfrm>
+        </p:spPr>
+        <p:txBody>
+          <a:bodyPr>
+            <a:normAutofit fontScale="92500" lnSpcReduction="10000"/>
+          </a:bodyPr>
+          <a:lstStyle/>
+          <a:p>
             <a:pPr algn="ctr">
               <a:buNone/>
             </a:pPr>
             <a:r>
-              <a:rPr lang="zh-CN" altLang="en-US" sz="5400" dirty="0" smtClean="0"/>
+              <a:rPr lang="zh-CN" altLang="en-US" sz="4800" b="1" dirty="0">
+                <a:latin typeface="Microsoft JhengHei" pitchFamily="34" charset="-120"/>
+                <a:ea typeface="Microsoft JhengHei" pitchFamily="34" charset="-120"/>
+              </a:rPr>
+              <a:t>我這可惡罪人  行善毫無能力</a:t>
+            </a:r>
+            <a:endParaRPr lang="en-US" altLang="zh-CN" sz="4800" b="1" dirty="0">
+              <a:latin typeface="Microsoft JhengHei" pitchFamily="34" charset="-120"/>
+              <a:ea typeface="Microsoft JhengHei" pitchFamily="34" charset="-120"/>
+            </a:endParaRPr>
+          </a:p>
+          <a:p>
+            <a:pPr algn="ctr">
+              <a:buNone/>
+            </a:pPr>
+            <a:r>
+              <a:rPr lang="zh-CN" altLang="en-US" sz="4800" b="1" dirty="0">
+                <a:latin typeface="Microsoft JhengHei" pitchFamily="34" charset="-120"/>
+                <a:ea typeface="Microsoft JhengHei" pitchFamily="34" charset="-120"/>
+              </a:rPr>
+              <a:t>惟主寶血永無更變</a:t>
+            </a:r>
+            <a:endParaRPr lang="en-US" altLang="zh-CN" sz="4800" b="1" dirty="0">
+              <a:latin typeface="Microsoft JhengHei" pitchFamily="34" charset="-120"/>
+              <a:ea typeface="Microsoft JhengHei" pitchFamily="34" charset="-120"/>
+            </a:endParaRPr>
+          </a:p>
+          <a:p>
+            <a:pPr algn="ctr">
+              <a:buNone/>
+            </a:pPr>
+            <a:r>
+              <a:rPr lang="zh-CN" altLang="en-US" sz="4800" b="1" dirty="0">
+                <a:latin typeface="Microsoft JhengHei" pitchFamily="34" charset="-120"/>
+                <a:ea typeface="Microsoft JhengHei" pitchFamily="34" charset="-120"/>
+              </a:rPr>
+              <a:t>洗淨心裡罪愆</a:t>
+            </a:r>
+            <a:endParaRPr lang="en-US" altLang="zh-CN" sz="4800" b="1" dirty="0">
+              <a:latin typeface="Microsoft JhengHei" pitchFamily="34" charset="-120"/>
+              <a:ea typeface="Microsoft JhengHei" pitchFamily="34" charset="-120"/>
+            </a:endParaRPr>
+          </a:p>
+          <a:p>
+            <a:pPr algn="ctr">
+              <a:buNone/>
+            </a:pPr>
+            <a:r>
+              <a:rPr lang="zh-CN" altLang="en-US" sz="4800" b="1" dirty="0">
+                <a:latin typeface="Microsoft JhengHei" pitchFamily="34" charset="-120"/>
+                <a:ea typeface="Microsoft JhengHei" pitchFamily="34" charset="-120"/>
+              </a:rPr>
               <a:t>主我來就你</a:t>
             </a:r>
-            <a:endParaRPr lang="en-US" altLang="zh-CN" sz="5400" dirty="0" smtClean="0"/>
+            <a:r>
+              <a:rPr lang="en-US" altLang="zh-CN" sz="4800" b="1" dirty="0">
+                <a:latin typeface="Microsoft JhengHei" pitchFamily="34" charset="-120"/>
+                <a:ea typeface="Microsoft JhengHei" pitchFamily="34" charset="-120"/>
+              </a:rPr>
+              <a:t>  </a:t>
+            </a:r>
+            <a:r>
+              <a:rPr lang="zh-CN" altLang="en-US" sz="4800" b="1" dirty="0">
+                <a:latin typeface="Microsoft JhengHei" pitchFamily="34" charset="-120"/>
+                <a:ea typeface="Microsoft JhengHei" pitchFamily="34" charset="-120"/>
+              </a:rPr>
+              <a:t>我今來就你</a:t>
+            </a:r>
+            <a:endParaRPr lang="en-US" altLang="zh-CN" sz="4800" b="1" dirty="0">
+              <a:latin typeface="Microsoft JhengHei" pitchFamily="34" charset="-120"/>
+              <a:ea typeface="Microsoft JhengHei" pitchFamily="34" charset="-120"/>
+            </a:endParaRPr>
           </a:p>
           <a:p>
             <a:pPr algn="ctr">
               <a:buNone/>
             </a:pPr>
             <a:r>
-              <a:rPr lang="zh-CN" altLang="en-US" sz="5400" dirty="0" smtClean="0"/>
-              <a:t>我今來就你</a:t>
-            </a:r>
-            <a:endParaRPr lang="en-US" altLang="zh-CN" sz="5400" dirty="0" smtClean="0"/>
-          </a:p>
-          <a:p>
-            <a:pPr algn="ctr">
-              <a:buNone/>
-            </a:pPr>
-            <a:r>
-              <a:rPr lang="zh-CN" altLang="en-US" sz="5400" dirty="0" smtClean="0"/>
+              <a:rPr lang="zh-CN" altLang="en-US" sz="4800" b="1" dirty="0">
+                <a:latin typeface="Microsoft JhengHei" pitchFamily="34" charset="-120"/>
+                <a:ea typeface="Microsoft JhengHei" pitchFamily="34" charset="-120"/>
+              </a:rPr>
               <a:t>救主所流的寶血</a:t>
             </a:r>
-            <a:endParaRPr lang="en-US" altLang="zh-CN" sz="5400" dirty="0" smtClean="0"/>
-          </a:p>
-          <a:p>
-            <a:pPr algn="ctr">
-              <a:buNone/>
-            </a:pPr>
-            <a:r>
-              <a:rPr lang="zh-CN" altLang="en-US" sz="5400" dirty="0" smtClean="0"/>
-              <a:t>洗我罪惡清潔</a:t>
-            </a:r>
-            <a:endParaRPr lang="zh-TW" altLang="en-US" sz="5400" dirty="0"/>
+            <a:r>
+              <a:rPr lang="en-US" altLang="zh-CN" sz="4800" b="1" dirty="0">
+                <a:latin typeface="Microsoft JhengHei" pitchFamily="34" charset="-120"/>
+                <a:ea typeface="Microsoft JhengHei" pitchFamily="34" charset="-120"/>
+              </a:rPr>
+              <a:t>  </a:t>
+            </a:r>
+            <a:r>
+              <a:rPr lang="zh-CN" altLang="en-US" sz="4800" b="1" dirty="0">
+                <a:latin typeface="Microsoft JhengHei" pitchFamily="34" charset="-120"/>
+                <a:ea typeface="Microsoft JhengHei" pitchFamily="34" charset="-120"/>
+              </a:rPr>
+              <a:t>洗我罪惡清</a:t>
+            </a:r>
+            <a:r>
+              <a:rPr lang="zh-CN" altLang="en-US" sz="4800" b="1" dirty="0" smtClean="0">
+                <a:latin typeface="Microsoft JhengHei" pitchFamily="34" charset="-120"/>
+                <a:ea typeface="Microsoft JhengHei" pitchFamily="34" charset="-120"/>
+              </a:rPr>
+              <a:t>潔</a:t>
+            </a:r>
+            <a:endParaRPr lang="zh-TW" altLang="en-US" sz="4800" b="1" dirty="0">
+              <a:latin typeface="Microsoft JhengHei" pitchFamily="34" charset="-120"/>
+              <a:ea typeface="Microsoft JhengHei" pitchFamily="34" charset="-120"/>
+            </a:endParaRPr>
           </a:p>
         </p:txBody>
       </p:sp>
@@ -3571,72 +3482,182 @@
         </p:nvSpPr>
         <p:spPr/>
         <p:txBody>
-          <a:bodyPr/>
-          <a:lstStyle/>
-          <a:p>
-            <a:r>
-              <a:rPr lang="zh-CN" altLang="en-US" dirty="0" smtClean="0"/>
-              <a:t>主我來就你</a:t>
-            </a:r>
-            <a:endParaRPr lang="zh-TW" altLang="en-US" dirty="0"/>
-          </a:p>
-        </p:txBody>
-      </p:sp>
-      <p:sp>
-        <p:nvSpPr>
-          <p:cNvPr id="5" name="內容版面配置區 4"/>
-          <p:cNvSpPr>
-            <a:spLocks noGrp="1"/>
-          </p:cNvSpPr>
-          <p:nvPr>
-            <p:ph idx="1"/>
-          </p:nvPr>
-        </p:nvSpPr>
-        <p:spPr/>
-        <p:txBody>
           <a:bodyPr>
             <a:normAutofit/>
           </a:bodyPr>
           <a:lstStyle/>
           <a:p>
+            <a:r>
+              <a:rPr lang="zh-CN" altLang="en-US" sz="3600" b="1" dirty="0">
+                <a:latin typeface="Microsoft JhengHei" pitchFamily="34" charset="-120"/>
+                <a:ea typeface="Microsoft JhengHei" pitchFamily="34" charset="-120"/>
+              </a:rPr>
+              <a:t>主我來就你</a:t>
+            </a:r>
+            <a:endParaRPr lang="zh-TW" altLang="en-US" sz="3600" b="1" dirty="0">
+              <a:latin typeface="Microsoft JhengHei" pitchFamily="34" charset="-120"/>
+              <a:ea typeface="Microsoft JhengHei" pitchFamily="34" charset="-120"/>
+            </a:endParaRPr>
+          </a:p>
+        </p:txBody>
+      </p:sp>
+      <p:sp>
+        <p:nvSpPr>
+          <p:cNvPr id="5" name="內容版面配置區 4"/>
+          <p:cNvSpPr>
+            <a:spLocks noGrp="1"/>
+          </p:cNvSpPr>
+          <p:nvPr>
+            <p:ph idx="1"/>
+          </p:nvPr>
+        </p:nvSpPr>
+        <p:spPr>
+          <a:xfrm>
+            <a:off x="0" y="1200150"/>
+            <a:ext cx="9144000" cy="3943349"/>
+          </a:xfrm>
+        </p:spPr>
+        <p:txBody>
+          <a:bodyPr>
+            <a:noAutofit/>
+          </a:bodyPr>
+          <a:lstStyle/>
+          <a:p>
             <a:pPr algn="ctr">
+              <a:lnSpc>
+                <a:spcPct val="90000"/>
+              </a:lnSpc>
               <a:buNone/>
             </a:pPr>
             <a:r>
-              <a:rPr lang="zh-CN" altLang="en-US" sz="5400" dirty="0" smtClean="0"/>
-              <a:t>我這可惡罪人</a:t>
-            </a:r>
-            <a:endParaRPr lang="en-US" altLang="zh-CN" sz="5400" dirty="0" smtClean="0"/>
+              <a:rPr lang="zh-CN" altLang="en-US" sz="4400" b="1" dirty="0">
+                <a:latin typeface="Microsoft JhengHei" pitchFamily="34" charset="-120"/>
+                <a:ea typeface="Microsoft JhengHei" pitchFamily="34" charset="-120"/>
+              </a:rPr>
+              <a:t>求主賞賜聖靈</a:t>
+            </a:r>
+            <a:r>
+              <a:rPr lang="en-US" altLang="zh-CN" sz="4400" b="1" dirty="0">
+                <a:latin typeface="Microsoft JhengHei" pitchFamily="34" charset="-120"/>
+                <a:ea typeface="Microsoft JhengHei" pitchFamily="34" charset="-120"/>
+              </a:rPr>
+              <a:t>  </a:t>
+            </a:r>
+            <a:r>
+              <a:rPr lang="zh-CN" altLang="en-US" sz="4400" b="1" dirty="0">
+                <a:latin typeface="Microsoft JhengHei" pitchFamily="34" charset="-120"/>
+                <a:ea typeface="Microsoft JhengHei" pitchFamily="34" charset="-120"/>
+              </a:rPr>
+              <a:t>激發愛主熱心</a:t>
+            </a:r>
+            <a:endParaRPr lang="en-US" altLang="zh-CN" sz="4400" b="1" dirty="0">
+              <a:latin typeface="Microsoft JhengHei" pitchFamily="34" charset="-120"/>
+              <a:ea typeface="Microsoft JhengHei" pitchFamily="34" charset="-120"/>
+            </a:endParaRPr>
           </a:p>
           <a:p>
             <a:pPr algn="ctr">
+              <a:lnSpc>
+                <a:spcPct val="90000"/>
+              </a:lnSpc>
               <a:buNone/>
             </a:pPr>
             <a:r>
-              <a:rPr lang="zh-CN" altLang="en-US" sz="5400" dirty="0" smtClean="0"/>
-              <a:t>行善毫無能力</a:t>
-            </a:r>
-            <a:endParaRPr lang="en-US" altLang="zh-CN" sz="5400" dirty="0" smtClean="0"/>
+              <a:rPr lang="zh-CN" altLang="en-US" sz="4400" b="1" dirty="0">
+                <a:latin typeface="Microsoft JhengHei" pitchFamily="34" charset="-120"/>
+                <a:ea typeface="Microsoft JhengHei" pitchFamily="34" charset="-120"/>
+              </a:rPr>
+              <a:t>引導罪人歸向耶穌</a:t>
+            </a:r>
+            <a:endParaRPr lang="en-US" altLang="zh-CN" sz="4400" b="1" dirty="0">
+              <a:latin typeface="Microsoft JhengHei" pitchFamily="34" charset="-120"/>
+              <a:ea typeface="Microsoft JhengHei" pitchFamily="34" charset="-120"/>
+            </a:endParaRPr>
           </a:p>
           <a:p>
             <a:pPr algn="ctr">
+              <a:lnSpc>
+                <a:spcPct val="90000"/>
+              </a:lnSpc>
               <a:buNone/>
             </a:pPr>
             <a:r>
-              <a:rPr lang="zh-CN" altLang="en-US" sz="5400" dirty="0" smtClean="0"/>
-              <a:t>惟主寶血永無更變</a:t>
-            </a:r>
-            <a:endParaRPr lang="en-US" altLang="zh-CN" sz="5400" dirty="0" smtClean="0"/>
+              <a:rPr lang="zh-CN" altLang="en-US" sz="4400" b="1" dirty="0">
+                <a:latin typeface="Microsoft JhengHei" pitchFamily="34" charset="-120"/>
+                <a:ea typeface="Microsoft JhengHei" pitchFamily="34" charset="-120"/>
+              </a:rPr>
+              <a:t>使主教會復興</a:t>
+            </a:r>
+            <a:endParaRPr lang="en-US" altLang="zh-CN" sz="4400" b="1" dirty="0">
+              <a:latin typeface="Microsoft JhengHei" pitchFamily="34" charset="-120"/>
+              <a:ea typeface="Microsoft JhengHei" pitchFamily="34" charset="-120"/>
+            </a:endParaRPr>
           </a:p>
           <a:p>
             <a:pPr algn="ctr">
+              <a:lnSpc>
+                <a:spcPct val="90000"/>
+              </a:lnSpc>
               <a:buNone/>
             </a:pPr>
             <a:r>
-              <a:rPr lang="zh-CN" altLang="en-US" sz="5400" dirty="0" smtClean="0"/>
-              <a:t>洗淨心裡罪愆</a:t>
-            </a:r>
-            <a:endParaRPr lang="zh-TW" altLang="en-US" sz="5400" dirty="0"/>
+              <a:rPr lang="zh-CN" altLang="en-US" sz="4400" b="1" dirty="0">
+                <a:latin typeface="Microsoft JhengHei" pitchFamily="34" charset="-120"/>
+                <a:ea typeface="Microsoft JhengHei" pitchFamily="34" charset="-120"/>
+              </a:rPr>
+              <a:t>主我來就你</a:t>
+            </a:r>
+            <a:r>
+              <a:rPr lang="en-US" altLang="zh-CN" sz="4400" b="1" dirty="0">
+                <a:latin typeface="Microsoft JhengHei" pitchFamily="34" charset="-120"/>
+                <a:ea typeface="Microsoft JhengHei" pitchFamily="34" charset="-120"/>
+              </a:rPr>
+              <a:t>  </a:t>
+            </a:r>
+            <a:r>
+              <a:rPr lang="zh-CN" altLang="en-US" sz="4400" b="1" dirty="0">
+                <a:latin typeface="Microsoft JhengHei" pitchFamily="34" charset="-120"/>
+                <a:ea typeface="Microsoft JhengHei" pitchFamily="34" charset="-120"/>
+              </a:rPr>
+              <a:t>我今來就你</a:t>
+            </a:r>
+            <a:endParaRPr lang="en-US" altLang="zh-CN" sz="4400" b="1" dirty="0">
+              <a:latin typeface="Microsoft JhengHei" pitchFamily="34" charset="-120"/>
+              <a:ea typeface="Microsoft JhengHei" pitchFamily="34" charset="-120"/>
+            </a:endParaRPr>
+          </a:p>
+          <a:p>
+            <a:pPr algn="ctr">
+              <a:lnSpc>
+                <a:spcPct val="90000"/>
+              </a:lnSpc>
+              <a:buNone/>
+            </a:pPr>
+            <a:r>
+              <a:rPr lang="zh-CN" altLang="en-US" sz="4400" b="1" dirty="0">
+                <a:latin typeface="Microsoft JhengHei" pitchFamily="34" charset="-120"/>
+                <a:ea typeface="Microsoft JhengHei" pitchFamily="34" charset="-120"/>
+              </a:rPr>
+              <a:t>救主所流的寶血</a:t>
+            </a:r>
+            <a:r>
+              <a:rPr lang="en-US" altLang="zh-CN" sz="4400" b="1" dirty="0">
+                <a:latin typeface="Microsoft JhengHei" pitchFamily="34" charset="-120"/>
+                <a:ea typeface="Microsoft JhengHei" pitchFamily="34" charset="-120"/>
+              </a:rPr>
+              <a:t>  </a:t>
+            </a:r>
+            <a:r>
+              <a:rPr lang="zh-CN" altLang="en-US" sz="4400" b="1" dirty="0">
+                <a:latin typeface="Microsoft JhengHei" pitchFamily="34" charset="-120"/>
+                <a:ea typeface="Microsoft JhengHei" pitchFamily="34" charset="-120"/>
+              </a:rPr>
+              <a:t>洗我罪惡清潔</a:t>
+            </a:r>
+            <a:endParaRPr lang="zh-TW" altLang="en-US" sz="4400" b="1" dirty="0">
+              <a:latin typeface="Microsoft JhengHei" pitchFamily="34" charset="-120"/>
+              <a:ea typeface="Microsoft JhengHei" pitchFamily="34" charset="-120"/>
+            </a:endParaRPr>
           </a:p>
         </p:txBody>
       </p:sp>
@@ -3677,503 +3698,201 @@
         </p:nvSpPr>
         <p:spPr/>
         <p:txBody>
-          <a:bodyPr/>
-          <a:lstStyle/>
-          <a:p>
-            <a:r>
-              <a:rPr lang="zh-CN" altLang="en-US" dirty="0" smtClean="0"/>
-              <a:t>主我來就你</a:t>
-            </a:r>
-            <a:endParaRPr lang="zh-TW" altLang="en-US" dirty="0"/>
-          </a:p>
-        </p:txBody>
-      </p:sp>
-      <p:sp>
-        <p:nvSpPr>
-          <p:cNvPr id="5" name="內容版面配置區 4"/>
-          <p:cNvSpPr>
-            <a:spLocks noGrp="1"/>
-          </p:cNvSpPr>
-          <p:nvPr>
-            <p:ph idx="1"/>
-          </p:nvPr>
-        </p:nvSpPr>
-        <p:spPr/>
-        <p:txBody>
           <a:bodyPr>
             <a:normAutofit/>
           </a:bodyPr>
           <a:lstStyle/>
           <a:p>
+            <a:r>
+              <a:rPr lang="zh-CN" altLang="en-US" sz="3600" b="1" dirty="0">
+                <a:latin typeface="Microsoft JhengHei" pitchFamily="34" charset="-120"/>
+                <a:ea typeface="Microsoft JhengHei" pitchFamily="34" charset="-120"/>
+              </a:rPr>
+              <a:t>主我來就你</a:t>
+            </a:r>
+            <a:endParaRPr lang="zh-TW" altLang="en-US" sz="3600" b="1" dirty="0">
+              <a:latin typeface="Microsoft JhengHei" pitchFamily="34" charset="-120"/>
+              <a:ea typeface="Microsoft JhengHei" pitchFamily="34" charset="-120"/>
+            </a:endParaRPr>
+          </a:p>
+        </p:txBody>
+      </p:sp>
+      <p:sp>
+        <p:nvSpPr>
+          <p:cNvPr id="5" name="內容版面配置區 4"/>
+          <p:cNvSpPr>
+            <a:spLocks noGrp="1"/>
+          </p:cNvSpPr>
+          <p:nvPr>
+            <p:ph idx="1"/>
+          </p:nvPr>
+        </p:nvSpPr>
+        <p:spPr>
+          <a:xfrm>
+            <a:off x="0" y="1200150"/>
+            <a:ext cx="9144000" cy="3943349"/>
+          </a:xfrm>
+        </p:spPr>
+        <p:txBody>
+          <a:bodyPr>
+            <a:normAutofit fontScale="92500" lnSpcReduction="20000"/>
+          </a:bodyPr>
+          <a:lstStyle/>
+          <a:p>
             <a:pPr algn="ctr">
+              <a:lnSpc>
+                <a:spcPct val="110000"/>
+              </a:lnSpc>
               <a:buNone/>
             </a:pPr>
             <a:r>
-              <a:rPr lang="zh-CN" altLang="en-US" sz="5400" dirty="0" smtClean="0"/>
+              <a:rPr lang="zh-CN" altLang="en-US" sz="4800" b="1" dirty="0">
+                <a:latin typeface="Microsoft JhengHei" pitchFamily="34" charset="-120"/>
+                <a:ea typeface="Microsoft JhengHei" pitchFamily="34" charset="-120"/>
+              </a:rPr>
+              <a:t>美哉贖罪寶血</a:t>
+            </a:r>
+            <a:r>
+              <a:rPr lang="en-US" altLang="zh-CN" sz="4800" b="1" dirty="0">
+                <a:latin typeface="Microsoft JhengHei" pitchFamily="34" charset="-120"/>
+                <a:ea typeface="Microsoft JhengHei" pitchFamily="34" charset="-120"/>
+              </a:rPr>
+              <a:t> </a:t>
+            </a:r>
+            <a:r>
+              <a:rPr lang="en-US" altLang="zh-CN" sz="4800" b="1" dirty="0">
+                <a:latin typeface="Microsoft JhengHei" pitchFamily="34" charset="-120"/>
+                <a:ea typeface="Microsoft JhengHei" pitchFamily="34" charset="-120"/>
+              </a:rPr>
+              <a:t> </a:t>
+            </a:r>
+            <a:r>
+              <a:rPr lang="zh-CN" altLang="en-US" sz="4800" b="1" dirty="0">
+                <a:latin typeface="Microsoft JhengHei" pitchFamily="34" charset="-120"/>
+                <a:ea typeface="Microsoft JhengHei" pitchFamily="34" charset="-120"/>
+              </a:rPr>
+              <a:t>大哉十架能力</a:t>
+            </a:r>
+            <a:endParaRPr lang="en-US" altLang="zh-CN" sz="4800" b="1" dirty="0">
+              <a:latin typeface="Microsoft JhengHei" pitchFamily="34" charset="-120"/>
+              <a:ea typeface="Microsoft JhengHei" pitchFamily="34" charset="-120"/>
+            </a:endParaRPr>
+          </a:p>
+          <a:p>
+            <a:pPr algn="ctr">
+              <a:lnSpc>
+                <a:spcPct val="110000"/>
+              </a:lnSpc>
+              <a:buNone/>
+            </a:pPr>
+            <a:r>
+              <a:rPr lang="zh-CN" altLang="en-US" sz="4800" b="1" dirty="0">
+                <a:latin typeface="Microsoft JhengHei" pitchFamily="34" charset="-120"/>
+                <a:ea typeface="Microsoft JhengHei" pitchFamily="34" charset="-120"/>
+              </a:rPr>
+              <a:t>奇</a:t>
+            </a:r>
+            <a:r>
+              <a:rPr lang="zh-CN" altLang="en-US" sz="4800" b="1" dirty="0">
+                <a:latin typeface="Microsoft JhengHei" pitchFamily="34" charset="-120"/>
+                <a:ea typeface="Microsoft JhengHei" pitchFamily="34" charset="-120"/>
+              </a:rPr>
+              <a:t>哉耶穌替我受死</a:t>
+            </a:r>
+            <a:endParaRPr lang="en-US" altLang="zh-CN" sz="4800" b="1" dirty="0">
+              <a:latin typeface="Microsoft JhengHei" pitchFamily="34" charset="-120"/>
+              <a:ea typeface="Microsoft JhengHei" pitchFamily="34" charset="-120"/>
+            </a:endParaRPr>
+          </a:p>
+          <a:p>
+            <a:pPr algn="ctr">
+              <a:lnSpc>
+                <a:spcPct val="110000"/>
+              </a:lnSpc>
+              <a:buNone/>
+            </a:pPr>
+            <a:r>
+              <a:rPr lang="zh-CN" altLang="en-US" sz="4800" b="1" dirty="0">
+                <a:latin typeface="Microsoft JhengHei" pitchFamily="34" charset="-120"/>
+                <a:ea typeface="Microsoft JhengHei" pitchFamily="34" charset="-120"/>
+              </a:rPr>
+              <a:t>我要愛主到底</a:t>
+            </a:r>
+            <a:endParaRPr lang="en-US" altLang="zh-CN" sz="4800" b="1" dirty="0">
+              <a:latin typeface="Microsoft JhengHei" pitchFamily="34" charset="-120"/>
+              <a:ea typeface="Microsoft JhengHei" pitchFamily="34" charset="-120"/>
+            </a:endParaRPr>
+          </a:p>
+          <a:p>
+            <a:pPr algn="ctr">
+              <a:lnSpc>
+                <a:spcPct val="110000"/>
+              </a:lnSpc>
+              <a:buNone/>
+            </a:pPr>
+            <a:r>
+              <a:rPr lang="zh-CN" altLang="en-US" sz="4800" b="1" dirty="0">
+                <a:latin typeface="Microsoft JhengHei" pitchFamily="34" charset="-120"/>
+                <a:ea typeface="Microsoft JhengHei" pitchFamily="34" charset="-120"/>
+              </a:rPr>
               <a:t>主我來就你</a:t>
             </a:r>
-            <a:endParaRPr lang="en-US" altLang="zh-CN" sz="5400" dirty="0" smtClean="0"/>
+            <a:r>
+              <a:rPr lang="en-US" altLang="zh-CN" sz="4800" b="1" dirty="0">
+                <a:latin typeface="Microsoft JhengHei" pitchFamily="34" charset="-120"/>
+                <a:ea typeface="Microsoft JhengHei" pitchFamily="34" charset="-120"/>
+              </a:rPr>
+              <a:t>  </a:t>
+            </a:r>
+            <a:r>
+              <a:rPr lang="zh-CN" altLang="en-US" sz="4800" b="1" dirty="0">
+                <a:latin typeface="Microsoft JhengHei" pitchFamily="34" charset="-120"/>
+                <a:ea typeface="Microsoft JhengHei" pitchFamily="34" charset="-120"/>
+              </a:rPr>
+              <a:t>我今來就你</a:t>
+            </a:r>
+            <a:endParaRPr lang="en-US" altLang="zh-CN" sz="4800" b="1" dirty="0">
+              <a:latin typeface="Microsoft JhengHei" pitchFamily="34" charset="-120"/>
+              <a:ea typeface="Microsoft JhengHei" pitchFamily="34" charset="-120"/>
+            </a:endParaRPr>
           </a:p>
           <a:p>
             <a:pPr algn="ctr">
+              <a:lnSpc>
+                <a:spcPct val="110000"/>
+              </a:lnSpc>
               <a:buNone/>
             </a:pPr>
             <a:r>
-              <a:rPr lang="zh-CN" altLang="en-US" sz="5400" dirty="0" smtClean="0"/>
-              <a:t>我今來就你</a:t>
-            </a:r>
-            <a:endParaRPr lang="en-US" altLang="zh-CN" sz="5400" dirty="0" smtClean="0"/>
+              <a:rPr lang="zh-CN" altLang="en-US" sz="4800" b="1" dirty="0">
+                <a:latin typeface="Microsoft JhengHei" pitchFamily="34" charset="-120"/>
+                <a:ea typeface="Microsoft JhengHei" pitchFamily="34" charset="-120"/>
+              </a:rPr>
+              <a:t>救主所流的寶血</a:t>
+            </a:r>
+            <a:r>
+              <a:rPr lang="en-US" altLang="zh-CN" sz="4800" b="1" dirty="0">
+                <a:latin typeface="Microsoft JhengHei" pitchFamily="34" charset="-120"/>
+                <a:ea typeface="Microsoft JhengHei" pitchFamily="34" charset="-120"/>
+              </a:rPr>
+              <a:t>  </a:t>
+            </a:r>
+            <a:r>
+              <a:rPr lang="zh-CN" altLang="en-US" sz="4800" b="1" dirty="0">
+                <a:latin typeface="Microsoft JhengHei" pitchFamily="34" charset="-120"/>
+                <a:ea typeface="Microsoft JhengHei" pitchFamily="34" charset="-120"/>
+              </a:rPr>
+              <a:t>洗我罪惡清潔</a:t>
+            </a:r>
+            <a:endParaRPr lang="zh-TW" altLang="en-US" sz="4800" b="1" dirty="0">
+              <a:latin typeface="Microsoft JhengHei" pitchFamily="34" charset="-120"/>
+              <a:ea typeface="Microsoft JhengHei" pitchFamily="34" charset="-120"/>
+            </a:endParaRPr>
           </a:p>
           <a:p>
             <a:pPr algn="ctr">
               <a:buNone/>
             </a:pPr>
-            <a:r>
-              <a:rPr lang="zh-CN" altLang="en-US" sz="5400" dirty="0" smtClean="0"/>
-              <a:t>救主所流的寶血</a:t>
-            </a:r>
-            <a:endParaRPr lang="en-US" altLang="zh-CN" sz="5400" dirty="0" smtClean="0"/>
-          </a:p>
-          <a:p>
-            <a:pPr algn="ctr">
-              <a:buNone/>
-            </a:pPr>
-            <a:r>
-              <a:rPr lang="zh-CN" altLang="en-US" sz="5400" dirty="0" smtClean="0"/>
-              <a:t>洗我罪惡清潔</a:t>
-            </a:r>
-            <a:endParaRPr lang="zh-TW" altLang="en-US" sz="5400" dirty="0"/>
-          </a:p>
-        </p:txBody>
-      </p:sp>
-    </p:spTree>
-  </p:cSld>
-  <p:clrMapOvr>
-    <a:masterClrMapping/>
-  </p:clrMapOvr>
-</p:sld>
-</file>
-
-<file path=ppt/slides/slide5.xml><?xml version="1.0" encoding="utf-8"?>
-<p:sld xmlns:a="http://schemas.openxmlformats.org/drawingml/2006/main" xmlns:r="http://schemas.openxmlformats.org/officeDocument/2006/relationships" xmlns:p="http://schemas.openxmlformats.org/presentationml/2006/main">
-  <p:cSld>
-    <p:spTree>
-      <p:nvGrpSpPr>
-        <p:cNvPr id="1" name=""/>
-        <p:cNvGrpSpPr/>
-        <p:nvPr/>
-      </p:nvGrpSpPr>
-      <p:grpSpPr>
-        <a:xfrm>
-          <a:off x="0" y="0"/>
-          <a:ext cx="0" cy="0"/>
-          <a:chOff x="0" y="0"/>
-          <a:chExt cx="0" cy="0"/>
-        </a:xfrm>
-      </p:grpSpPr>
-      <p:sp>
-        <p:nvSpPr>
-          <p:cNvPr id="4" name="標題 3"/>
-          <p:cNvSpPr>
-            <a:spLocks noGrp="1"/>
-          </p:cNvSpPr>
-          <p:nvPr>
-            <p:ph type="title"/>
-          </p:nvPr>
-        </p:nvSpPr>
-        <p:spPr/>
-        <p:txBody>
-          <a:bodyPr/>
-          <a:lstStyle/>
-          <a:p>
-            <a:r>
-              <a:rPr lang="zh-CN" altLang="en-US" dirty="0" smtClean="0"/>
-              <a:t>主我來就你</a:t>
-            </a:r>
-            <a:endParaRPr lang="zh-TW" altLang="en-US" dirty="0"/>
-          </a:p>
-        </p:txBody>
-      </p:sp>
-      <p:sp>
-        <p:nvSpPr>
-          <p:cNvPr id="5" name="內容版面配置區 4"/>
-          <p:cNvSpPr>
-            <a:spLocks noGrp="1"/>
-          </p:cNvSpPr>
-          <p:nvPr>
-            <p:ph idx="1"/>
-          </p:nvPr>
-        </p:nvSpPr>
-        <p:spPr/>
-        <p:txBody>
-          <a:bodyPr>
-            <a:normAutofit/>
-          </a:bodyPr>
-          <a:lstStyle/>
-          <a:p>
-            <a:pPr algn="ctr">
-              <a:buNone/>
-            </a:pPr>
-            <a:r>
-              <a:rPr lang="zh-CN" altLang="en-US" sz="5400" dirty="0" smtClean="0"/>
-              <a:t>求主賞賜聖靈</a:t>
-            </a:r>
-            <a:endParaRPr lang="en-US" altLang="zh-CN" sz="5400" dirty="0" smtClean="0"/>
-          </a:p>
-          <a:p>
-            <a:pPr algn="ctr">
-              <a:buNone/>
-            </a:pPr>
-            <a:r>
-              <a:rPr lang="zh-CN" altLang="en-US" sz="5400" dirty="0" smtClean="0"/>
-              <a:t>激發愛主熱心</a:t>
-            </a:r>
-            <a:endParaRPr lang="en-US" altLang="zh-CN" sz="5400" dirty="0" smtClean="0"/>
-          </a:p>
-          <a:p>
-            <a:pPr algn="ctr">
-              <a:buNone/>
-            </a:pPr>
-            <a:r>
-              <a:rPr lang="zh-CN" altLang="en-US" sz="5400" dirty="0" smtClean="0"/>
-              <a:t>引導罪人歸向耶穌</a:t>
-            </a:r>
-            <a:endParaRPr lang="en-US" altLang="zh-CN" sz="5400" dirty="0" smtClean="0"/>
-          </a:p>
-          <a:p>
-            <a:pPr algn="ctr">
-              <a:buNone/>
-            </a:pPr>
-            <a:r>
-              <a:rPr lang="zh-CN" altLang="en-US" sz="5400" dirty="0" smtClean="0"/>
-              <a:t>使主教會復興</a:t>
-            </a:r>
-            <a:endParaRPr lang="zh-TW" altLang="en-US" sz="5400" dirty="0"/>
-          </a:p>
-        </p:txBody>
-      </p:sp>
-    </p:spTree>
-  </p:cSld>
-  <p:clrMapOvr>
-    <a:masterClrMapping/>
-  </p:clrMapOvr>
-</p:sld>
-</file>
-
-<file path=ppt/slides/slide6.xml><?xml version="1.0" encoding="utf-8"?>
-<p:sld xmlns:a="http://schemas.openxmlformats.org/drawingml/2006/main" xmlns:r="http://schemas.openxmlformats.org/officeDocument/2006/relationships" xmlns:p="http://schemas.openxmlformats.org/presentationml/2006/main">
-  <p:cSld>
-    <p:spTree>
-      <p:nvGrpSpPr>
-        <p:cNvPr id="1" name=""/>
-        <p:cNvGrpSpPr/>
-        <p:nvPr/>
-      </p:nvGrpSpPr>
-      <p:grpSpPr>
-        <a:xfrm>
-          <a:off x="0" y="0"/>
-          <a:ext cx="0" cy="0"/>
-          <a:chOff x="0" y="0"/>
-          <a:chExt cx="0" cy="0"/>
-        </a:xfrm>
-      </p:grpSpPr>
-      <p:sp>
-        <p:nvSpPr>
-          <p:cNvPr id="4" name="標題 3"/>
-          <p:cNvSpPr>
-            <a:spLocks noGrp="1"/>
-          </p:cNvSpPr>
-          <p:nvPr>
-            <p:ph type="title"/>
-          </p:nvPr>
-        </p:nvSpPr>
-        <p:spPr/>
-        <p:txBody>
-          <a:bodyPr/>
-          <a:lstStyle/>
-          <a:p>
-            <a:r>
-              <a:rPr lang="zh-CN" altLang="en-US" dirty="0" smtClean="0"/>
-              <a:t>主我來就你</a:t>
-            </a:r>
-            <a:endParaRPr lang="zh-TW" altLang="en-US" dirty="0"/>
-          </a:p>
-        </p:txBody>
-      </p:sp>
-      <p:sp>
-        <p:nvSpPr>
-          <p:cNvPr id="5" name="內容版面配置區 4"/>
-          <p:cNvSpPr>
-            <a:spLocks noGrp="1"/>
-          </p:cNvSpPr>
-          <p:nvPr>
-            <p:ph idx="1"/>
-          </p:nvPr>
-        </p:nvSpPr>
-        <p:spPr/>
-        <p:txBody>
-          <a:bodyPr>
-            <a:normAutofit/>
-          </a:bodyPr>
-          <a:lstStyle/>
-          <a:p>
-            <a:pPr algn="ctr">
-              <a:buNone/>
-            </a:pPr>
-            <a:r>
-              <a:rPr lang="zh-CN" altLang="en-US" sz="5400" dirty="0" smtClean="0"/>
-              <a:t>主我來就你</a:t>
-            </a:r>
-            <a:endParaRPr lang="en-US" altLang="zh-CN" sz="5400" dirty="0" smtClean="0"/>
-          </a:p>
-          <a:p>
-            <a:pPr algn="ctr">
-              <a:buNone/>
-            </a:pPr>
-            <a:r>
-              <a:rPr lang="zh-CN" altLang="en-US" sz="5400" dirty="0" smtClean="0"/>
-              <a:t>我今來就你</a:t>
-            </a:r>
-            <a:endParaRPr lang="en-US" altLang="zh-CN" sz="5400" dirty="0" smtClean="0"/>
-          </a:p>
-          <a:p>
-            <a:pPr algn="ctr">
-              <a:buNone/>
-            </a:pPr>
-            <a:r>
-              <a:rPr lang="zh-CN" altLang="en-US" sz="5400" dirty="0" smtClean="0"/>
-              <a:t>救主所流的寶血</a:t>
-            </a:r>
-            <a:endParaRPr lang="en-US" altLang="zh-CN" sz="5400" dirty="0" smtClean="0"/>
-          </a:p>
-          <a:p>
-            <a:pPr algn="ctr">
-              <a:buNone/>
-            </a:pPr>
-            <a:r>
-              <a:rPr lang="zh-CN" altLang="en-US" sz="5400" dirty="0" smtClean="0"/>
-              <a:t>洗我罪惡清潔</a:t>
-            </a:r>
-            <a:endParaRPr lang="zh-TW" altLang="en-US" sz="5400" dirty="0"/>
-          </a:p>
-        </p:txBody>
-      </p:sp>
-    </p:spTree>
-  </p:cSld>
-  <p:clrMapOvr>
-    <a:masterClrMapping/>
-  </p:clrMapOvr>
-</p:sld>
-</file>
-
-<file path=ppt/slides/slide7.xml><?xml version="1.0" encoding="utf-8"?>
-<p:sld xmlns:a="http://schemas.openxmlformats.org/drawingml/2006/main" xmlns:r="http://schemas.openxmlformats.org/officeDocument/2006/relationships" xmlns:p="http://schemas.openxmlformats.org/presentationml/2006/main">
-  <p:cSld>
-    <p:spTree>
-      <p:nvGrpSpPr>
-        <p:cNvPr id="1" name=""/>
-        <p:cNvGrpSpPr/>
-        <p:nvPr/>
-      </p:nvGrpSpPr>
-      <p:grpSpPr>
-        <a:xfrm>
-          <a:off x="0" y="0"/>
-          <a:ext cx="0" cy="0"/>
-          <a:chOff x="0" y="0"/>
-          <a:chExt cx="0" cy="0"/>
-        </a:xfrm>
-      </p:grpSpPr>
-      <p:sp>
-        <p:nvSpPr>
-          <p:cNvPr id="4" name="標題 3"/>
-          <p:cNvSpPr>
-            <a:spLocks noGrp="1"/>
-          </p:cNvSpPr>
-          <p:nvPr>
-            <p:ph type="title"/>
-          </p:nvPr>
-        </p:nvSpPr>
-        <p:spPr/>
-        <p:txBody>
-          <a:bodyPr/>
-          <a:lstStyle/>
-          <a:p>
-            <a:r>
-              <a:rPr lang="zh-CN" altLang="en-US" dirty="0" smtClean="0"/>
-              <a:t>主我來就你</a:t>
-            </a:r>
-            <a:endParaRPr lang="zh-TW" altLang="en-US" dirty="0"/>
-          </a:p>
-        </p:txBody>
-      </p:sp>
-      <p:sp>
-        <p:nvSpPr>
-          <p:cNvPr id="5" name="內容版面配置區 4"/>
-          <p:cNvSpPr>
-            <a:spLocks noGrp="1"/>
-          </p:cNvSpPr>
-          <p:nvPr>
-            <p:ph idx="1"/>
-          </p:nvPr>
-        </p:nvSpPr>
-        <p:spPr/>
-        <p:txBody>
-          <a:bodyPr>
-            <a:normAutofit/>
-          </a:bodyPr>
-          <a:lstStyle/>
-          <a:p>
-            <a:pPr algn="ctr">
-              <a:buNone/>
-            </a:pPr>
-            <a:r>
-              <a:rPr lang="zh-CN" altLang="en-US" sz="5400" dirty="0" smtClean="0"/>
-              <a:t>美哉贖罪寶血</a:t>
-            </a:r>
-            <a:endParaRPr lang="en-US" altLang="zh-CN" sz="5400" dirty="0" smtClean="0"/>
-          </a:p>
-          <a:p>
-            <a:pPr algn="ctr">
-              <a:buNone/>
-            </a:pPr>
-            <a:r>
-              <a:rPr lang="zh-CN" altLang="en-US" sz="5400" dirty="0"/>
-              <a:t>大</a:t>
-            </a:r>
-            <a:r>
-              <a:rPr lang="zh-CN" altLang="en-US" sz="5400" dirty="0" smtClean="0"/>
-              <a:t>哉十架能力</a:t>
-            </a:r>
-            <a:endParaRPr lang="en-US" altLang="zh-CN" sz="5400" dirty="0" smtClean="0"/>
-          </a:p>
-          <a:p>
-            <a:pPr algn="ctr">
-              <a:buNone/>
-            </a:pPr>
-            <a:r>
-              <a:rPr lang="zh-CN" altLang="en-US" sz="5400" dirty="0"/>
-              <a:t>奇</a:t>
-            </a:r>
-            <a:r>
-              <a:rPr lang="zh-CN" altLang="en-US" sz="5400" dirty="0" smtClean="0"/>
-              <a:t>哉耶穌替我受死</a:t>
-            </a:r>
-            <a:endParaRPr lang="en-US" altLang="zh-CN" sz="5400" dirty="0" smtClean="0"/>
-          </a:p>
-          <a:p>
-            <a:pPr algn="ctr">
-              <a:buNone/>
-            </a:pPr>
-            <a:r>
-              <a:rPr lang="zh-CN" altLang="en-US" sz="5400" dirty="0" smtClean="0"/>
-              <a:t>我要愛主到底</a:t>
-            </a:r>
-            <a:endParaRPr lang="zh-TW" altLang="en-US" sz="5400" dirty="0"/>
-          </a:p>
-        </p:txBody>
-      </p:sp>
-    </p:spTree>
-  </p:cSld>
-  <p:clrMapOvr>
-    <a:masterClrMapping/>
-  </p:clrMapOvr>
-</p:sld>
-</file>
-
-<file path=ppt/slides/slide8.xml><?xml version="1.0" encoding="utf-8"?>
-<p:sld xmlns:a="http://schemas.openxmlformats.org/drawingml/2006/main" xmlns:r="http://schemas.openxmlformats.org/officeDocument/2006/relationships" xmlns:p="http://schemas.openxmlformats.org/presentationml/2006/main">
-  <p:cSld>
-    <p:spTree>
-      <p:nvGrpSpPr>
-        <p:cNvPr id="1" name=""/>
-        <p:cNvGrpSpPr/>
-        <p:nvPr/>
-      </p:nvGrpSpPr>
-      <p:grpSpPr>
-        <a:xfrm>
-          <a:off x="0" y="0"/>
-          <a:ext cx="0" cy="0"/>
-          <a:chOff x="0" y="0"/>
-          <a:chExt cx="0" cy="0"/>
-        </a:xfrm>
-      </p:grpSpPr>
-      <p:sp>
-        <p:nvSpPr>
-          <p:cNvPr id="4" name="標題 3"/>
-          <p:cNvSpPr>
-            <a:spLocks noGrp="1"/>
-          </p:cNvSpPr>
-          <p:nvPr>
-            <p:ph type="title"/>
-          </p:nvPr>
-        </p:nvSpPr>
-        <p:spPr/>
-        <p:txBody>
-          <a:bodyPr/>
-          <a:lstStyle/>
-          <a:p>
-            <a:r>
-              <a:rPr lang="zh-CN" altLang="en-US" dirty="0" smtClean="0"/>
-              <a:t>主我來就你</a:t>
-            </a:r>
-            <a:endParaRPr lang="zh-TW" altLang="en-US" dirty="0"/>
-          </a:p>
-        </p:txBody>
-      </p:sp>
-      <p:sp>
-        <p:nvSpPr>
-          <p:cNvPr id="5" name="內容版面配置區 4"/>
-          <p:cNvSpPr>
-            <a:spLocks noGrp="1"/>
-          </p:cNvSpPr>
-          <p:nvPr>
-            <p:ph idx="1"/>
-          </p:nvPr>
-        </p:nvSpPr>
-        <p:spPr/>
-        <p:txBody>
-          <a:bodyPr>
-            <a:normAutofit/>
-          </a:bodyPr>
-          <a:lstStyle/>
-          <a:p>
-            <a:pPr algn="ctr">
-              <a:buNone/>
-            </a:pPr>
-            <a:r>
-              <a:rPr lang="zh-CN" altLang="en-US" sz="5400" dirty="0" smtClean="0"/>
-              <a:t>主我來就你</a:t>
-            </a:r>
-            <a:endParaRPr lang="en-US" altLang="zh-CN" sz="5400" dirty="0" smtClean="0"/>
-          </a:p>
-          <a:p>
-            <a:pPr algn="ctr">
-              <a:buNone/>
-            </a:pPr>
-            <a:r>
-              <a:rPr lang="zh-CN" altLang="en-US" sz="5400" dirty="0" smtClean="0"/>
-              <a:t>我今來就你</a:t>
-            </a:r>
-            <a:endParaRPr lang="en-US" altLang="zh-CN" sz="5400" dirty="0" smtClean="0"/>
-          </a:p>
-          <a:p>
-            <a:pPr algn="ctr">
-              <a:buNone/>
-            </a:pPr>
-            <a:r>
-              <a:rPr lang="zh-CN" altLang="en-US" sz="5400" dirty="0" smtClean="0"/>
-              <a:t>救主所流的寶血</a:t>
-            </a:r>
-            <a:endParaRPr lang="en-US" altLang="zh-CN" sz="5400" dirty="0" smtClean="0"/>
-          </a:p>
-          <a:p>
-            <a:pPr algn="ctr">
-              <a:buNone/>
-            </a:pPr>
-            <a:r>
-              <a:rPr lang="zh-CN" altLang="en-US" sz="5400" dirty="0" smtClean="0"/>
-              <a:t>洗我罪惡清潔</a:t>
-            </a:r>
             <a:endParaRPr lang="zh-TW" altLang="en-US" sz="5400" dirty="0"/>
           </a:p>
         </p:txBody>
@@ -4187,9 +3906,9 @@
 </file>
 
 <file path=ppt/theme/theme1.xml><?xml version="1.0" encoding="utf-8"?>
-<a:theme xmlns:a="http://schemas.openxmlformats.org/drawingml/2006/main" name="佈景主題1">
+<a:theme xmlns:a="http://schemas.openxmlformats.org/drawingml/2006/main" name="Church Theme">
   <a:themeElements>
-    <a:clrScheme name="Yamato Painting">
+    <a:clrScheme name="Office">
       <a:dk1>
         <a:sysClr val="windowText" lastClr="000000"/>
       </a:dk1>
@@ -4197,28 +3916,28 @@
         <a:sysClr val="window" lastClr="FFFFFF"/>
       </a:lt1>
       <a:dk2>
-        <a:srgbClr val="3F2D32"/>
+        <a:srgbClr val="1F497D"/>
       </a:dk2>
       <a:lt2>
-        <a:srgbClr val="FEDD00"/>
+        <a:srgbClr val="EEECE1"/>
       </a:lt2>
       <a:accent1>
-        <a:srgbClr val="C24400"/>
+        <a:srgbClr val="4F81BD"/>
       </a:accent1>
       <a:accent2>
-        <a:srgbClr val="3F7228"/>
+        <a:srgbClr val="C0504D"/>
       </a:accent2>
       <a:accent3>
-        <a:srgbClr val="516086"/>
+        <a:srgbClr val="9BBB59"/>
       </a:accent3>
       <a:accent4>
-        <a:srgbClr val="956A86"/>
+        <a:srgbClr val="8064A2"/>
       </a:accent4>
       <a:accent5>
-        <a:srgbClr val="E87981"/>
+        <a:srgbClr val="4BACC6"/>
       </a:accent5>
       <a:accent6>
-        <a:srgbClr val="8D8628"/>
+        <a:srgbClr val="F79646"/>
       </a:accent6>
       <a:hlink>
         <a:srgbClr val="0000FF"/>
@@ -4227,18 +3946,52 @@
         <a:srgbClr val="800080"/>
       </a:folHlink>
     </a:clrScheme>
-    <a:fontScheme name="Yamato Painting">
+    <a:fontScheme name="Office">
       <a:majorFont>
         <a:latin typeface="Calibri"/>
         <a:ea typeface=""/>
         <a:cs typeface=""/>
         <a:font script="Jpan" typeface="ＭＳ Ｐゴシック"/>
         <a:font script="Hang" typeface="맑은 고딕"/>
-        <a:font script="Hans" typeface="黑体"/>
-        <a:font script="Hant" typeface="微軟正黑體"/>
-        <a:font script="Arab" typeface="Tahoma"/>
-        <a:font script="Hebr" typeface="Tahoma"/>
-        <a:font script="Thai" typeface="Tahoma"/>
+        <a:font script="Hans" typeface="宋体"/>
+        <a:font script="Hant" typeface="新細明體"/>
+        <a:font script="Arab" typeface="Times New Roman"/>
+        <a:font script="Hebr" typeface="Times New Roman"/>
+        <a:font script="Thai" typeface="Angsana New"/>
+        <a:font script="Ethi" typeface="Nyala"/>
+        <a:font script="Beng" typeface="Vrinda"/>
+        <a:font script="Gujr" typeface="Shruti"/>
+        <a:font script="Khmr" typeface="MoolBoran"/>
+        <a:font script="Knda" typeface="Tunga"/>
+        <a:font script="Guru" typeface="Raavi"/>
+        <a:font script="Cans" typeface="Euphemia"/>
+        <a:font script="Cher" typeface="Plantagenet Cherokee"/>
+        <a:font script="Yiii" typeface="Microsoft Yi Baiti"/>
+        <a:font script="Tibt" typeface="Microsoft Himalaya"/>
+        <a:font script="Thaa" typeface="MV Boli"/>
+        <a:font script="Deva" typeface="Mangal"/>
+        <a:font script="Telu" typeface="Gautami"/>
+        <a:font script="Taml" typeface="Latha"/>
+        <a:font script="Syrc" typeface="Estrangelo Edessa"/>
+        <a:font script="Orya" typeface="Kalinga"/>
+        <a:font script="Mlym" typeface="Kartika"/>
+        <a:font script="Laoo" typeface="DokChampa"/>
+        <a:font script="Sinh" typeface="Iskoola Pota"/>
+        <a:font script="Mong" typeface="Mongolian Baiti"/>
+        <a:font script="Viet" typeface="Times New Roman"/>
+        <a:font script="Uigh" typeface="Microsoft Uighur"/>
+      </a:majorFont>
+      <a:minorFont>
+        <a:latin typeface="Calibri"/>
+        <a:ea typeface=""/>
+        <a:cs typeface=""/>
+        <a:font script="Jpan" typeface="ＭＳ Ｐゴシック"/>
+        <a:font script="Hang" typeface="맑은 고딕"/>
+        <a:font script="Hans" typeface="宋体"/>
+        <a:font script="Hant" typeface="新細明體"/>
+        <a:font script="Arab" typeface="Arial"/>
+        <a:font script="Hebr" typeface="Arial"/>
+        <a:font script="Thai" typeface="Cordia New"/>
         <a:font script="Ethi" typeface="Nyala"/>
         <a:font script="Beng" typeface="Vrinda"/>
         <a:font script="Gujr" typeface="Shruti"/>
@@ -4259,101 +4012,81 @@
         <a:font script="Laoo" typeface="DokChampa"/>
         <a:font script="Sinh" typeface="Iskoola Pota"/>
         <a:font script="Mong" typeface="Mongolian Baiti"/>
-        <a:font script="Viet" typeface="Tahoma"/>
-        <a:font script="Uigh" typeface="Microsoft Uighur"/>
-      </a:majorFont>
-      <a:minorFont>
-        <a:latin typeface="Calibri"/>
-        <a:ea typeface=""/>
-        <a:cs typeface=""/>
-        <a:font script="Jpan" typeface="ＭＳ Ｐゴシック"/>
-        <a:font script="Hang" typeface="맑은 고딕"/>
-        <a:font script="Hans" typeface="宋体"/>
-        <a:font script="Hant" typeface="微軟正黑體"/>
-        <a:font script="Arab" typeface="Tahoma"/>
-        <a:font script="Hebr" typeface="Tahoma"/>
-        <a:font script="Thai" typeface="Tahoma"/>
-        <a:font script="Ethi" typeface="Nyala"/>
-        <a:font script="Beng" typeface="Vrinda"/>
-        <a:font script="Gujr" typeface="Shruti"/>
-        <a:font script="Khmr" typeface="DaunPenh"/>
-        <a:font script="Knda" typeface="Tunga"/>
-        <a:font script="Guru" typeface="Raavi"/>
-        <a:font script="Cans" typeface="Euphemia"/>
-        <a:font script="Cher" typeface="Plantagenet Cherokee"/>
-        <a:font script="Yiii" typeface="Microsoft Yi Baiti"/>
-        <a:font script="Tibt" typeface="Microsoft Himalaya"/>
-        <a:font script="Thaa" typeface="MV Boli"/>
-        <a:font script="Deva" typeface="Mangal"/>
-        <a:font script="Telu" typeface="Gautami"/>
-        <a:font script="Taml" typeface="Latha"/>
-        <a:font script="Syrc" typeface="Estrangelo Edessa"/>
-        <a:font script="Orya" typeface="Kalinga"/>
-        <a:font script="Mlym" typeface="Kartika"/>
-        <a:font script="Laoo" typeface="DokChampa"/>
-        <a:font script="Sinh" typeface="Iskoola Pota"/>
-        <a:font script="Mong" typeface="Mongolian Baiti"/>
-        <a:font script="Viet" typeface="Tahoma"/>
+        <a:font script="Viet" typeface="Arial"/>
         <a:font script="Uigh" typeface="Microsoft Uighur"/>
       </a:minorFont>
     </a:fontScheme>
-    <a:fmtScheme name="Yamato Painting">
+    <a:fmtScheme name="Office">
       <a:fillStyleLst>
         <a:solidFill>
-          <a:schemeClr val="phClr">
-            <a:tint val="100000"/>
-          </a:schemeClr>
+          <a:schemeClr val="phClr"/>
         </a:solidFill>
-        <a:gradFill>
+        <a:gradFill rotWithShape="1">
           <a:gsLst>
             <a:gs pos="0">
               <a:schemeClr val="phClr">
-                <a:tint val="100000"/>
+                <a:tint val="50000"/>
+                <a:satMod val="300000"/>
+              </a:schemeClr>
+            </a:gs>
+            <a:gs pos="35000">
+              <a:schemeClr val="phClr">
+                <a:tint val="37000"/>
+                <a:satMod val="300000"/>
               </a:schemeClr>
             </a:gs>
             <a:gs pos="100000">
               <a:schemeClr val="phClr">
-                <a:tint val="100000"/>
-                <a:shade val="20000"/>
+                <a:tint val="15000"/>
+                <a:satMod val="350000"/>
               </a:schemeClr>
             </a:gs>
           </a:gsLst>
-          <a:lin ang="5400000" scaled="1"/>
+          <a:lin ang="16200000" scaled="1"/>
         </a:gradFill>
-        <a:blipFill>
-          <a:blip xmlns:r="http://schemas.openxmlformats.org/officeDocument/2006/relationships" r:embed="rId1">
-            <a:duotone>
-              <a:srgbClr val="000000"/>
+        <a:gradFill rotWithShape="1">
+          <a:gsLst>
+            <a:gs pos="0">
               <a:schemeClr val="phClr">
-                <a:tint val="100000"/>
+                <a:shade val="51000"/>
+                <a:satMod val="130000"/>
               </a:schemeClr>
-            </a:duotone>
-          </a:blip>
-          <a:tile tx="0" ty="0" sx="35000" sy="35000" flip="none" algn="tl"/>
-        </a:blipFill>
+            </a:gs>
+            <a:gs pos="80000">
+              <a:schemeClr val="phClr">
+                <a:shade val="93000"/>
+                <a:satMod val="130000"/>
+              </a:schemeClr>
+            </a:gs>
+            <a:gs pos="100000">
+              <a:schemeClr val="phClr">
+                <a:shade val="94000"/>
+                <a:satMod val="135000"/>
+              </a:schemeClr>
+            </a:gs>
+          </a:gsLst>
+          <a:lin ang="16200000" scaled="0"/>
+        </a:gradFill>
       </a:fillStyleLst>
       <a:lnStyleLst>
         <a:ln w="9525" cap="flat" cmpd="sng" algn="ctr">
           <a:solidFill>
             <a:schemeClr val="phClr">
-              <a:alpha val="60000"/>
+              <a:shade val="95000"/>
+              <a:satMod val="105000"/>
             </a:schemeClr>
           </a:solidFill>
           <a:prstDash val="solid"/>
         </a:ln>
-        <a:ln w="19525" cap="flat" cmpd="sng" algn="ctr">
+        <a:ln w="25400" cap="flat" cmpd="sng" algn="ctr">
           <a:solidFill>
-            <a:schemeClr val="phClr">
-              <a:alpha val="90000"/>
-            </a:schemeClr>
+            <a:schemeClr val="phClr"/>
           </a:solidFill>
           <a:prstDash val="solid"/>
         </a:ln>
         <a:ln w="38100" cap="flat" cmpd="sng" algn="ctr">
           <a:solidFill>
-            <a:schemeClr val="phClr">
-              <a:alpha val="100000"/>
-            </a:schemeClr>
+            <a:schemeClr val="phClr"/>
           </a:solidFill>
           <a:prstDash val="solid"/>
         </a:ln>
@@ -4361,98 +4094,92 @@
       <a:effectStyleLst>
         <a:effectStyle>
           <a:effectLst>
-            <a:outerShdw blurRad="50800" algn="tl" rotWithShape="0">
+            <a:outerShdw blurRad="40000" dist="20000" dir="5400000" rotWithShape="0">
               <a:srgbClr val="000000">
-                <a:alpha val="64000"/>
+                <a:alpha val="38000"/>
               </a:srgbClr>
             </a:outerShdw>
           </a:effectLst>
         </a:effectStyle>
         <a:effectStyle>
           <a:effectLst>
-            <a:outerShdw blurRad="50800" algn="tl" rotWithShape="0">
+            <a:outerShdw blurRad="40000" dist="23000" dir="5400000" rotWithShape="0">
               <a:srgbClr val="000000">
-                <a:alpha val="64000"/>
+                <a:alpha val="35000"/>
+              </a:srgbClr>
+            </a:outerShdw>
+          </a:effectLst>
+        </a:effectStyle>
+        <a:effectStyle>
+          <a:effectLst>
+            <a:outerShdw blurRad="40000" dist="23000" dir="5400000" rotWithShape="0">
+              <a:srgbClr val="000000">
+                <a:alpha val="35000"/>
               </a:srgbClr>
             </a:outerShdw>
           </a:effectLst>
           <a:scene3d>
-            <a:camera prst="orthographicFront"/>
-            <a:lightRig rig="soft" dir="tl">
+            <a:camera prst="orthographicFront">
               <a:rot lat="0" lon="0" rev="0"/>
+            </a:camera>
+            <a:lightRig rig="threePt" dir="t">
+              <a:rot lat="0" lon="0" rev="1200000"/>
             </a:lightRig>
           </a:scene3d>
           <a:sp3d>
-            <a:bevelT prst="angle"/>
-            <a:bevelB w="304800" h="44450"/>
-            <a:contourClr>
-              <a:schemeClr val="phClr">
-                <a:shade val="60000"/>
-                <a:satMod val="110000"/>
-              </a:schemeClr>
-            </a:contourClr>
-          </a:sp3d>
-        </a:effectStyle>
-        <a:effectStyle>
-          <a:effectLst>
-            <a:glow rad="51600">
-              <a:schemeClr val="phClr">
-                <a:alpha val="60000"/>
-              </a:schemeClr>
-            </a:glow>
-          </a:effectLst>
-          <a:scene3d>
-            <a:camera prst="orthographicFront"/>
-            <a:lightRig rig="threePt" dir="t"/>
-          </a:scene3d>
-          <a:sp3d>
-            <a:bevelT w="165100" prst="coolSlant"/>
-            <a:contourClr>
-              <a:schemeClr val="phClr">
-                <a:shade val="60000"/>
-                <a:satMod val="110000"/>
-              </a:schemeClr>
-            </a:contourClr>
+            <a:bevelT w="63500" h="25400"/>
           </a:sp3d>
         </a:effectStyle>
       </a:effectStyleLst>
       <a:bgFillStyleLst>
         <a:solidFill>
-          <a:schemeClr val="phClr">
-            <a:shade val="90000"/>
-          </a:schemeClr>
+          <a:schemeClr val="phClr"/>
         </a:solidFill>
-        <a:blipFill>
-          <a:blip xmlns:r="http://schemas.openxmlformats.org/officeDocument/2006/relationships" r:embed="rId2">
-            <a:duotone>
+        <a:gradFill rotWithShape="1">
+          <a:gsLst>
+            <a:gs pos="0">
               <a:schemeClr val="phClr">
-                <a:tint val="100000"/>
-                <a:shade val="5000"/>
+                <a:tint val="40000"/>
+                <a:satMod val="350000"/>
               </a:schemeClr>
+            </a:gs>
+            <a:gs pos="40000">
               <a:schemeClr val="phClr">
-                <a:shade val="100000"/>
+                <a:tint val="45000"/>
+                <a:shade val="99000"/>
+                <a:satMod val="350000"/>
               </a:schemeClr>
-            </a:duotone>
-          </a:blip>
-          <a:tile tx="0" ty="0" sx="120000" sy="120000" flip="xy" algn="t"/>
-        </a:blipFill>
-        <a:blipFill rotWithShape="0">
-          <a:blip xmlns:r="http://schemas.openxmlformats.org/officeDocument/2006/relationships" r:embed="rId3">
-            <a:duotone>
+            </a:gs>
+            <a:gs pos="100000">
               <a:schemeClr val="phClr">
-                <a:tint val="100000"/>
-                <a:shade val="5000"/>
+                <a:shade val="20000"/>
+                <a:satMod val="255000"/>
               </a:schemeClr>
+            </a:gs>
+          </a:gsLst>
+          <a:path path="circle">
+            <a:fillToRect l="50000" t="-80000" r="50000" b="180000"/>
+          </a:path>
+        </a:gradFill>
+        <a:gradFill rotWithShape="1">
+          <a:gsLst>
+            <a:gs pos="0">
               <a:schemeClr val="phClr">
-                <a:shade val="100000"/>
+                <a:tint val="80000"/>
+                <a:satMod val="300000"/>
               </a:schemeClr>
-            </a:duotone>
-          </a:blip>
-          <a:srcRect/>
-          <a:stretch>
-            <a:fillRect/>
-          </a:stretch>
-        </a:blipFill>
+            </a:gs>
+            <a:gs pos="100000">
+              <a:schemeClr val="phClr">
+                <a:shade val="30000"/>
+                <a:satMod val="200000"/>
+              </a:schemeClr>
+            </a:gs>
+          </a:gsLst>
+          <a:path path="circle">
+            <a:fillToRect l="50000" t="50000" r="50000" b="50000"/>
+          </a:path>
+        </a:gradFill>
       </a:bgFillStyleLst>
     </a:fmtScheme>
   </a:themeElements>

--- a/(宣道詩100)主我來就你.pptx
+++ b/(宣道詩100)主我來就你.pptx
@@ -107,6 +107,22 @@
       </a:defRPr>
     </a:lvl9pPr>
   </p:defaultTextStyle>
+  <p:extLst>
+    <p:ext uri="{EFAFB233-063F-42B5-8137-9DF3F51BA10A}">
+      <p15:sldGuideLst xmlns:p15="http://schemas.microsoft.com/office/powerpoint/2012/main">
+        <p15:guide id="1" orient="horz" pos="1620">
+          <p15:clr>
+            <a:srgbClr val="A4A3A4"/>
+          </p15:clr>
+        </p15:guide>
+        <p15:guide id="2" pos="2880">
+          <p15:clr>
+            <a:srgbClr val="A4A3A4"/>
+          </p15:clr>
+        </p15:guide>
+      </p15:sldGuideLst>
+    </p:ext>
+  </p:extLst>
 </p:presentation>
 </file>
 
@@ -291,7 +307,7 @@
           <a:p>
             <a:fld id="{D572F042-E3AA-446E-A7BD-209431A81E36}" type="datetimeFigureOut">
               <a:rPr lang="zh-TW" altLang="en-US" smtClean="0"/>
-              <a:t>2019/7/6</a:t>
+              <a:t>2020/5/16</a:t>
             </a:fld>
             <a:endParaRPr lang="zh-TW" altLang="en-US"/>
           </a:p>
@@ -456,7 +472,7 @@
           <a:p>
             <a:fld id="{D572F042-E3AA-446E-A7BD-209431A81E36}" type="datetimeFigureOut">
               <a:rPr lang="zh-TW" altLang="en-US" smtClean="0"/>
-              <a:t>2019/7/6</a:t>
+              <a:t>2020/5/16</a:t>
             </a:fld>
             <a:endParaRPr lang="zh-TW" altLang="en-US"/>
           </a:p>
@@ -631,7 +647,7 @@
           <a:p>
             <a:fld id="{D572F042-E3AA-446E-A7BD-209431A81E36}" type="datetimeFigureOut">
               <a:rPr lang="zh-TW" altLang="en-US" smtClean="0"/>
-              <a:t>2019/7/6</a:t>
+              <a:t>2020/5/16</a:t>
             </a:fld>
             <a:endParaRPr lang="zh-TW" altLang="en-US"/>
           </a:p>
@@ -796,7 +812,7 @@
           <a:p>
             <a:fld id="{D572F042-E3AA-446E-A7BD-209431A81E36}" type="datetimeFigureOut">
               <a:rPr lang="zh-TW" altLang="en-US" smtClean="0"/>
-              <a:t>2019/7/6</a:t>
+              <a:t>2020/5/16</a:t>
             </a:fld>
             <a:endParaRPr lang="zh-TW" altLang="en-US"/>
           </a:p>
@@ -1037,7 +1053,7 @@
           <a:p>
             <a:fld id="{D572F042-E3AA-446E-A7BD-209431A81E36}" type="datetimeFigureOut">
               <a:rPr lang="zh-TW" altLang="en-US" smtClean="0"/>
-              <a:t>2019/7/6</a:t>
+              <a:t>2020/5/16</a:t>
             </a:fld>
             <a:endParaRPr lang="zh-TW" altLang="en-US"/>
           </a:p>
@@ -1320,7 +1336,7 @@
           <a:p>
             <a:fld id="{D572F042-E3AA-446E-A7BD-209431A81E36}" type="datetimeFigureOut">
               <a:rPr lang="zh-TW" altLang="en-US" smtClean="0"/>
-              <a:t>2019/7/6</a:t>
+              <a:t>2020/5/16</a:t>
             </a:fld>
             <a:endParaRPr lang="zh-TW" altLang="en-US"/>
           </a:p>
@@ -1737,7 +1753,7 @@
           <a:p>
             <a:fld id="{D572F042-E3AA-446E-A7BD-209431A81E36}" type="datetimeFigureOut">
               <a:rPr lang="zh-TW" altLang="en-US" smtClean="0"/>
-              <a:t>2019/7/6</a:t>
+              <a:t>2020/5/16</a:t>
             </a:fld>
             <a:endParaRPr lang="zh-TW" altLang="en-US"/>
           </a:p>
@@ -1850,7 +1866,7 @@
           <a:p>
             <a:fld id="{D572F042-E3AA-446E-A7BD-209431A81E36}" type="datetimeFigureOut">
               <a:rPr lang="zh-TW" altLang="en-US" smtClean="0"/>
-              <a:t>2019/7/6</a:t>
+              <a:t>2020/5/16</a:t>
             </a:fld>
             <a:endParaRPr lang="zh-TW" altLang="en-US"/>
           </a:p>
@@ -1940,7 +1956,7 @@
           <a:p>
             <a:fld id="{D572F042-E3AA-446E-A7BD-209431A81E36}" type="datetimeFigureOut">
               <a:rPr lang="zh-TW" altLang="en-US" smtClean="0"/>
-              <a:t>2019/7/6</a:t>
+              <a:t>2020/5/16</a:t>
             </a:fld>
             <a:endParaRPr lang="zh-TW" altLang="en-US"/>
           </a:p>
@@ -2212,7 +2228,7 @@
           <a:p>
             <a:fld id="{D572F042-E3AA-446E-A7BD-209431A81E36}" type="datetimeFigureOut">
               <a:rPr lang="zh-TW" altLang="en-US" smtClean="0"/>
-              <a:t>2019/7/6</a:t>
+              <a:t>2020/5/16</a:t>
             </a:fld>
             <a:endParaRPr lang="zh-TW" altLang="en-US"/>
           </a:p>
@@ -2464,7 +2480,7 @@
           <a:p>
             <a:fld id="{D572F042-E3AA-446E-A7BD-209431A81E36}" type="datetimeFigureOut">
               <a:rPr lang="zh-TW" altLang="en-US" smtClean="0"/>
-              <a:t>2019/7/6</a:t>
+              <a:t>2020/5/16</a:t>
             </a:fld>
             <a:endParaRPr lang="zh-TW" altLang="en-US"/>
           </a:p>
@@ -2677,7 +2693,7 @@
           <a:p>
             <a:fld id="{D572F042-E3AA-446E-A7BD-209431A81E36}" type="datetimeFigureOut">
               <a:rPr lang="zh-TW" altLang="en-US" smtClean="0"/>
-              <a:t>2019/7/6</a:t>
+              <a:t>2020/5/16</a:t>
             </a:fld>
             <a:endParaRPr lang="zh-TW" altLang="en-US"/>
           </a:p>
@@ -3069,7 +3085,14 @@
                 <a:latin typeface="Microsoft JhengHei" pitchFamily="34" charset="-120"/>
                 <a:ea typeface="Microsoft JhengHei" pitchFamily="34" charset="-120"/>
               </a:rPr>
-              <a:t>主我來就你</a:t>
+              <a:t>主我來</a:t>
+            </a:r>
+            <a:r>
+              <a:rPr lang="zh-CN" altLang="en-US" sz="3600" b="1" dirty="0" smtClean="0">
+                <a:latin typeface="Microsoft JhengHei" pitchFamily="34" charset="-120"/>
+                <a:ea typeface="Microsoft JhengHei" pitchFamily="34" charset="-120"/>
+              </a:rPr>
+              <a:t>就袮</a:t>
             </a:r>
             <a:endParaRPr lang="zh-TW" altLang="en-US" sz="3600" b="1" dirty="0">
               <a:latin typeface="Microsoft JhengHei" pitchFamily="34" charset="-120"/>
@@ -3108,21 +3131,7 @@
                 <a:latin typeface="Microsoft JhengHei" pitchFamily="34" charset="-120"/>
                 <a:ea typeface="Microsoft JhengHei" pitchFamily="34" charset="-120"/>
               </a:rPr>
-              <a:t>救主歡喜聲</a:t>
-            </a:r>
-            <a:r>
-              <a:rPr lang="zh-CN" altLang="en-US" sz="4400" b="1" dirty="0" smtClean="0">
-                <a:latin typeface="Microsoft JhengHei" pitchFamily="34" charset="-120"/>
-                <a:ea typeface="Microsoft JhengHei" pitchFamily="34" charset="-120"/>
-              </a:rPr>
-              <a:t>音 我</a:t>
-            </a:r>
-            <a:r>
-              <a:rPr lang="zh-CN" altLang="en-US" sz="4400" b="1" dirty="0" smtClean="0">
-                <a:latin typeface="Microsoft JhengHei" pitchFamily="34" charset="-120"/>
-                <a:ea typeface="Microsoft JhengHei" pitchFamily="34" charset="-120"/>
-              </a:rPr>
-              <a:t>今願前來聽</a:t>
+              <a:t>救主歡喜聲音 我今願前來聽</a:t>
             </a:r>
             <a:endParaRPr lang="en-US" altLang="zh-CN" sz="4400" b="1" dirty="0" smtClean="0">
               <a:latin typeface="Microsoft JhengHei" pitchFamily="34" charset="-120"/>
@@ -3154,14 +3163,7 @@
                 <a:latin typeface="Microsoft JhengHei" pitchFamily="34" charset="-120"/>
                 <a:ea typeface="Microsoft JhengHei" pitchFamily="34" charset="-120"/>
               </a:rPr>
-              <a:t>使我能得生</a:t>
-            </a:r>
-            <a:r>
-              <a:rPr lang="zh-CN" altLang="en-US" sz="4400" b="1" dirty="0" smtClean="0">
-                <a:latin typeface="Microsoft JhengHei" pitchFamily="34" charset="-120"/>
-                <a:ea typeface="Microsoft JhengHei" pitchFamily="34" charset="-120"/>
-              </a:rPr>
-              <a:t>命</a:t>
+              <a:t>使我能得生命</a:t>
             </a:r>
             <a:endParaRPr lang="en-US" altLang="zh-CN" sz="4400" b="1" dirty="0" smtClean="0">
               <a:latin typeface="Microsoft JhengHei" pitchFamily="34" charset="-120"/>
@@ -3177,21 +3179,35 @@
                 <a:latin typeface="Microsoft JhengHei" pitchFamily="34" charset="-120"/>
                 <a:ea typeface="Microsoft JhengHei" pitchFamily="34" charset="-120"/>
               </a:rPr>
-              <a:t>主我來就你</a:t>
-            </a:r>
-            <a:r>
-              <a:rPr lang="en-US" altLang="zh-CN" sz="4400" b="1" dirty="0">
-                <a:latin typeface="Microsoft JhengHei" pitchFamily="34" charset="-120"/>
-                <a:ea typeface="Microsoft JhengHei" pitchFamily="34" charset="-120"/>
-              </a:rPr>
-              <a:t>  </a:t>
+              <a:t>主我來</a:t>
             </a:r>
             <a:r>
               <a:rPr lang="zh-CN" altLang="en-US" sz="4400" b="1" dirty="0">
                 <a:latin typeface="Microsoft JhengHei" pitchFamily="34" charset="-120"/>
                 <a:ea typeface="Microsoft JhengHei" pitchFamily="34" charset="-120"/>
               </a:rPr>
-              <a:t>我今來就你</a:t>
+              <a:t>就</a:t>
+            </a:r>
+            <a:r>
+              <a:rPr lang="zh-CN" altLang="en-US" sz="4400" b="1" dirty="0" smtClean="0">
+                <a:latin typeface="Microsoft JhengHei" pitchFamily="34" charset="-120"/>
+                <a:ea typeface="Microsoft JhengHei" pitchFamily="34" charset="-120"/>
+              </a:rPr>
+              <a:t>袮  我</a:t>
+            </a:r>
+            <a:r>
+              <a:rPr lang="zh-CN" altLang="en-US" sz="4400" b="1" dirty="0">
+                <a:latin typeface="Microsoft JhengHei" pitchFamily="34" charset="-120"/>
+                <a:ea typeface="Microsoft JhengHei" pitchFamily="34" charset="-120"/>
+              </a:rPr>
+              <a:t>今來</a:t>
+            </a:r>
+            <a:r>
+              <a:rPr lang="zh-CN" altLang="en-US" sz="4400" b="1" dirty="0">
+                <a:latin typeface="Microsoft JhengHei" pitchFamily="34" charset="-120"/>
+                <a:ea typeface="Microsoft JhengHei" pitchFamily="34" charset="-120"/>
+              </a:rPr>
+              <a:t>就袮</a:t>
             </a:r>
             <a:endParaRPr lang="en-US" altLang="zh-CN" sz="4400" b="1" dirty="0">
               <a:latin typeface="Microsoft JhengHei" pitchFamily="34" charset="-120"/>
@@ -3298,7 +3314,14 @@
                 <a:latin typeface="Microsoft JhengHei" pitchFamily="34" charset="-120"/>
                 <a:ea typeface="Microsoft JhengHei" pitchFamily="34" charset="-120"/>
               </a:rPr>
-              <a:t>主我來就你</a:t>
+              <a:t>主我來</a:t>
+            </a:r>
+            <a:r>
+              <a:rPr lang="zh-CN" altLang="en-US" sz="3600" b="1" dirty="0">
+                <a:latin typeface="Microsoft JhengHei" pitchFamily="34" charset="-120"/>
+                <a:ea typeface="Microsoft JhengHei" pitchFamily="34" charset="-120"/>
+              </a:rPr>
+              <a:t>就袮</a:t>
             </a:r>
             <a:endParaRPr lang="zh-TW" altLang="en-US" sz="3600" b="1" dirty="0">
               <a:latin typeface="Microsoft JhengHei" pitchFamily="34" charset="-120"/>
@@ -3385,21 +3408,35 @@
                 <a:latin typeface="Microsoft JhengHei" pitchFamily="34" charset="-120"/>
                 <a:ea typeface="Microsoft JhengHei" pitchFamily="34" charset="-120"/>
               </a:rPr>
-              <a:t>主我來就你</a:t>
-            </a:r>
-            <a:r>
-              <a:rPr lang="en-US" altLang="zh-CN" sz="4800" b="1" dirty="0">
-                <a:latin typeface="Microsoft JhengHei" pitchFamily="34" charset="-120"/>
-                <a:ea typeface="Microsoft JhengHei" pitchFamily="34" charset="-120"/>
-              </a:rPr>
-              <a:t>  </a:t>
+              <a:t>主我來</a:t>
             </a:r>
             <a:r>
               <a:rPr lang="zh-CN" altLang="en-US" sz="4800" b="1" dirty="0">
                 <a:latin typeface="Microsoft JhengHei" pitchFamily="34" charset="-120"/>
                 <a:ea typeface="Microsoft JhengHei" pitchFamily="34" charset="-120"/>
               </a:rPr>
-              <a:t>我今來就你</a:t>
+              <a:t>就</a:t>
+            </a:r>
+            <a:r>
+              <a:rPr lang="zh-CN" altLang="en-US" sz="4800" b="1" dirty="0" smtClean="0">
+                <a:latin typeface="Microsoft JhengHei" pitchFamily="34" charset="-120"/>
+                <a:ea typeface="Microsoft JhengHei" pitchFamily="34" charset="-120"/>
+              </a:rPr>
+              <a:t>袮  我</a:t>
+            </a:r>
+            <a:r>
+              <a:rPr lang="zh-CN" altLang="en-US" sz="4800" b="1" dirty="0">
+                <a:latin typeface="Microsoft JhengHei" pitchFamily="34" charset="-120"/>
+                <a:ea typeface="Microsoft JhengHei" pitchFamily="34" charset="-120"/>
+              </a:rPr>
+              <a:t>今來</a:t>
+            </a:r>
+            <a:r>
+              <a:rPr lang="zh-CN" altLang="en-US" sz="4800" b="1" dirty="0">
+                <a:latin typeface="Microsoft JhengHei" pitchFamily="34" charset="-120"/>
+                <a:ea typeface="Microsoft JhengHei" pitchFamily="34" charset="-120"/>
+              </a:rPr>
+              <a:t>就袮</a:t>
             </a:r>
             <a:endParaRPr lang="en-US" altLang="zh-CN" sz="4800" b="1" dirty="0">
               <a:latin typeface="Microsoft JhengHei" pitchFamily="34" charset="-120"/>
@@ -3492,7 +3529,14 @@
                 <a:latin typeface="Microsoft JhengHei" pitchFamily="34" charset="-120"/>
                 <a:ea typeface="Microsoft JhengHei" pitchFamily="34" charset="-120"/>
               </a:rPr>
-              <a:t>主我來就你</a:t>
+              <a:t>主我來</a:t>
+            </a:r>
+            <a:r>
+              <a:rPr lang="zh-CN" altLang="en-US" sz="3600" b="1" dirty="0">
+                <a:latin typeface="Microsoft JhengHei" pitchFamily="34" charset="-120"/>
+                <a:ea typeface="Microsoft JhengHei" pitchFamily="34" charset="-120"/>
+              </a:rPr>
+              <a:t>就袮</a:t>
             </a:r>
             <a:endParaRPr lang="zh-TW" altLang="en-US" sz="3600" b="1" dirty="0">
               <a:latin typeface="Microsoft JhengHei" pitchFamily="34" charset="-120"/>
@@ -3605,21 +3649,35 @@
                 <a:latin typeface="Microsoft JhengHei" pitchFamily="34" charset="-120"/>
                 <a:ea typeface="Microsoft JhengHei" pitchFamily="34" charset="-120"/>
               </a:rPr>
-              <a:t>主我來就你</a:t>
-            </a:r>
-            <a:r>
-              <a:rPr lang="en-US" altLang="zh-CN" sz="4400" b="1" dirty="0">
-                <a:latin typeface="Microsoft JhengHei" pitchFamily="34" charset="-120"/>
-                <a:ea typeface="Microsoft JhengHei" pitchFamily="34" charset="-120"/>
-              </a:rPr>
-              <a:t>  </a:t>
+              <a:t>主我來</a:t>
             </a:r>
             <a:r>
               <a:rPr lang="zh-CN" altLang="en-US" sz="4400" b="1" dirty="0">
                 <a:latin typeface="Microsoft JhengHei" pitchFamily="34" charset="-120"/>
                 <a:ea typeface="Microsoft JhengHei" pitchFamily="34" charset="-120"/>
               </a:rPr>
-              <a:t>我今來就你</a:t>
+              <a:t>就</a:t>
+            </a:r>
+            <a:r>
+              <a:rPr lang="zh-CN" altLang="en-US" sz="4400" b="1" dirty="0" smtClean="0">
+                <a:latin typeface="Microsoft JhengHei" pitchFamily="34" charset="-120"/>
+                <a:ea typeface="Microsoft JhengHei" pitchFamily="34" charset="-120"/>
+              </a:rPr>
+              <a:t>袮  我</a:t>
+            </a:r>
+            <a:r>
+              <a:rPr lang="zh-CN" altLang="en-US" sz="4400" b="1" dirty="0">
+                <a:latin typeface="Microsoft JhengHei" pitchFamily="34" charset="-120"/>
+                <a:ea typeface="Microsoft JhengHei" pitchFamily="34" charset="-120"/>
+              </a:rPr>
+              <a:t>今來</a:t>
+            </a:r>
+            <a:r>
+              <a:rPr lang="zh-CN" altLang="en-US" sz="4400" b="1" dirty="0">
+                <a:latin typeface="Microsoft JhengHei" pitchFamily="34" charset="-120"/>
+                <a:ea typeface="Microsoft JhengHei" pitchFamily="34" charset="-120"/>
+              </a:rPr>
+              <a:t>就袮</a:t>
             </a:r>
             <a:endParaRPr lang="en-US" altLang="zh-CN" sz="4400" b="1" dirty="0">
               <a:latin typeface="Microsoft JhengHei" pitchFamily="34" charset="-120"/>
@@ -3708,7 +3766,14 @@
                 <a:latin typeface="Microsoft JhengHei" pitchFamily="34" charset="-120"/>
                 <a:ea typeface="Microsoft JhengHei" pitchFamily="34" charset="-120"/>
               </a:rPr>
-              <a:t>主我來就你</a:t>
+              <a:t>主我來</a:t>
+            </a:r>
+            <a:r>
+              <a:rPr lang="zh-CN" altLang="en-US" sz="3600" b="1" dirty="0">
+                <a:latin typeface="Microsoft JhengHei" pitchFamily="34" charset="-120"/>
+                <a:ea typeface="Microsoft JhengHei" pitchFamily="34" charset="-120"/>
+              </a:rPr>
+              <a:t>就袮</a:t>
             </a:r>
             <a:endParaRPr lang="zh-TW" altLang="en-US" sz="3600" b="1" dirty="0">
               <a:latin typeface="Microsoft JhengHei" pitchFamily="34" charset="-120"/>
@@ -3757,14 +3822,7 @@
                 <a:latin typeface="Microsoft JhengHei" pitchFamily="34" charset="-120"/>
                 <a:ea typeface="Microsoft JhengHei" pitchFamily="34" charset="-120"/>
               </a:rPr>
-              <a:t> </a:t>
-            </a:r>
-            <a:r>
-              <a:rPr lang="en-US" altLang="zh-CN" sz="4800" b="1" dirty="0">
-                <a:latin typeface="Microsoft JhengHei" pitchFamily="34" charset="-120"/>
-                <a:ea typeface="Microsoft JhengHei" pitchFamily="34" charset="-120"/>
-              </a:rPr>
-              <a:t> </a:t>
+              <a:t>  </a:t>
             </a:r>
             <a:r>
               <a:rPr lang="zh-CN" altLang="en-US" sz="4800" b="1" dirty="0">
@@ -3790,14 +3848,7 @@
                 <a:latin typeface="Microsoft JhengHei" pitchFamily="34" charset="-120"/>
                 <a:ea typeface="Microsoft JhengHei" pitchFamily="34" charset="-120"/>
               </a:rPr>
-              <a:t>奇</a:t>
-            </a:r>
-            <a:r>
-              <a:rPr lang="zh-CN" altLang="en-US" sz="4800" b="1" dirty="0">
-                <a:latin typeface="Microsoft JhengHei" pitchFamily="34" charset="-120"/>
-                <a:ea typeface="Microsoft JhengHei" pitchFamily="34" charset="-120"/>
-              </a:rPr>
-              <a:t>哉耶穌替我受死</a:t>
+              <a:t>奇哉耶穌替我受死</a:t>
             </a:r>
             <a:endParaRPr lang="en-US" altLang="zh-CN" sz="4800" b="1" dirty="0">
               <a:latin typeface="Microsoft JhengHei" pitchFamily="34" charset="-120"/>
@@ -3835,21 +3886,35 @@
                 <a:latin typeface="Microsoft JhengHei" pitchFamily="34" charset="-120"/>
                 <a:ea typeface="Microsoft JhengHei" pitchFamily="34" charset="-120"/>
               </a:rPr>
-              <a:t>主我來就你</a:t>
-            </a:r>
-            <a:r>
-              <a:rPr lang="en-US" altLang="zh-CN" sz="4800" b="1" dirty="0">
-                <a:latin typeface="Microsoft JhengHei" pitchFamily="34" charset="-120"/>
-                <a:ea typeface="Microsoft JhengHei" pitchFamily="34" charset="-120"/>
-              </a:rPr>
-              <a:t>  </a:t>
+              <a:t>主我來</a:t>
             </a:r>
             <a:r>
               <a:rPr lang="zh-CN" altLang="en-US" sz="4800" b="1" dirty="0">
                 <a:latin typeface="Microsoft JhengHei" pitchFamily="34" charset="-120"/>
                 <a:ea typeface="Microsoft JhengHei" pitchFamily="34" charset="-120"/>
               </a:rPr>
-              <a:t>我今來就你</a:t>
+              <a:t>就</a:t>
+            </a:r>
+            <a:r>
+              <a:rPr lang="zh-CN" altLang="en-US" sz="4800" b="1" dirty="0" smtClean="0">
+                <a:latin typeface="Microsoft JhengHei" pitchFamily="34" charset="-120"/>
+                <a:ea typeface="Microsoft JhengHei" pitchFamily="34" charset="-120"/>
+              </a:rPr>
+              <a:t>袮  我</a:t>
+            </a:r>
+            <a:r>
+              <a:rPr lang="zh-CN" altLang="en-US" sz="4800" b="1" dirty="0">
+                <a:latin typeface="Microsoft JhengHei" pitchFamily="34" charset="-120"/>
+                <a:ea typeface="Microsoft JhengHei" pitchFamily="34" charset="-120"/>
+              </a:rPr>
+              <a:t>今來</a:t>
+            </a:r>
+            <a:r>
+              <a:rPr lang="zh-CN" altLang="en-US" sz="4800" b="1" dirty="0">
+                <a:latin typeface="Microsoft JhengHei" pitchFamily="34" charset="-120"/>
+                <a:ea typeface="Microsoft JhengHei" pitchFamily="34" charset="-120"/>
+              </a:rPr>
+              <a:t>就袮</a:t>
             </a:r>
             <a:endParaRPr lang="en-US" altLang="zh-CN" sz="4800" b="1" dirty="0">
               <a:latin typeface="Microsoft JhengHei" pitchFamily="34" charset="-120"/>
